--- a/Lecture slides/ADAP B06 - Value Objects.pptx
+++ b/Lecture slides/ADAP B06 - Value Objects.pptx
@@ -734,7 +734,7 @@
   <p:cSld>
     <p:spTree>
       <p:nvGrpSpPr>
-        <p:cNvPr id="32" name="Shape 32"/>
+        <p:cNvPr id="47" name="Shape 47"/>
         <p:cNvGrpSpPr/>
         <p:nvPr/>
       </p:nvGrpSpPr>
@@ -748,7 +748,7 @@
       </p:grpSpPr>
       <p:sp>
         <p:nvSpPr>
-          <p:cNvPr id="33" name="Google Shape;33;p:notes"/>
+          <p:cNvPr id="48" name="Google Shape;48;p:notes"/>
           <p:cNvSpPr/>
           <p:nvPr>
             <p:ph idx="2" type="sldImg"/>
@@ -783,7 +783,7 @@
       </p:sp>
       <p:sp>
         <p:nvSpPr>
-          <p:cNvPr id="34" name="Google Shape;34;p:notes"/>
+          <p:cNvPr id="49" name="Google Shape;49;p:notes"/>
           <p:cNvSpPr txBox="1"/>
           <p:nvPr>
             <p:ph idx="1" type="body"/>
@@ -833,7 +833,7 @@
   <p:cSld>
     <p:spTree>
       <p:nvGrpSpPr>
-        <p:cNvPr id="95" name="Shape 95"/>
+        <p:cNvPr id="110" name="Shape 110"/>
         <p:cNvGrpSpPr/>
         <p:nvPr/>
       </p:nvGrpSpPr>
@@ -847,7 +847,7 @@
       </p:grpSpPr>
       <p:sp>
         <p:nvSpPr>
-          <p:cNvPr id="96" name="Google Shape;96;g31a46b91a33_0_86:notes"/>
+          <p:cNvPr id="111" name="Google Shape;111;g31a46b91a33_0_86:notes"/>
           <p:cNvSpPr/>
           <p:nvPr>
             <p:ph idx="2" type="sldImg"/>
@@ -882,7 +882,7 @@
       </p:sp>
       <p:sp>
         <p:nvSpPr>
-          <p:cNvPr id="97" name="Google Shape;97;g31a46b91a33_0_86:notes"/>
+          <p:cNvPr id="112" name="Google Shape;112;g31a46b91a33_0_86:notes"/>
           <p:cNvSpPr txBox="1"/>
           <p:nvPr>
             <p:ph idx="1" type="body"/>
@@ -932,7 +932,7 @@
   <p:cSld>
     <p:spTree>
       <p:nvGrpSpPr>
-        <p:cNvPr id="102" name="Shape 102"/>
+        <p:cNvPr id="117" name="Shape 117"/>
         <p:cNvGrpSpPr/>
         <p:nvPr/>
       </p:nvGrpSpPr>
@@ -946,7 +946,7 @@
       </p:grpSpPr>
       <p:sp>
         <p:nvSpPr>
-          <p:cNvPr id="103" name="Google Shape;103;g31a46b91a33_0_98:notes"/>
+          <p:cNvPr id="118" name="Google Shape;118;g31a46b91a33_0_98:notes"/>
           <p:cNvSpPr/>
           <p:nvPr>
             <p:ph idx="2" type="sldImg"/>
@@ -981,7 +981,7 @@
       </p:sp>
       <p:sp>
         <p:nvSpPr>
-          <p:cNvPr id="104" name="Google Shape;104;g31a46b91a33_0_98:notes"/>
+          <p:cNvPr id="119" name="Google Shape;119;g31a46b91a33_0_98:notes"/>
           <p:cNvSpPr txBox="1"/>
           <p:nvPr>
             <p:ph idx="1" type="body"/>
@@ -1031,7 +1031,7 @@
   <p:cSld>
     <p:spTree>
       <p:nvGrpSpPr>
-        <p:cNvPr id="109" name="Shape 109"/>
+        <p:cNvPr id="124" name="Shape 124"/>
         <p:cNvGrpSpPr/>
         <p:nvPr/>
       </p:nvGrpSpPr>
@@ -1045,7 +1045,7 @@
       </p:grpSpPr>
       <p:sp>
         <p:nvSpPr>
-          <p:cNvPr id="110" name="Google Shape;110;g31a46b91a33_0_36:notes"/>
+          <p:cNvPr id="125" name="Google Shape;125;g31a46b91a33_0_36:notes"/>
           <p:cNvSpPr/>
           <p:nvPr>
             <p:ph idx="2" type="sldImg"/>
@@ -1080,7 +1080,7 @@
       </p:sp>
       <p:sp>
         <p:nvSpPr>
-          <p:cNvPr id="111" name="Google Shape;111;g31a46b91a33_0_36:notes"/>
+          <p:cNvPr id="126" name="Google Shape;126;g31a46b91a33_0_36:notes"/>
           <p:cNvSpPr txBox="1"/>
           <p:nvPr>
             <p:ph idx="1" type="body"/>
@@ -1130,7 +1130,7 @@
   <p:cSld>
     <p:spTree>
       <p:nvGrpSpPr>
-        <p:cNvPr id="114" name="Shape 114"/>
+        <p:cNvPr id="129" name="Shape 129"/>
         <p:cNvGrpSpPr/>
         <p:nvPr/>
       </p:nvGrpSpPr>
@@ -1144,7 +1144,7 @@
       </p:grpSpPr>
       <p:sp>
         <p:nvSpPr>
-          <p:cNvPr id="115" name="Google Shape;115;g31a858c3ec1_0_0:notes"/>
+          <p:cNvPr id="130" name="Google Shape;130;g31a858c3ec1_0_0:notes"/>
           <p:cNvSpPr/>
           <p:nvPr>
             <p:ph idx="2" type="sldImg"/>
@@ -1179,7 +1179,7 @@
       </p:sp>
       <p:sp>
         <p:nvSpPr>
-          <p:cNvPr id="116" name="Google Shape;116;g31a858c3ec1_0_0:notes"/>
+          <p:cNvPr id="131" name="Google Shape;131;g31a858c3ec1_0_0:notes"/>
           <p:cNvSpPr txBox="1"/>
           <p:nvPr>
             <p:ph idx="1" type="body"/>
@@ -1229,7 +1229,7 @@
   <p:cSld>
     <p:spTree>
       <p:nvGrpSpPr>
-        <p:cNvPr id="122" name="Shape 122"/>
+        <p:cNvPr id="137" name="Shape 137"/>
         <p:cNvGrpSpPr/>
         <p:nvPr/>
       </p:nvGrpSpPr>
@@ -1243,7 +1243,7 @@
       </p:grpSpPr>
       <p:sp>
         <p:nvSpPr>
-          <p:cNvPr id="123" name="Google Shape;123;g31a46b91a33_0_110:notes"/>
+          <p:cNvPr id="138" name="Google Shape;138;g31a46b91a33_0_110:notes"/>
           <p:cNvSpPr/>
           <p:nvPr>
             <p:ph idx="2" type="sldImg"/>
@@ -1278,7 +1278,7 @@
       </p:sp>
       <p:sp>
         <p:nvSpPr>
-          <p:cNvPr id="124" name="Google Shape;124;g31a46b91a33_0_110:notes"/>
+          <p:cNvPr id="139" name="Google Shape;139;g31a46b91a33_0_110:notes"/>
           <p:cNvSpPr txBox="1"/>
           <p:nvPr>
             <p:ph idx="1" type="body"/>
@@ -1328,7 +1328,7 @@
   <p:cSld>
     <p:spTree>
       <p:nvGrpSpPr>
-        <p:cNvPr id="130" name="Shape 130"/>
+        <p:cNvPr id="145" name="Shape 145"/>
         <p:cNvGrpSpPr/>
         <p:nvPr/>
       </p:nvGrpSpPr>
@@ -1342,7 +1342,7 @@
       </p:grpSpPr>
       <p:sp>
         <p:nvSpPr>
-          <p:cNvPr id="131" name="Google Shape;131;g31a858c3ec1_0_8:notes"/>
+          <p:cNvPr id="146" name="Google Shape;146;g31a858c3ec1_0_8:notes"/>
           <p:cNvSpPr/>
           <p:nvPr>
             <p:ph idx="2" type="sldImg"/>
@@ -1377,7 +1377,7 @@
       </p:sp>
       <p:sp>
         <p:nvSpPr>
-          <p:cNvPr id="132" name="Google Shape;132;g31a858c3ec1_0_8:notes"/>
+          <p:cNvPr id="147" name="Google Shape;147;g31a858c3ec1_0_8:notes"/>
           <p:cNvSpPr txBox="1"/>
           <p:nvPr>
             <p:ph idx="1" type="body"/>
@@ -1427,7 +1427,7 @@
   <p:cSld>
     <p:spTree>
       <p:nvGrpSpPr>
-        <p:cNvPr id="137" name="Shape 137"/>
+        <p:cNvPr id="152" name="Shape 152"/>
         <p:cNvGrpSpPr/>
         <p:nvPr/>
       </p:nvGrpSpPr>
@@ -1441,7 +1441,7 @@
       </p:grpSpPr>
       <p:sp>
         <p:nvSpPr>
-          <p:cNvPr id="138" name="Google Shape;138;g31a858c3ec1_0_19:notes"/>
+          <p:cNvPr id="153" name="Google Shape;153;g31a858c3ec1_0_19:notes"/>
           <p:cNvSpPr/>
           <p:nvPr>
             <p:ph idx="2" type="sldImg"/>
@@ -1476,7 +1476,7 @@
       </p:sp>
       <p:sp>
         <p:nvSpPr>
-          <p:cNvPr id="139" name="Google Shape;139;g31a858c3ec1_0_19:notes"/>
+          <p:cNvPr id="154" name="Google Shape;154;g31a858c3ec1_0_19:notes"/>
           <p:cNvSpPr txBox="1"/>
           <p:nvPr>
             <p:ph idx="1" type="body"/>
@@ -1526,7 +1526,7 @@
   <p:cSld>
     <p:spTree>
       <p:nvGrpSpPr>
-        <p:cNvPr id="142" name="Shape 142"/>
+        <p:cNvPr id="157" name="Shape 157"/>
         <p:cNvGrpSpPr/>
         <p:nvPr/>
       </p:nvGrpSpPr>
@@ -1540,7 +1540,7 @@
       </p:grpSpPr>
       <p:sp>
         <p:nvSpPr>
-          <p:cNvPr id="143" name="Google Shape;143;g31a46b91a33_0_116:notes"/>
+          <p:cNvPr id="158" name="Google Shape;158;g31a46b91a33_0_116:notes"/>
           <p:cNvSpPr/>
           <p:nvPr>
             <p:ph idx="2" type="sldImg"/>
@@ -1575,7 +1575,7 @@
       </p:sp>
       <p:sp>
         <p:nvSpPr>
-          <p:cNvPr id="144" name="Google Shape;144;g31a46b91a33_0_116:notes"/>
+          <p:cNvPr id="159" name="Google Shape;159;g31a46b91a33_0_116:notes"/>
           <p:cNvSpPr txBox="1"/>
           <p:nvPr>
             <p:ph idx="1" type="body"/>
@@ -1625,7 +1625,7 @@
   <p:cSld>
     <p:spTree>
       <p:nvGrpSpPr>
-        <p:cNvPr id="149" name="Shape 149"/>
+        <p:cNvPr id="164" name="Shape 164"/>
         <p:cNvGrpSpPr/>
         <p:nvPr/>
       </p:nvGrpSpPr>
@@ -1639,7 +1639,7 @@
       </p:grpSpPr>
       <p:sp>
         <p:nvSpPr>
-          <p:cNvPr id="150" name="Google Shape;150;g31a858c3ec1_0_23:notes"/>
+          <p:cNvPr id="165" name="Google Shape;165;g31a858c3ec1_0_23:notes"/>
           <p:cNvSpPr/>
           <p:nvPr>
             <p:ph idx="2" type="sldImg"/>
@@ -1674,7 +1674,7 @@
       </p:sp>
       <p:sp>
         <p:nvSpPr>
-          <p:cNvPr id="151" name="Google Shape;151;g31a858c3ec1_0_23:notes"/>
+          <p:cNvPr id="166" name="Google Shape;166;g31a858c3ec1_0_23:notes"/>
           <p:cNvSpPr txBox="1"/>
           <p:nvPr>
             <p:ph idx="1" type="body"/>
@@ -1724,7 +1724,7 @@
   <p:cSld>
     <p:spTree>
       <p:nvGrpSpPr>
-        <p:cNvPr id="157" name="Shape 157"/>
+        <p:cNvPr id="172" name="Shape 172"/>
         <p:cNvGrpSpPr/>
         <p:nvPr/>
       </p:nvGrpSpPr>
@@ -1738,7 +1738,7 @@
       </p:grpSpPr>
       <p:sp>
         <p:nvSpPr>
-          <p:cNvPr id="158" name="Google Shape;158;g31a858c3ec1_0_45:notes"/>
+          <p:cNvPr id="173" name="Google Shape;173;g31a858c3ec1_0_45:notes"/>
           <p:cNvSpPr/>
           <p:nvPr>
             <p:ph idx="2" type="sldImg"/>
@@ -1773,7 +1773,7 @@
       </p:sp>
       <p:sp>
         <p:nvSpPr>
-          <p:cNvPr id="159" name="Google Shape;159;g31a858c3ec1_0_45:notes"/>
+          <p:cNvPr id="174" name="Google Shape;174;g31a858c3ec1_0_45:notes"/>
           <p:cNvSpPr txBox="1"/>
           <p:nvPr>
             <p:ph idx="1" type="body"/>
@@ -1823,7 +1823,7 @@
   <p:cSld>
     <p:spTree>
       <p:nvGrpSpPr>
-        <p:cNvPr id="38" name="Shape 38"/>
+        <p:cNvPr id="53" name="Shape 53"/>
         <p:cNvGrpSpPr/>
         <p:nvPr/>
       </p:nvGrpSpPr>
@@ -1837,7 +1837,7 @@
       </p:grpSpPr>
       <p:sp>
         <p:nvSpPr>
-          <p:cNvPr id="39" name="Google Shape;39;g2fe02fb2832_0_6:notes"/>
+          <p:cNvPr id="54" name="Google Shape;54;g2fe02fb2832_0_6:notes"/>
           <p:cNvSpPr/>
           <p:nvPr>
             <p:ph idx="2" type="sldImg"/>
@@ -1872,7 +1872,7 @@
       </p:sp>
       <p:sp>
         <p:nvSpPr>
-          <p:cNvPr id="40" name="Google Shape;40;g2fe02fb2832_0_6:notes"/>
+          <p:cNvPr id="55" name="Google Shape;55;g2fe02fb2832_0_6:notes"/>
           <p:cNvSpPr txBox="1"/>
           <p:nvPr>
             <p:ph idx="1" type="body"/>
@@ -1922,7 +1922,7 @@
   <p:cSld>
     <p:spTree>
       <p:nvGrpSpPr>
-        <p:cNvPr id="164" name="Shape 164"/>
+        <p:cNvPr id="179" name="Shape 179"/>
         <p:cNvGrpSpPr/>
         <p:nvPr/>
       </p:nvGrpSpPr>
@@ -1936,7 +1936,7 @@
       </p:grpSpPr>
       <p:sp>
         <p:nvSpPr>
-          <p:cNvPr id="165" name="Google Shape;165;g31a858c3ec1_0_32:notes"/>
+          <p:cNvPr id="180" name="Google Shape;180;g31a858c3ec1_0_32:notes"/>
           <p:cNvSpPr/>
           <p:nvPr>
             <p:ph idx="2" type="sldImg"/>
@@ -1971,7 +1971,7 @@
       </p:sp>
       <p:sp>
         <p:nvSpPr>
-          <p:cNvPr id="166" name="Google Shape;166;g31a858c3ec1_0_32:notes"/>
+          <p:cNvPr id="181" name="Google Shape;181;g31a858c3ec1_0_32:notes"/>
           <p:cNvSpPr txBox="1"/>
           <p:nvPr>
             <p:ph idx="1" type="body"/>
@@ -2021,7 +2021,7 @@
   <p:cSld>
     <p:spTree>
       <p:nvGrpSpPr>
-        <p:cNvPr id="171" name="Shape 171"/>
+        <p:cNvPr id="186" name="Shape 186"/>
         <p:cNvGrpSpPr/>
         <p:nvPr/>
       </p:nvGrpSpPr>
@@ -2035,7 +2035,7 @@
       </p:grpSpPr>
       <p:sp>
         <p:nvSpPr>
-          <p:cNvPr id="172" name="Google Shape;172;g31a46b91a33_0_40:notes"/>
+          <p:cNvPr id="187" name="Google Shape;187;g31a46b91a33_0_40:notes"/>
           <p:cNvSpPr/>
           <p:nvPr>
             <p:ph idx="2" type="sldImg"/>
@@ -2070,7 +2070,7 @@
       </p:sp>
       <p:sp>
         <p:nvSpPr>
-          <p:cNvPr id="173" name="Google Shape;173;g31a46b91a33_0_40:notes"/>
+          <p:cNvPr id="188" name="Google Shape;188;g31a46b91a33_0_40:notes"/>
           <p:cNvSpPr txBox="1"/>
           <p:nvPr>
             <p:ph idx="1" type="body"/>
@@ -2120,7 +2120,7 @@
   <p:cSld>
     <p:spTree>
       <p:nvGrpSpPr>
-        <p:cNvPr id="176" name="Shape 176"/>
+        <p:cNvPr id="191" name="Shape 191"/>
         <p:cNvGrpSpPr/>
         <p:nvPr/>
       </p:nvGrpSpPr>
@@ -2134,7 +2134,7 @@
       </p:grpSpPr>
       <p:sp>
         <p:nvSpPr>
-          <p:cNvPr id="177" name="Google Shape;177;g31a46b91a33_0_122:notes"/>
+          <p:cNvPr id="192" name="Google Shape;192;g31a46b91a33_0_122:notes"/>
           <p:cNvSpPr/>
           <p:nvPr>
             <p:ph idx="2" type="sldImg"/>
@@ -2169,7 +2169,7 @@
       </p:sp>
       <p:sp>
         <p:nvSpPr>
-          <p:cNvPr id="178" name="Google Shape;178;g31a46b91a33_0_122:notes"/>
+          <p:cNvPr id="193" name="Google Shape;193;g31a46b91a33_0_122:notes"/>
           <p:cNvSpPr txBox="1"/>
           <p:nvPr>
             <p:ph idx="1" type="body"/>
@@ -2219,7 +2219,7 @@
   <p:cSld>
     <p:spTree>
       <p:nvGrpSpPr>
-        <p:cNvPr id="183" name="Shape 183"/>
+        <p:cNvPr id="198" name="Shape 198"/>
         <p:cNvGrpSpPr/>
         <p:nvPr/>
       </p:nvGrpSpPr>
@@ -2233,7 +2233,7 @@
       </p:grpSpPr>
       <p:sp>
         <p:nvSpPr>
-          <p:cNvPr id="184" name="Google Shape;184;g31a858c3ec1_0_39:notes"/>
+          <p:cNvPr id="199" name="Google Shape;199;g31a858c3ec1_0_39:notes"/>
           <p:cNvSpPr/>
           <p:nvPr>
             <p:ph idx="2" type="sldImg"/>
@@ -2268,7 +2268,7 @@
       </p:sp>
       <p:sp>
         <p:nvSpPr>
-          <p:cNvPr id="185" name="Google Shape;185;g31a858c3ec1_0_39:notes"/>
+          <p:cNvPr id="200" name="Google Shape;200;g31a858c3ec1_0_39:notes"/>
           <p:cNvSpPr txBox="1"/>
           <p:nvPr>
             <p:ph idx="1" type="body"/>
@@ -2318,7 +2318,7 @@
   <p:cSld>
     <p:spTree>
       <p:nvGrpSpPr>
-        <p:cNvPr id="190" name="Shape 190"/>
+        <p:cNvPr id="205" name="Shape 205"/>
         <p:cNvGrpSpPr/>
         <p:nvPr/>
       </p:nvGrpSpPr>
@@ -2332,7 +2332,7 @@
       </p:grpSpPr>
       <p:sp>
         <p:nvSpPr>
-          <p:cNvPr id="191" name="Google Shape;191;g31a46b91a33_0_92:notes"/>
+          <p:cNvPr id="206" name="Google Shape;206;g31a46b91a33_0_92:notes"/>
           <p:cNvSpPr/>
           <p:nvPr>
             <p:ph idx="2" type="sldImg"/>
@@ -2367,7 +2367,7 @@
       </p:sp>
       <p:sp>
         <p:nvSpPr>
-          <p:cNvPr id="192" name="Google Shape;192;g31a46b91a33_0_92:notes"/>
+          <p:cNvPr id="207" name="Google Shape;207;g31a46b91a33_0_92:notes"/>
           <p:cNvSpPr txBox="1"/>
           <p:nvPr>
             <p:ph idx="1" type="body"/>
@@ -2417,7 +2417,7 @@
   <p:cSld>
     <p:spTree>
       <p:nvGrpSpPr>
-        <p:cNvPr id="199" name="Shape 199"/>
+        <p:cNvPr id="214" name="Shape 214"/>
         <p:cNvGrpSpPr/>
         <p:nvPr/>
       </p:nvGrpSpPr>
@@ -2431,7 +2431,7 @@
       </p:grpSpPr>
       <p:sp>
         <p:nvSpPr>
-          <p:cNvPr id="200" name="Google Shape;200;g31ab0630356_0_0:notes"/>
+          <p:cNvPr id="215" name="Google Shape;215;g31ab0630356_0_0:notes"/>
           <p:cNvSpPr/>
           <p:nvPr>
             <p:ph idx="2" type="sldImg"/>
@@ -2466,7 +2466,7 @@
       </p:sp>
       <p:sp>
         <p:nvSpPr>
-          <p:cNvPr id="201" name="Google Shape;201;g31ab0630356_0_0:notes"/>
+          <p:cNvPr id="216" name="Google Shape;216;g31ab0630356_0_0:notes"/>
           <p:cNvSpPr txBox="1"/>
           <p:nvPr>
             <p:ph idx="1" type="body"/>
@@ -2516,7 +2516,7 @@
   <p:cSld>
     <p:spTree>
       <p:nvGrpSpPr>
-        <p:cNvPr id="207" name="Shape 207"/>
+        <p:cNvPr id="222" name="Shape 222"/>
         <p:cNvGrpSpPr/>
         <p:nvPr/>
       </p:nvGrpSpPr>
@@ -2530,7 +2530,7 @@
       </p:grpSpPr>
       <p:sp>
         <p:nvSpPr>
-          <p:cNvPr id="208" name="Google Shape;208;g31a858c3ec1_0_51:notes"/>
+          <p:cNvPr id="223" name="Google Shape;223;g31a858c3ec1_0_51:notes"/>
           <p:cNvSpPr/>
           <p:nvPr>
             <p:ph idx="2" type="sldImg"/>
@@ -2565,7 +2565,7 @@
       </p:sp>
       <p:sp>
         <p:nvSpPr>
-          <p:cNvPr id="209" name="Google Shape;209;g31a858c3ec1_0_51:notes"/>
+          <p:cNvPr id="224" name="Google Shape;224;g31a858c3ec1_0_51:notes"/>
           <p:cNvSpPr txBox="1"/>
           <p:nvPr>
             <p:ph idx="1" type="body"/>
@@ -2615,7 +2615,7 @@
   <p:cSld>
     <p:spTree>
       <p:nvGrpSpPr>
-        <p:cNvPr id="212" name="Shape 212"/>
+        <p:cNvPr id="227" name="Shape 227"/>
         <p:cNvGrpSpPr/>
         <p:nvPr/>
       </p:nvGrpSpPr>
@@ -2629,7 +2629,7 @@
       </p:grpSpPr>
       <p:sp>
         <p:nvSpPr>
-          <p:cNvPr id="213" name="Google Shape;213;g31a858c3ec1_0_69:notes"/>
+          <p:cNvPr id="228" name="Google Shape;228;g31a858c3ec1_0_69:notes"/>
           <p:cNvSpPr/>
           <p:nvPr>
             <p:ph idx="2" type="sldImg"/>
@@ -2664,7 +2664,7 @@
       </p:sp>
       <p:sp>
         <p:nvSpPr>
-          <p:cNvPr id="214" name="Google Shape;214;g31a858c3ec1_0_69:notes"/>
+          <p:cNvPr id="229" name="Google Shape;229;g31a858c3ec1_0_69:notes"/>
           <p:cNvSpPr txBox="1"/>
           <p:nvPr>
             <p:ph idx="1" type="body"/>
@@ -2714,7 +2714,7 @@
   <p:cSld>
     <p:spTree>
       <p:nvGrpSpPr>
-        <p:cNvPr id="219" name="Shape 219"/>
+        <p:cNvPr id="234" name="Shape 234"/>
         <p:cNvGrpSpPr/>
         <p:nvPr/>
       </p:nvGrpSpPr>
@@ -2728,7 +2728,7 @@
       </p:grpSpPr>
       <p:sp>
         <p:nvSpPr>
-          <p:cNvPr id="220" name="Google Shape;220;g31a858c3ec1_0_75:notes"/>
+          <p:cNvPr id="235" name="Google Shape;235;g31a858c3ec1_0_75:notes"/>
           <p:cNvSpPr/>
           <p:nvPr>
             <p:ph idx="2" type="sldImg"/>
@@ -2763,7 +2763,7 @@
       </p:sp>
       <p:sp>
         <p:nvSpPr>
-          <p:cNvPr id="221" name="Google Shape;221;g31a858c3ec1_0_75:notes"/>
+          <p:cNvPr id="236" name="Google Shape;236;g31a858c3ec1_0_75:notes"/>
           <p:cNvSpPr txBox="1"/>
           <p:nvPr>
             <p:ph idx="1" type="body"/>
@@ -2813,7 +2813,7 @@
   <p:cSld>
     <p:spTree>
       <p:nvGrpSpPr>
-        <p:cNvPr id="226" name="Shape 226"/>
+        <p:cNvPr id="241" name="Shape 241"/>
         <p:cNvGrpSpPr/>
         <p:nvPr/>
       </p:nvGrpSpPr>
@@ -2827,7 +2827,7 @@
       </p:grpSpPr>
       <p:sp>
         <p:nvSpPr>
-          <p:cNvPr id="227" name="Google Shape;227;g31a858c3ec1_0_81:notes"/>
+          <p:cNvPr id="242" name="Google Shape;242;g31a858c3ec1_0_81:notes"/>
           <p:cNvSpPr/>
           <p:nvPr>
             <p:ph idx="2" type="sldImg"/>
@@ -2862,7 +2862,7 @@
       </p:sp>
       <p:sp>
         <p:nvSpPr>
-          <p:cNvPr id="228" name="Google Shape;228;g31a858c3ec1_0_81:notes"/>
+          <p:cNvPr id="243" name="Google Shape;243;g31a858c3ec1_0_81:notes"/>
           <p:cNvSpPr txBox="1"/>
           <p:nvPr>
             <p:ph idx="1" type="body"/>
@@ -2912,7 +2912,7 @@
   <p:cSld>
     <p:spTree>
       <p:nvGrpSpPr>
-        <p:cNvPr id="46" name="Shape 46"/>
+        <p:cNvPr id="61" name="Shape 61"/>
         <p:cNvGrpSpPr/>
         <p:nvPr/>
       </p:nvGrpSpPr>
@@ -2926,7 +2926,7 @@
       </p:grpSpPr>
       <p:sp>
         <p:nvSpPr>
-          <p:cNvPr id="47" name="Google Shape;47;g2fe02fb2832_0_0:notes"/>
+          <p:cNvPr id="62" name="Google Shape;62;g2fe02fb2832_0_0:notes"/>
           <p:cNvSpPr/>
           <p:nvPr>
             <p:ph idx="2" type="sldImg"/>
@@ -2961,7 +2961,7 @@
       </p:sp>
       <p:sp>
         <p:nvSpPr>
-          <p:cNvPr id="48" name="Google Shape;48;g2fe02fb2832_0_0:notes"/>
+          <p:cNvPr id="63" name="Google Shape;63;g2fe02fb2832_0_0:notes"/>
           <p:cNvSpPr txBox="1"/>
           <p:nvPr>
             <p:ph idx="1" type="body"/>
@@ -3011,7 +3011,7 @@
   <p:cSld>
     <p:spTree>
       <p:nvGrpSpPr>
-        <p:cNvPr id="233" name="Shape 233"/>
+        <p:cNvPr id="248" name="Shape 248"/>
         <p:cNvGrpSpPr/>
         <p:nvPr/>
       </p:nvGrpSpPr>
@@ -3025,7 +3025,7 @@
       </p:grpSpPr>
       <p:sp>
         <p:nvSpPr>
-          <p:cNvPr id="234" name="Google Shape;234;g31a858c3ec1_0_88:notes"/>
+          <p:cNvPr id="249" name="Google Shape;249;g31a858c3ec1_0_88:notes"/>
           <p:cNvSpPr/>
           <p:nvPr>
             <p:ph idx="2" type="sldImg"/>
@@ -3060,7 +3060,7 @@
       </p:sp>
       <p:sp>
         <p:nvSpPr>
-          <p:cNvPr id="235" name="Google Shape;235;g31a858c3ec1_0_88:notes"/>
+          <p:cNvPr id="250" name="Google Shape;250;g31a858c3ec1_0_88:notes"/>
           <p:cNvSpPr txBox="1"/>
           <p:nvPr>
             <p:ph idx="1" type="body"/>
@@ -3110,7 +3110,7 @@
   <p:cSld>
     <p:spTree>
       <p:nvGrpSpPr>
-        <p:cNvPr id="240" name="Shape 240"/>
+        <p:cNvPr id="255" name="Shape 255"/>
         <p:cNvGrpSpPr/>
         <p:nvPr/>
       </p:nvGrpSpPr>
@@ -3124,7 +3124,7 @@
       </p:grpSpPr>
       <p:sp>
         <p:nvSpPr>
-          <p:cNvPr id="241" name="Google Shape;241;g31a858c3ec1_0_96:notes"/>
+          <p:cNvPr id="256" name="Google Shape;256;g31a858c3ec1_0_96:notes"/>
           <p:cNvSpPr/>
           <p:nvPr>
             <p:ph idx="2" type="sldImg"/>
@@ -3159,7 +3159,7 @@
       </p:sp>
       <p:sp>
         <p:nvSpPr>
-          <p:cNvPr id="242" name="Google Shape;242;g31a858c3ec1_0_96:notes"/>
+          <p:cNvPr id="257" name="Google Shape;257;g31a858c3ec1_0_96:notes"/>
           <p:cNvSpPr txBox="1"/>
           <p:nvPr>
             <p:ph idx="1" type="body"/>
@@ -3209,7 +3209,7 @@
   <p:cSld>
     <p:spTree>
       <p:nvGrpSpPr>
-        <p:cNvPr id="247" name="Shape 247"/>
+        <p:cNvPr id="262" name="Shape 262"/>
         <p:cNvGrpSpPr/>
         <p:nvPr/>
       </p:nvGrpSpPr>
@@ -3223,7 +3223,7 @@
       </p:grpSpPr>
       <p:sp>
         <p:nvSpPr>
-          <p:cNvPr id="248" name="Google Shape;248;g31a858c3ec1_0_104:notes"/>
+          <p:cNvPr id="263" name="Google Shape;263;g31a858c3ec1_0_104:notes"/>
           <p:cNvSpPr/>
           <p:nvPr>
             <p:ph idx="2" type="sldImg"/>
@@ -3258,7 +3258,7 @@
       </p:sp>
       <p:sp>
         <p:nvSpPr>
-          <p:cNvPr id="249" name="Google Shape;249;g31a858c3ec1_0_104:notes"/>
+          <p:cNvPr id="264" name="Google Shape;264;g31a858c3ec1_0_104:notes"/>
           <p:cNvSpPr txBox="1"/>
           <p:nvPr>
             <p:ph idx="1" type="body"/>
@@ -3308,7 +3308,7 @@
   <p:cSld>
     <p:spTree>
       <p:nvGrpSpPr>
-        <p:cNvPr id="254" name="Shape 254"/>
+        <p:cNvPr id="269" name="Shape 269"/>
         <p:cNvGrpSpPr/>
         <p:nvPr/>
       </p:nvGrpSpPr>
@@ -3322,7 +3322,7 @@
       </p:grpSpPr>
       <p:sp>
         <p:nvSpPr>
-          <p:cNvPr id="255" name="Google Shape;255;g31a858c3ec1_0_111:notes"/>
+          <p:cNvPr id="270" name="Google Shape;270;g31a858c3ec1_0_111:notes"/>
           <p:cNvSpPr/>
           <p:nvPr>
             <p:ph idx="2" type="sldImg"/>
@@ -3357,7 +3357,7 @@
       </p:sp>
       <p:sp>
         <p:nvSpPr>
-          <p:cNvPr id="256" name="Google Shape;256;g31a858c3ec1_0_111:notes"/>
+          <p:cNvPr id="271" name="Google Shape;271;g31a858c3ec1_0_111:notes"/>
           <p:cNvSpPr txBox="1"/>
           <p:nvPr>
             <p:ph idx="1" type="body"/>
@@ -3407,7 +3407,7 @@
   <p:cSld>
     <p:spTree>
       <p:nvGrpSpPr>
-        <p:cNvPr id="262" name="Shape 262"/>
+        <p:cNvPr id="277" name="Shape 277"/>
         <p:cNvGrpSpPr/>
         <p:nvPr/>
       </p:nvGrpSpPr>
@@ -3421,7 +3421,7 @@
       </p:grpSpPr>
       <p:sp>
         <p:nvSpPr>
-          <p:cNvPr id="263" name="Google Shape;263;g31a46b91a33_0_48:notes"/>
+          <p:cNvPr id="278" name="Google Shape;278;g31a46b91a33_0_48:notes"/>
           <p:cNvSpPr/>
           <p:nvPr>
             <p:ph idx="2" type="sldImg"/>
@@ -3456,7 +3456,7 @@
       </p:sp>
       <p:sp>
         <p:nvSpPr>
-          <p:cNvPr id="264" name="Google Shape;264;g31a46b91a33_0_48:notes"/>
+          <p:cNvPr id="279" name="Google Shape;279;g31a46b91a33_0_48:notes"/>
           <p:cNvSpPr txBox="1"/>
           <p:nvPr>
             <p:ph idx="1" type="body"/>
@@ -3506,7 +3506,7 @@
   <p:cSld>
     <p:spTree>
       <p:nvGrpSpPr>
-        <p:cNvPr id="267" name="Shape 267"/>
+        <p:cNvPr id="282" name="Shape 282"/>
         <p:cNvGrpSpPr/>
         <p:nvPr/>
       </p:nvGrpSpPr>
@@ -3520,7 +3520,7 @@
       </p:grpSpPr>
       <p:sp>
         <p:nvSpPr>
-          <p:cNvPr id="268" name="Google Shape;268;g31a858c3ec1_0_129:notes"/>
+          <p:cNvPr id="283" name="Google Shape;283;g31a858c3ec1_0_129:notes"/>
           <p:cNvSpPr/>
           <p:nvPr>
             <p:ph idx="2" type="sldImg"/>
@@ -3555,7 +3555,7 @@
       </p:sp>
       <p:sp>
         <p:nvSpPr>
-          <p:cNvPr id="269" name="Google Shape;269;g31a858c3ec1_0_129:notes"/>
+          <p:cNvPr id="284" name="Google Shape;284;g31a858c3ec1_0_129:notes"/>
           <p:cNvSpPr txBox="1"/>
           <p:nvPr>
             <p:ph idx="1" type="body"/>
@@ -3605,7 +3605,7 @@
   <p:cSld>
     <p:spTree>
       <p:nvGrpSpPr>
-        <p:cNvPr id="274" name="Shape 274"/>
+        <p:cNvPr id="289" name="Shape 289"/>
         <p:cNvGrpSpPr/>
         <p:nvPr/>
       </p:nvGrpSpPr>
@@ -3619,7 +3619,7 @@
       </p:grpSpPr>
       <p:sp>
         <p:nvSpPr>
-          <p:cNvPr id="275" name="Google Shape;275;g31a858c3ec1_0_135:notes"/>
+          <p:cNvPr id="290" name="Google Shape;290;g31a858c3ec1_0_135:notes"/>
           <p:cNvSpPr/>
           <p:nvPr>
             <p:ph idx="2" type="sldImg"/>
@@ -3654,7 +3654,7 @@
       </p:sp>
       <p:sp>
         <p:nvSpPr>
-          <p:cNvPr id="276" name="Google Shape;276;g31a858c3ec1_0_135:notes"/>
+          <p:cNvPr id="291" name="Google Shape;291;g31a858c3ec1_0_135:notes"/>
           <p:cNvSpPr txBox="1"/>
           <p:nvPr>
             <p:ph idx="1" type="body"/>
@@ -3704,7 +3704,7 @@
   <p:cSld>
     <p:spTree>
       <p:nvGrpSpPr>
-        <p:cNvPr id="281" name="Shape 281"/>
+        <p:cNvPr id="296" name="Shape 296"/>
         <p:cNvGrpSpPr/>
         <p:nvPr/>
       </p:nvGrpSpPr>
@@ -3718,7 +3718,7 @@
       </p:grpSpPr>
       <p:sp>
         <p:nvSpPr>
-          <p:cNvPr id="282" name="Google Shape;282;g31a858c3ec1_0_141:notes"/>
+          <p:cNvPr id="297" name="Google Shape;297;g31a858c3ec1_0_141:notes"/>
           <p:cNvSpPr/>
           <p:nvPr>
             <p:ph idx="2" type="sldImg"/>
@@ -3753,7 +3753,7 @@
       </p:sp>
       <p:sp>
         <p:nvSpPr>
-          <p:cNvPr id="283" name="Google Shape;283;g31a858c3ec1_0_141:notes"/>
+          <p:cNvPr id="298" name="Google Shape;298;g31a858c3ec1_0_141:notes"/>
           <p:cNvSpPr txBox="1"/>
           <p:nvPr>
             <p:ph idx="1" type="body"/>
@@ -3803,7 +3803,7 @@
   <p:cSld>
     <p:spTree>
       <p:nvGrpSpPr>
-        <p:cNvPr id="289" name="Shape 289"/>
+        <p:cNvPr id="304" name="Shape 304"/>
         <p:cNvGrpSpPr/>
         <p:nvPr/>
       </p:nvGrpSpPr>
@@ -3817,7 +3817,7 @@
       </p:grpSpPr>
       <p:sp>
         <p:nvSpPr>
-          <p:cNvPr id="290" name="Google Shape;290;g31a858c3ec1_0_151:notes"/>
+          <p:cNvPr id="305" name="Google Shape;305;g31a858c3ec1_0_151:notes"/>
           <p:cNvSpPr/>
           <p:nvPr>
             <p:ph idx="2" type="sldImg"/>
@@ -3852,7 +3852,7 @@
       </p:sp>
       <p:sp>
         <p:nvSpPr>
-          <p:cNvPr id="291" name="Google Shape;291;g31a858c3ec1_0_151:notes"/>
+          <p:cNvPr id="306" name="Google Shape;306;g31a858c3ec1_0_151:notes"/>
           <p:cNvSpPr txBox="1"/>
           <p:nvPr>
             <p:ph idx="1" type="body"/>
@@ -3902,7 +3902,7 @@
   <p:cSld>
     <p:spTree>
       <p:nvGrpSpPr>
-        <p:cNvPr id="298" name="Shape 298"/>
+        <p:cNvPr id="313" name="Shape 313"/>
         <p:cNvGrpSpPr/>
         <p:nvPr/>
       </p:nvGrpSpPr>
@@ -3916,7 +3916,7 @@
       </p:grpSpPr>
       <p:sp>
         <p:nvSpPr>
-          <p:cNvPr id="299" name="Google Shape;299;g31a46b91a33_0_30:notes"/>
+          <p:cNvPr id="314" name="Google Shape;314;g31a46b91a33_0_30:notes"/>
           <p:cNvSpPr/>
           <p:nvPr>
             <p:ph idx="2" type="sldImg"/>
@@ -3951,7 +3951,7 @@
       </p:sp>
       <p:sp>
         <p:nvSpPr>
-          <p:cNvPr id="300" name="Google Shape;300;g31a46b91a33_0_30:notes"/>
+          <p:cNvPr id="315" name="Google Shape;315;g31a46b91a33_0_30:notes"/>
           <p:cNvSpPr txBox="1"/>
           <p:nvPr>
             <p:ph idx="1" type="body"/>
@@ -4001,7 +4001,7 @@
   <p:cSld>
     <p:spTree>
       <p:nvGrpSpPr>
-        <p:cNvPr id="51" name="Shape 51"/>
+        <p:cNvPr id="66" name="Shape 66"/>
         <p:cNvGrpSpPr/>
         <p:nvPr/>
       </p:nvGrpSpPr>
@@ -4015,7 +4015,7 @@
       </p:grpSpPr>
       <p:sp>
         <p:nvSpPr>
-          <p:cNvPr id="52" name="Google Shape;52;g31a46b91a33_0_0:notes"/>
+          <p:cNvPr id="67" name="Google Shape;67;g31a46b91a33_0_0:notes"/>
           <p:cNvSpPr/>
           <p:nvPr>
             <p:ph idx="2" type="sldImg"/>
@@ -4050,7 +4050,7 @@
       </p:sp>
       <p:sp>
         <p:nvSpPr>
-          <p:cNvPr id="53" name="Google Shape;53;g31a46b91a33_0_0:notes"/>
+          <p:cNvPr id="68" name="Google Shape;68;g31a46b91a33_0_0:notes"/>
           <p:cNvSpPr txBox="1"/>
           <p:nvPr>
             <p:ph idx="1" type="body"/>
@@ -4100,7 +4100,7 @@
   <p:cSld>
     <p:spTree>
       <p:nvGrpSpPr>
-        <p:cNvPr id="306" name="Shape 306"/>
+        <p:cNvPr id="321" name="Shape 321"/>
         <p:cNvGrpSpPr/>
         <p:nvPr/>
       </p:nvGrpSpPr>
@@ -4114,7 +4114,7 @@
       </p:grpSpPr>
       <p:sp>
         <p:nvSpPr>
-          <p:cNvPr id="307" name="Google Shape;307;g31a858c3ec1_0_174:notes"/>
+          <p:cNvPr id="322" name="Google Shape;322;g31a858c3ec1_0_174:notes"/>
           <p:cNvSpPr/>
           <p:nvPr>
             <p:ph idx="2" type="sldImg"/>
@@ -4149,7 +4149,7 @@
       </p:sp>
       <p:sp>
         <p:nvSpPr>
-          <p:cNvPr id="308" name="Google Shape;308;g31a858c3ec1_0_174:notes"/>
+          <p:cNvPr id="323" name="Google Shape;323;g31a858c3ec1_0_174:notes"/>
           <p:cNvSpPr txBox="1"/>
           <p:nvPr>
             <p:ph idx="1" type="body"/>
@@ -4199,7 +4199,7 @@
   <p:cSld>
     <p:spTree>
       <p:nvGrpSpPr>
-        <p:cNvPr id="311" name="Shape 311"/>
+        <p:cNvPr id="326" name="Shape 326"/>
         <p:cNvGrpSpPr/>
         <p:nvPr/>
       </p:nvGrpSpPr>
@@ -4213,7 +4213,7 @@
       </p:grpSpPr>
       <p:sp>
         <p:nvSpPr>
-          <p:cNvPr id="312" name="Google Shape;312;g31a858c3ec1_0_180:notes"/>
+          <p:cNvPr id="327" name="Google Shape;327;g31a858c3ec1_0_180:notes"/>
           <p:cNvSpPr/>
           <p:nvPr>
             <p:ph idx="2" type="sldImg"/>
@@ -4248,7 +4248,7 @@
       </p:sp>
       <p:sp>
         <p:nvSpPr>
-          <p:cNvPr id="313" name="Google Shape;313;g31a858c3ec1_0_180:notes"/>
+          <p:cNvPr id="328" name="Google Shape;328;g31a858c3ec1_0_180:notes"/>
           <p:cNvSpPr txBox="1"/>
           <p:nvPr>
             <p:ph idx="1" type="body"/>
@@ -4298,7 +4298,7 @@
   <p:cSld>
     <p:spTree>
       <p:nvGrpSpPr>
-        <p:cNvPr id="318" name="Shape 318"/>
+        <p:cNvPr id="333" name="Shape 333"/>
         <p:cNvGrpSpPr/>
         <p:nvPr/>
       </p:nvGrpSpPr>
@@ -4312,7 +4312,7 @@
       </p:grpSpPr>
       <p:sp>
         <p:nvSpPr>
-          <p:cNvPr id="319" name="Google Shape;319;g31a858c3ec1_0_168:notes"/>
+          <p:cNvPr id="334" name="Google Shape;334;g31a858c3ec1_0_168:notes"/>
           <p:cNvSpPr/>
           <p:nvPr>
             <p:ph idx="2" type="sldImg"/>
@@ -4347,7 +4347,7 @@
       </p:sp>
       <p:sp>
         <p:nvSpPr>
-          <p:cNvPr id="320" name="Google Shape;320;g31a858c3ec1_0_168:notes"/>
+          <p:cNvPr id="335" name="Google Shape;335;g31a858c3ec1_0_168:notes"/>
           <p:cNvSpPr txBox="1"/>
           <p:nvPr>
             <p:ph idx="1" type="body"/>
@@ -4397,7 +4397,7 @@
   <p:cSld>
     <p:spTree>
       <p:nvGrpSpPr>
-        <p:cNvPr id="325" name="Shape 325"/>
+        <p:cNvPr id="340" name="Shape 340"/>
         <p:cNvGrpSpPr/>
         <p:nvPr/>
       </p:nvGrpSpPr>
@@ -4411,7 +4411,7 @@
       </p:grpSpPr>
       <p:sp>
         <p:nvSpPr>
-          <p:cNvPr id="326" name="Google Shape;326;g239609b2c0c_0_42:notes"/>
+          <p:cNvPr id="341" name="Google Shape;341;g239609b2c0c_0_42:notes"/>
           <p:cNvSpPr/>
           <p:nvPr>
             <p:ph idx="2" type="sldImg"/>
@@ -4446,7 +4446,7 @@
       </p:sp>
       <p:sp>
         <p:nvSpPr>
-          <p:cNvPr id="327" name="Google Shape;327;g239609b2c0c_0_42:notes"/>
+          <p:cNvPr id="342" name="Google Shape;342;g239609b2c0c_0_42:notes"/>
           <p:cNvSpPr txBox="1"/>
           <p:nvPr>
             <p:ph idx="1" type="body"/>
@@ -4496,7 +4496,7 @@
   <p:cSld>
     <p:spTree>
       <p:nvGrpSpPr>
-        <p:cNvPr id="331" name="Shape 331"/>
+        <p:cNvPr id="346" name="Shape 346"/>
         <p:cNvGrpSpPr/>
         <p:nvPr/>
       </p:nvGrpSpPr>
@@ -4510,7 +4510,7 @@
       </p:grpSpPr>
       <p:sp>
         <p:nvSpPr>
-          <p:cNvPr id="332" name="Google Shape;332;g239609b2c0c_0_47:notes"/>
+          <p:cNvPr id="347" name="Google Shape;347;g239609b2c0c_0_47:notes"/>
           <p:cNvSpPr/>
           <p:nvPr>
             <p:ph idx="2" type="sldImg"/>
@@ -4545,7 +4545,7 @@
       </p:sp>
       <p:sp>
         <p:nvSpPr>
-          <p:cNvPr id="333" name="Google Shape;333;g239609b2c0c_0_47:notes"/>
+          <p:cNvPr id="348" name="Google Shape;348;g239609b2c0c_0_47:notes"/>
           <p:cNvSpPr txBox="1"/>
           <p:nvPr>
             <p:ph idx="1" type="body"/>
@@ -4595,7 +4595,7 @@
   <p:cSld>
     <p:spTree>
       <p:nvGrpSpPr>
-        <p:cNvPr id="58" name="Shape 58"/>
+        <p:cNvPr id="73" name="Shape 73"/>
         <p:cNvGrpSpPr/>
         <p:nvPr/>
       </p:nvGrpSpPr>
@@ -4609,7 +4609,7 @@
       </p:grpSpPr>
       <p:sp>
         <p:nvSpPr>
-          <p:cNvPr id="59" name="Google Shape;59;g31a46b91a33_0_72:notes"/>
+          <p:cNvPr id="74" name="Google Shape;74;g31a46b91a33_0_72:notes"/>
           <p:cNvSpPr/>
           <p:nvPr>
             <p:ph idx="2" type="sldImg"/>
@@ -4644,7 +4644,7 @@
       </p:sp>
       <p:sp>
         <p:nvSpPr>
-          <p:cNvPr id="60" name="Google Shape;60;g31a46b91a33_0_72:notes"/>
+          <p:cNvPr id="75" name="Google Shape;75;g31a46b91a33_0_72:notes"/>
           <p:cNvSpPr txBox="1"/>
           <p:nvPr>
             <p:ph idx="1" type="body"/>
@@ -4694,7 +4694,7 @@
   <p:cSld>
     <p:spTree>
       <p:nvGrpSpPr>
-        <p:cNvPr id="65" name="Shape 65"/>
+        <p:cNvPr id="80" name="Shape 80"/>
         <p:cNvGrpSpPr/>
         <p:nvPr/>
       </p:nvGrpSpPr>
@@ -4708,7 +4708,7 @@
       </p:grpSpPr>
       <p:sp>
         <p:nvSpPr>
-          <p:cNvPr id="66" name="Google Shape;66;g31b51d91a3d_0_3:notes"/>
+          <p:cNvPr id="81" name="Google Shape;81;g31b51d91a3d_0_3:notes"/>
           <p:cNvSpPr/>
           <p:nvPr>
             <p:ph idx="2" type="sldImg"/>
@@ -4743,7 +4743,7 @@
       </p:sp>
       <p:sp>
         <p:nvSpPr>
-          <p:cNvPr id="67" name="Google Shape;67;g31b51d91a3d_0_3:notes"/>
+          <p:cNvPr id="82" name="Google Shape;82;g31b51d91a3d_0_3:notes"/>
           <p:cNvSpPr txBox="1"/>
           <p:nvPr>
             <p:ph idx="1" type="body"/>
@@ -4793,7 +4793,7 @@
   <p:cSld>
     <p:spTree>
       <p:nvGrpSpPr>
-        <p:cNvPr id="72" name="Shape 72"/>
+        <p:cNvPr id="87" name="Shape 87"/>
         <p:cNvGrpSpPr/>
         <p:nvPr/>
       </p:nvGrpSpPr>
@@ -4807,7 +4807,7 @@
       </p:grpSpPr>
       <p:sp>
         <p:nvSpPr>
-          <p:cNvPr id="73" name="Google Shape;73;g31a46b91a33_0_78:notes"/>
+          <p:cNvPr id="88" name="Google Shape;88;g31a46b91a33_0_78:notes"/>
           <p:cNvSpPr/>
           <p:nvPr>
             <p:ph idx="2" type="sldImg"/>
@@ -4842,7 +4842,7 @@
       </p:sp>
       <p:sp>
         <p:nvSpPr>
-          <p:cNvPr id="74" name="Google Shape;74;g31a46b91a33_0_78:notes"/>
+          <p:cNvPr id="89" name="Google Shape;89;g31a46b91a33_0_78:notes"/>
           <p:cNvSpPr txBox="1"/>
           <p:nvPr>
             <p:ph idx="1" type="body"/>
@@ -4892,7 +4892,7 @@
   <p:cSld>
     <p:spTree>
       <p:nvGrpSpPr>
-        <p:cNvPr id="80" name="Shape 80"/>
+        <p:cNvPr id="95" name="Shape 95"/>
         <p:cNvGrpSpPr/>
         <p:nvPr/>
       </p:nvGrpSpPr>
@@ -4906,7 +4906,7 @@
       </p:grpSpPr>
       <p:sp>
         <p:nvSpPr>
-          <p:cNvPr id="81" name="Google Shape;81;g31a46b91a33_0_66:notes"/>
+          <p:cNvPr id="96" name="Google Shape;96;g31a46b91a33_0_66:notes"/>
           <p:cNvSpPr/>
           <p:nvPr>
             <p:ph idx="2" type="sldImg"/>
@@ -4941,7 +4941,7 @@
       </p:sp>
       <p:sp>
         <p:nvSpPr>
-          <p:cNvPr id="82" name="Google Shape;82;g31a46b91a33_0_66:notes"/>
+          <p:cNvPr id="97" name="Google Shape;97;g31a46b91a33_0_66:notes"/>
           <p:cNvSpPr txBox="1"/>
           <p:nvPr>
             <p:ph idx="1" type="body"/>
@@ -4991,7 +4991,7 @@
   <p:cSld>
     <p:spTree>
       <p:nvGrpSpPr>
-        <p:cNvPr id="87" name="Shape 87"/>
+        <p:cNvPr id="102" name="Shape 102"/>
         <p:cNvGrpSpPr/>
         <p:nvPr/>
       </p:nvGrpSpPr>
@@ -5005,7 +5005,7 @@
       </p:grpSpPr>
       <p:sp>
         <p:nvSpPr>
-          <p:cNvPr id="88" name="Google Shape;88;g31a46b91a33_0_60:notes"/>
+          <p:cNvPr id="103" name="Google Shape;103;g31a46b91a33_0_60:notes"/>
           <p:cNvSpPr/>
           <p:nvPr>
             <p:ph idx="2" type="sldImg"/>
@@ -5040,7 +5040,7 @@
       </p:sp>
       <p:sp>
         <p:nvSpPr>
-          <p:cNvPr id="89" name="Google Shape;89;g31a46b91a33_0_60:notes"/>
+          <p:cNvPr id="104" name="Google Shape;104;g31a46b91a33_0_60:notes"/>
           <p:cNvSpPr txBox="1"/>
           <p:nvPr>
             <p:ph idx="1" type="body"/>
@@ -5387,49 +5387,150 @@
           <a:p/>
         </p:txBody>
       </p:sp>
-      <p:sp>
-        <p:nvSpPr>
+      <p:grpSp>
+        <p:nvGrpSpPr>
           <p:cNvPr id="12" name="Google Shape;12;p2"/>
-          <p:cNvSpPr/>
+          <p:cNvGrpSpPr/>
           <p:nvPr/>
-        </p:nvSpPr>
-        <p:spPr>
+        </p:nvGrpSpPr>
+        <p:grpSpPr>
           <a:xfrm>
             <a:off x="0" y="2388810"/>
             <a:ext cx="9144000" cy="183000"/>
+            <a:chOff x="0" y="2388810"/>
+            <a:chExt cx="9144000" cy="183000"/>
           </a:xfrm>
-          <a:prstGeom prst="rect">
-            <a:avLst/>
-          </a:prstGeom>
-          <a:solidFill>
-            <a:schemeClr val="accent4"/>
-          </a:solidFill>
-          <a:ln>
-            <a:noFill/>
-          </a:ln>
-        </p:spPr>
-        <p:txBody>
-          <a:bodyPr anchorCtr="0" anchor="ctr" bIns="91425" lIns="91425" spcFirstLastPara="1" rIns="91425" wrap="square" tIns="91425">
-            <a:noAutofit/>
-          </a:bodyPr>
-          <a:lstStyle/>
-          <a:p>
-            <a:pPr indent="0" lvl="0" marL="0" rtl="0" algn="l">
-              <a:spcBef>
-                <a:spcPts val="0"/>
-              </a:spcBef>
-              <a:spcAft>
-                <a:spcPts val="0"/>
-              </a:spcAft>
-              <a:buNone/>
-            </a:pPr>
-            <a:r>
-              <a:t/>
-            </a:r>
-            <a:endParaRPr/>
-          </a:p>
-        </p:txBody>
-      </p:sp>
+        </p:grpSpPr>
+        <p:sp>
+          <p:nvSpPr>
+            <p:cNvPr id="13" name="Google Shape;13;p2"/>
+            <p:cNvSpPr/>
+            <p:nvPr/>
+          </p:nvSpPr>
+          <p:spPr>
+            <a:xfrm>
+              <a:off x="0" y="2388810"/>
+              <a:ext cx="914400" cy="183000"/>
+            </a:xfrm>
+            <a:prstGeom prst="rect">
+              <a:avLst/>
+            </a:prstGeom>
+            <a:solidFill>
+              <a:schemeClr val="accent2"/>
+            </a:solidFill>
+            <a:ln>
+              <a:noFill/>
+            </a:ln>
+          </p:spPr>
+          <p:txBody>
+            <a:bodyPr anchorCtr="0" anchor="ctr" bIns="91425" lIns="91425" spcFirstLastPara="1" rIns="91425" wrap="square" tIns="91425">
+              <a:noAutofit/>
+            </a:bodyPr>
+            <a:lstStyle/>
+            <a:p>
+              <a:pPr indent="0" lvl="0" marL="0" rtl="0" algn="l">
+                <a:spcBef>
+                  <a:spcPts val="0"/>
+                </a:spcBef>
+                <a:spcAft>
+                  <a:spcPts val="0"/>
+                </a:spcAft>
+                <a:buNone/>
+              </a:pPr>
+              <a:r>
+                <a:t/>
+              </a:r>
+              <a:endParaRPr/>
+            </a:p>
+          </p:txBody>
+        </p:sp>
+        <p:sp>
+          <p:nvSpPr>
+            <p:cNvPr id="14" name="Google Shape;14;p2"/>
+            <p:cNvSpPr/>
+            <p:nvPr/>
+          </p:nvSpPr>
+          <p:spPr>
+            <a:xfrm>
+              <a:off x="914400" y="2388810"/>
+              <a:ext cx="1828800" cy="183000"/>
+            </a:xfrm>
+            <a:prstGeom prst="rect">
+              <a:avLst/>
+            </a:prstGeom>
+            <a:solidFill>
+              <a:schemeClr val="accent3"/>
+            </a:solidFill>
+            <a:ln>
+              <a:noFill/>
+            </a:ln>
+          </p:spPr>
+          <p:txBody>
+            <a:bodyPr anchorCtr="0" anchor="ctr" bIns="91425" lIns="91425" spcFirstLastPara="1" rIns="91425" wrap="square" tIns="91425">
+              <a:noAutofit/>
+            </a:bodyPr>
+            <a:lstStyle/>
+            <a:p>
+              <a:pPr indent="0" lvl="0" marL="0" rtl="0" algn="l">
+                <a:spcBef>
+                  <a:spcPts val="0"/>
+                </a:spcBef>
+                <a:spcAft>
+                  <a:spcPts val="0"/>
+                </a:spcAft>
+                <a:buNone/>
+              </a:pPr>
+              <a:r>
+                <a:t/>
+              </a:r>
+              <a:endParaRPr/>
+            </a:p>
+          </p:txBody>
+        </p:sp>
+        <p:sp>
+          <p:nvSpPr>
+            <p:cNvPr id="15" name="Google Shape;15;p2"/>
+            <p:cNvSpPr/>
+            <p:nvPr/>
+          </p:nvSpPr>
+          <p:spPr>
+            <a:xfrm>
+              <a:off x="2743200" y="2388810"/>
+              <a:ext cx="6400800" cy="183000"/>
+            </a:xfrm>
+            <a:prstGeom prst="rect">
+              <a:avLst/>
+            </a:prstGeom>
+            <a:solidFill>
+              <a:schemeClr val="accent4"/>
+            </a:solidFill>
+            <a:ln>
+              <a:noFill/>
+            </a:ln>
+          </p:spPr>
+          <p:txBody>
+            <a:bodyPr anchorCtr="0" anchor="ctr" bIns="91425" lIns="91425" spcFirstLastPara="1" rIns="91425" wrap="square" tIns="91425">
+              <a:noAutofit/>
+            </a:bodyPr>
+            <a:lstStyle/>
+            <a:p>
+              <a:pPr indent="0" lvl="0" marL="0" rtl="0" algn="l">
+                <a:spcBef>
+                  <a:spcPts val="0"/>
+                </a:spcBef>
+                <a:spcAft>
+                  <a:spcPts val="0"/>
+                </a:spcAft>
+                <a:buNone/>
+              </a:pPr>
+              <a:r>
+                <a:t/>
+              </a:r>
+              <a:endParaRPr/>
+            </a:p>
+          </p:txBody>
+        </p:sp>
+      </p:grpSp>
     </p:spTree>
   </p:cSld>
   <p:clrMapOvr>
@@ -5443,7 +5544,7 @@
   <p:cSld name="SECTION_HEADER">
     <p:spTree>
       <p:nvGrpSpPr>
-        <p:cNvPr id="13" name="Shape 13"/>
+        <p:cNvPr id="16" name="Shape 16"/>
         <p:cNvGrpSpPr/>
         <p:nvPr/>
       </p:nvGrpSpPr>
@@ -5457,7 +5558,7 @@
       </p:grpSpPr>
       <p:sp>
         <p:nvSpPr>
-          <p:cNvPr id="14" name="Google Shape;14;p3"/>
+          <p:cNvPr id="17" name="Google Shape;17;p3"/>
           <p:cNvSpPr txBox="1"/>
           <p:nvPr>
             <p:ph type="title"/>
@@ -5580,49 +5681,150 @@
           <a:p/>
         </p:txBody>
       </p:sp>
-      <p:sp>
-        <p:nvSpPr>
-          <p:cNvPr id="15" name="Google Shape;15;p3"/>
-          <p:cNvSpPr/>
+      <p:grpSp>
+        <p:nvGrpSpPr>
+          <p:cNvPr id="18" name="Google Shape;18;p3"/>
+          <p:cNvGrpSpPr/>
           <p:nvPr/>
-        </p:nvSpPr>
-        <p:spPr>
+        </p:nvGrpSpPr>
+        <p:grpSpPr>
           <a:xfrm>
-            <a:off x="0" y="2386584"/>
+            <a:off x="0" y="2432304"/>
             <a:ext cx="9144000" cy="91500"/>
+            <a:chOff x="0" y="2386584"/>
+            <a:chExt cx="9144000" cy="91500"/>
           </a:xfrm>
-          <a:prstGeom prst="rect">
-            <a:avLst/>
-          </a:prstGeom>
-          <a:solidFill>
-            <a:schemeClr val="accent4"/>
-          </a:solidFill>
-          <a:ln>
-            <a:noFill/>
-          </a:ln>
-        </p:spPr>
-        <p:txBody>
-          <a:bodyPr anchorCtr="0" anchor="ctr" bIns="91425" lIns="91425" spcFirstLastPara="1" rIns="91425" wrap="square" tIns="91425">
-            <a:noAutofit/>
-          </a:bodyPr>
-          <a:lstStyle/>
-          <a:p>
-            <a:pPr indent="0" lvl="0" marL="0" rtl="0" algn="l">
-              <a:spcBef>
-                <a:spcPts val="0"/>
-              </a:spcBef>
-              <a:spcAft>
-                <a:spcPts val="0"/>
-              </a:spcAft>
-              <a:buNone/>
-            </a:pPr>
-            <a:r>
-              <a:t/>
-            </a:r>
-            <a:endParaRPr/>
-          </a:p>
-        </p:txBody>
-      </p:sp>
+        </p:grpSpPr>
+        <p:sp>
+          <p:nvSpPr>
+            <p:cNvPr id="19" name="Google Shape;19;p3"/>
+            <p:cNvSpPr/>
+            <p:nvPr/>
+          </p:nvSpPr>
+          <p:spPr>
+            <a:xfrm>
+              <a:off x="0" y="2386584"/>
+              <a:ext cx="914400" cy="91500"/>
+            </a:xfrm>
+            <a:prstGeom prst="rect">
+              <a:avLst/>
+            </a:prstGeom>
+            <a:solidFill>
+              <a:schemeClr val="accent2"/>
+            </a:solidFill>
+            <a:ln>
+              <a:noFill/>
+            </a:ln>
+          </p:spPr>
+          <p:txBody>
+            <a:bodyPr anchorCtr="0" anchor="ctr" bIns="91425" lIns="91425" spcFirstLastPara="1" rIns="91425" wrap="square" tIns="91425">
+              <a:noAutofit/>
+            </a:bodyPr>
+            <a:lstStyle/>
+            <a:p>
+              <a:pPr indent="0" lvl="0" marL="0" rtl="0" algn="l">
+                <a:spcBef>
+                  <a:spcPts val="0"/>
+                </a:spcBef>
+                <a:spcAft>
+                  <a:spcPts val="0"/>
+                </a:spcAft>
+                <a:buNone/>
+              </a:pPr>
+              <a:r>
+                <a:t/>
+              </a:r>
+              <a:endParaRPr/>
+            </a:p>
+          </p:txBody>
+        </p:sp>
+        <p:sp>
+          <p:nvSpPr>
+            <p:cNvPr id="20" name="Google Shape;20;p3"/>
+            <p:cNvSpPr/>
+            <p:nvPr/>
+          </p:nvSpPr>
+          <p:spPr>
+            <a:xfrm>
+              <a:off x="914400" y="2386584"/>
+              <a:ext cx="1828800" cy="91500"/>
+            </a:xfrm>
+            <a:prstGeom prst="rect">
+              <a:avLst/>
+            </a:prstGeom>
+            <a:solidFill>
+              <a:schemeClr val="accent3"/>
+            </a:solidFill>
+            <a:ln>
+              <a:noFill/>
+            </a:ln>
+          </p:spPr>
+          <p:txBody>
+            <a:bodyPr anchorCtr="0" anchor="ctr" bIns="91425" lIns="91425" spcFirstLastPara="1" rIns="91425" wrap="square" tIns="91425">
+              <a:noAutofit/>
+            </a:bodyPr>
+            <a:lstStyle/>
+            <a:p>
+              <a:pPr indent="0" lvl="0" marL="0" rtl="0" algn="l">
+                <a:spcBef>
+                  <a:spcPts val="0"/>
+                </a:spcBef>
+                <a:spcAft>
+                  <a:spcPts val="0"/>
+                </a:spcAft>
+                <a:buNone/>
+              </a:pPr>
+              <a:r>
+                <a:t/>
+              </a:r>
+              <a:endParaRPr/>
+            </a:p>
+          </p:txBody>
+        </p:sp>
+        <p:sp>
+          <p:nvSpPr>
+            <p:cNvPr id="21" name="Google Shape;21;p3"/>
+            <p:cNvSpPr/>
+            <p:nvPr/>
+          </p:nvSpPr>
+          <p:spPr>
+            <a:xfrm>
+              <a:off x="2743200" y="2386584"/>
+              <a:ext cx="6400800" cy="91500"/>
+            </a:xfrm>
+            <a:prstGeom prst="rect">
+              <a:avLst/>
+            </a:prstGeom>
+            <a:solidFill>
+              <a:schemeClr val="accent4"/>
+            </a:solidFill>
+            <a:ln>
+              <a:noFill/>
+            </a:ln>
+          </p:spPr>
+          <p:txBody>
+            <a:bodyPr anchorCtr="0" anchor="ctr" bIns="91425" lIns="91425" spcFirstLastPara="1" rIns="91425" wrap="square" tIns="91425">
+              <a:noAutofit/>
+            </a:bodyPr>
+            <a:lstStyle/>
+            <a:p>
+              <a:pPr indent="0" lvl="0" marL="0" rtl="0" algn="l">
+                <a:spcBef>
+                  <a:spcPts val="0"/>
+                </a:spcBef>
+                <a:spcAft>
+                  <a:spcPts val="0"/>
+                </a:spcAft>
+                <a:buNone/>
+              </a:pPr>
+              <a:r>
+                <a:t/>
+              </a:r>
+              <a:endParaRPr/>
+            </a:p>
+          </p:txBody>
+        </p:sp>
+      </p:grpSp>
     </p:spTree>
   </p:cSld>
   <p:clrMapOvr>
@@ -5636,7 +5838,7 @@
   <p:cSld name="TITLE_AND_BODY">
     <p:spTree>
       <p:nvGrpSpPr>
-        <p:cNvPr id="16" name="Shape 16"/>
+        <p:cNvPr id="22" name="Shape 22"/>
         <p:cNvGrpSpPr/>
         <p:nvPr/>
       </p:nvGrpSpPr>
@@ -5650,7 +5852,7 @@
       </p:grpSpPr>
       <p:sp>
         <p:nvSpPr>
-          <p:cNvPr id="17" name="Google Shape;17;p4"/>
+          <p:cNvPr id="23" name="Google Shape;23;p4"/>
           <p:cNvSpPr txBox="1"/>
           <p:nvPr>
             <p:ph type="title"/>
@@ -5775,7 +5977,7 @@
       </p:sp>
       <p:sp>
         <p:nvSpPr>
-          <p:cNvPr id="18" name="Google Shape;18;p4"/>
+          <p:cNvPr id="24" name="Google Shape;24;p4"/>
           <p:cNvSpPr txBox="1"/>
           <p:nvPr>
             <p:ph idx="1" type="body"/>
@@ -5900,50 +6102,7 @@
       </p:sp>
       <p:sp>
         <p:nvSpPr>
-          <p:cNvPr id="19" name="Google Shape;19;p4"/>
-          <p:cNvSpPr/>
-          <p:nvPr/>
-        </p:nvSpPr>
-        <p:spPr>
-          <a:xfrm>
-            <a:off x="0" y="685800"/>
-            <a:ext cx="9144000" cy="91500"/>
-          </a:xfrm>
-          <a:prstGeom prst="rect">
-            <a:avLst/>
-          </a:prstGeom>
-          <a:solidFill>
-            <a:schemeClr val="accent4"/>
-          </a:solidFill>
-          <a:ln>
-            <a:noFill/>
-          </a:ln>
-        </p:spPr>
-        <p:txBody>
-          <a:bodyPr anchorCtr="0" anchor="ctr" bIns="91425" lIns="91425" spcFirstLastPara="1" rIns="91425" wrap="square" tIns="91425">
-            <a:noAutofit/>
-          </a:bodyPr>
-          <a:lstStyle/>
-          <a:p>
-            <a:pPr indent="0" lvl="0" marL="0" rtl="0" algn="l">
-              <a:spcBef>
-                <a:spcPts val="0"/>
-              </a:spcBef>
-              <a:spcAft>
-                <a:spcPts val="0"/>
-              </a:spcAft>
-              <a:buNone/>
-            </a:pPr>
-            <a:r>
-              <a:t/>
-            </a:r>
-            <a:endParaRPr/>
-          </a:p>
-        </p:txBody>
-      </p:sp>
-      <p:sp>
-        <p:nvSpPr>
-          <p:cNvPr id="20" name="Google Shape;20;p4"/>
+          <p:cNvPr id="25" name="Google Shape;25;p4"/>
           <p:cNvSpPr txBox="1"/>
           <p:nvPr>
             <p:ph idx="12" type="sldNum"/>
@@ -5951,8 +6110,8 @@
         </p:nvSpPr>
         <p:spPr>
           <a:xfrm>
-            <a:off x="7315209" y="4229101"/>
-            <a:ext cx="1828800" cy="914400"/>
+            <a:off x="7315202" y="4416550"/>
+            <a:ext cx="1828800" cy="731400"/>
           </a:xfrm>
           <a:prstGeom prst="rect">
             <a:avLst/>
@@ -5963,73 +6122,73 @@
             <a:noAutofit/>
           </a:bodyPr>
           <a:lstStyle>
-            <a:lvl1pPr lvl="0" rtl="0" algn="r">
-              <a:buNone/>
-              <a:defRPr b="1" sz="2400">
+            <a:lvl1pPr lvl="0" rtl="0">
+              <a:buNone/>
+              <a:defRPr>
                 <a:solidFill>
                   <a:schemeClr val="dk1"/>
                 </a:solidFill>
               </a:defRPr>
             </a:lvl1pPr>
-            <a:lvl2pPr lvl="1" rtl="0" algn="r">
-              <a:buNone/>
-              <a:defRPr b="1" sz="2400">
+            <a:lvl2pPr lvl="1" rtl="0">
+              <a:buNone/>
+              <a:defRPr>
                 <a:solidFill>
                   <a:schemeClr val="dk1"/>
                 </a:solidFill>
               </a:defRPr>
             </a:lvl2pPr>
-            <a:lvl3pPr lvl="2" rtl="0" algn="r">
-              <a:buNone/>
-              <a:defRPr b="1" sz="2400">
+            <a:lvl3pPr lvl="2" rtl="0">
+              <a:buNone/>
+              <a:defRPr>
                 <a:solidFill>
                   <a:schemeClr val="dk1"/>
                 </a:solidFill>
               </a:defRPr>
             </a:lvl3pPr>
-            <a:lvl4pPr lvl="3" rtl="0" algn="r">
-              <a:buNone/>
-              <a:defRPr b="1" sz="2400">
+            <a:lvl4pPr lvl="3" rtl="0">
+              <a:buNone/>
+              <a:defRPr>
                 <a:solidFill>
                   <a:schemeClr val="dk1"/>
                 </a:solidFill>
               </a:defRPr>
             </a:lvl4pPr>
-            <a:lvl5pPr lvl="4" rtl="0" algn="r">
-              <a:buNone/>
-              <a:defRPr b="1" sz="2400">
+            <a:lvl5pPr lvl="4" rtl="0">
+              <a:buNone/>
+              <a:defRPr>
                 <a:solidFill>
                   <a:schemeClr val="dk1"/>
                 </a:solidFill>
               </a:defRPr>
             </a:lvl5pPr>
-            <a:lvl6pPr lvl="5" rtl="0" algn="r">
-              <a:buNone/>
-              <a:defRPr b="1" sz="2400">
+            <a:lvl6pPr lvl="5" rtl="0">
+              <a:buNone/>
+              <a:defRPr>
                 <a:solidFill>
                   <a:schemeClr val="dk1"/>
                 </a:solidFill>
               </a:defRPr>
             </a:lvl6pPr>
-            <a:lvl7pPr lvl="6" rtl="0" algn="r">
-              <a:buNone/>
-              <a:defRPr b="1" sz="2400">
+            <a:lvl7pPr lvl="6" rtl="0">
+              <a:buNone/>
+              <a:defRPr>
                 <a:solidFill>
                   <a:schemeClr val="dk1"/>
                 </a:solidFill>
               </a:defRPr>
             </a:lvl7pPr>
-            <a:lvl8pPr lvl="7" rtl="0" algn="r">
-              <a:buNone/>
-              <a:defRPr b="1" sz="2400">
+            <a:lvl8pPr lvl="7" rtl="0">
+              <a:buNone/>
+              <a:defRPr>
                 <a:solidFill>
                   <a:schemeClr val="dk1"/>
                 </a:solidFill>
               </a:defRPr>
             </a:lvl8pPr>
-            <a:lvl9pPr lvl="8" rtl="0" algn="r">
-              <a:buNone/>
-              <a:defRPr b="1" sz="2400">
+            <a:lvl9pPr lvl="8" rtl="0">
+              <a:buNone/>
+              <a:defRPr>
                 <a:solidFill>
                   <a:schemeClr val="dk1"/>
                 </a:solidFill>
@@ -6060,26 +6219,177 @@
               <a:spcAft>
                 <a:spcPts val="0"/>
               </a:spcAft>
-              <a:buClr>
-                <a:schemeClr val="dk1"/>
-              </a:buClr>
-              <a:buSzPts val="1100"/>
-              <a:buFont typeface="Arial"/>
-              <a:buNone/>
-            </a:pPr>
-            <a:r>
-              <a:rPr b="0" lang="en" sz="1000" u="sng">
+              <a:buNone/>
+            </a:pPr>
+            <a:r>
+              <a:rPr b="0" lang="en" sz="900" u="sng">
                 <a:solidFill>
                   <a:schemeClr val="hlink"/>
                 </a:solidFill>
                 <a:hlinkClick r:id="rId2"/>
               </a:rPr>
-              <a:t>https://profriehle.com</a:t>
-            </a:r>
-            <a:endParaRPr b="0" sz="1000"/>
+              <a:t>https://oss.cs.fau.de</a:t>
+            </a:r>
+            <a:r>
+              <a:rPr b="0" lang="en" sz="900">
+                <a:solidFill>
+                  <a:schemeClr val="dk2"/>
+                </a:solidFill>
+              </a:rPr>
+              <a:t> </a:t>
+            </a:r>
+            <a:endParaRPr b="0" sz="900">
+              <a:solidFill>
+                <a:schemeClr val="dk2"/>
+              </a:solidFill>
+            </a:endParaRPr>
           </a:p>
         </p:txBody>
       </p:sp>
+      <p:grpSp>
+        <p:nvGrpSpPr>
+          <p:cNvPr id="26" name="Google Shape;26;p4"/>
+          <p:cNvGrpSpPr/>
+          <p:nvPr/>
+        </p:nvGrpSpPr>
+        <p:grpSpPr>
+          <a:xfrm>
+            <a:off x="0" y="685800"/>
+            <a:ext cx="9144000" cy="91500"/>
+            <a:chOff x="0" y="2386584"/>
+            <a:chExt cx="9144000" cy="91500"/>
+          </a:xfrm>
+        </p:grpSpPr>
+        <p:sp>
+          <p:nvSpPr>
+            <p:cNvPr id="27" name="Google Shape;27;p4"/>
+            <p:cNvSpPr/>
+            <p:nvPr/>
+          </p:nvSpPr>
+          <p:spPr>
+            <a:xfrm>
+              <a:off x="0" y="2386584"/>
+              <a:ext cx="914400" cy="91500"/>
+            </a:xfrm>
+            <a:prstGeom prst="rect">
+              <a:avLst/>
+            </a:prstGeom>
+            <a:solidFill>
+              <a:schemeClr val="accent2"/>
+            </a:solidFill>
+            <a:ln>
+              <a:noFill/>
+            </a:ln>
+          </p:spPr>
+          <p:txBody>
+            <a:bodyPr anchorCtr="0" anchor="ctr" bIns="91425" lIns="91425" spcFirstLastPara="1" rIns="91425" wrap="square" tIns="91425">
+              <a:noAutofit/>
+            </a:bodyPr>
+            <a:lstStyle/>
+            <a:p>
+              <a:pPr indent="0" lvl="0" marL="0" rtl="0" algn="l">
+                <a:spcBef>
+                  <a:spcPts val="0"/>
+                </a:spcBef>
+                <a:spcAft>
+                  <a:spcPts val="0"/>
+                </a:spcAft>
+                <a:buNone/>
+              </a:pPr>
+              <a:r>
+                <a:t/>
+              </a:r>
+              <a:endParaRPr/>
+            </a:p>
+          </p:txBody>
+        </p:sp>
+        <p:sp>
+          <p:nvSpPr>
+            <p:cNvPr id="28" name="Google Shape;28;p4"/>
+            <p:cNvSpPr/>
+            <p:nvPr/>
+          </p:nvSpPr>
+          <p:spPr>
+            <a:xfrm>
+              <a:off x="914400" y="2386584"/>
+              <a:ext cx="1828800" cy="91500"/>
+            </a:xfrm>
+            <a:prstGeom prst="rect">
+              <a:avLst/>
+            </a:prstGeom>
+            <a:solidFill>
+              <a:schemeClr val="accent3"/>
+            </a:solidFill>
+            <a:ln>
+              <a:noFill/>
+            </a:ln>
+          </p:spPr>
+          <p:txBody>
+            <a:bodyPr anchorCtr="0" anchor="ctr" bIns="91425" lIns="91425" spcFirstLastPara="1" rIns="91425" wrap="square" tIns="91425">
+              <a:noAutofit/>
+            </a:bodyPr>
+            <a:lstStyle/>
+            <a:p>
+              <a:pPr indent="0" lvl="0" marL="0" rtl="0" algn="l">
+                <a:spcBef>
+                  <a:spcPts val="0"/>
+                </a:spcBef>
+                <a:spcAft>
+                  <a:spcPts val="0"/>
+                </a:spcAft>
+                <a:buNone/>
+              </a:pPr>
+              <a:r>
+                <a:t/>
+              </a:r>
+              <a:endParaRPr/>
+            </a:p>
+          </p:txBody>
+        </p:sp>
+        <p:sp>
+          <p:nvSpPr>
+            <p:cNvPr id="29" name="Google Shape;29;p4"/>
+            <p:cNvSpPr/>
+            <p:nvPr/>
+          </p:nvSpPr>
+          <p:spPr>
+            <a:xfrm>
+              <a:off x="2743200" y="2386584"/>
+              <a:ext cx="6400800" cy="91500"/>
+            </a:xfrm>
+            <a:prstGeom prst="rect">
+              <a:avLst/>
+            </a:prstGeom>
+            <a:solidFill>
+              <a:schemeClr val="accent4"/>
+            </a:solidFill>
+            <a:ln>
+              <a:noFill/>
+            </a:ln>
+          </p:spPr>
+          <p:txBody>
+            <a:bodyPr anchorCtr="0" anchor="ctr" bIns="91425" lIns="91425" spcFirstLastPara="1" rIns="91425" wrap="square" tIns="91425">
+              <a:noAutofit/>
+            </a:bodyPr>
+            <a:lstStyle/>
+            <a:p>
+              <a:pPr indent="0" lvl="0" marL="0" rtl="0" algn="l">
+                <a:spcBef>
+                  <a:spcPts val="0"/>
+                </a:spcBef>
+                <a:spcAft>
+                  <a:spcPts val="0"/>
+                </a:spcAft>
+                <a:buNone/>
+              </a:pPr>
+              <a:r>
+                <a:t/>
+              </a:r>
+              <a:endParaRPr/>
+            </a:p>
+          </p:txBody>
+        </p:sp>
+      </p:grpSp>
     </p:spTree>
   </p:cSld>
   <p:clrMapOvr>
@@ -6093,7 +6403,7 @@
   <p:cSld name="TITLE_AND_TWO_COLUMNS">
     <p:spTree>
       <p:nvGrpSpPr>
-        <p:cNvPr id="21" name="Shape 21"/>
+        <p:cNvPr id="30" name="Shape 30"/>
         <p:cNvGrpSpPr/>
         <p:nvPr/>
       </p:nvGrpSpPr>
@@ -6107,7 +6417,7 @@
       </p:grpSpPr>
       <p:sp>
         <p:nvSpPr>
-          <p:cNvPr id="22" name="Google Shape;22;p5"/>
+          <p:cNvPr id="31" name="Google Shape;31;p5"/>
           <p:cNvSpPr txBox="1"/>
           <p:nvPr>
             <p:ph type="title"/>
@@ -6235,7 +6545,7 @@
       </p:sp>
       <p:sp>
         <p:nvSpPr>
-          <p:cNvPr id="23" name="Google Shape;23;p5"/>
+          <p:cNvPr id="32" name="Google Shape;32;p5"/>
           <p:cNvSpPr txBox="1"/>
           <p:nvPr>
             <p:ph idx="1" type="body"/>
@@ -6360,7 +6670,7 @@
       </p:sp>
       <p:sp>
         <p:nvSpPr>
-          <p:cNvPr id="24" name="Google Shape;24;p5"/>
+          <p:cNvPr id="33" name="Google Shape;33;p5"/>
           <p:cNvSpPr txBox="1"/>
           <p:nvPr>
             <p:ph idx="2" type="body"/>
@@ -6485,50 +6795,7 @@
       </p:sp>
       <p:sp>
         <p:nvSpPr>
-          <p:cNvPr id="25" name="Google Shape;25;p5"/>
-          <p:cNvSpPr/>
-          <p:nvPr/>
-        </p:nvSpPr>
-        <p:spPr>
-          <a:xfrm>
-            <a:off x="0" y="685800"/>
-            <a:ext cx="9144000" cy="91500"/>
-          </a:xfrm>
-          <a:prstGeom prst="rect">
-            <a:avLst/>
-          </a:prstGeom>
-          <a:solidFill>
-            <a:schemeClr val="accent4"/>
-          </a:solidFill>
-          <a:ln>
-            <a:noFill/>
-          </a:ln>
-        </p:spPr>
-        <p:txBody>
-          <a:bodyPr anchorCtr="0" anchor="ctr" bIns="91425" lIns="91425" spcFirstLastPara="1" rIns="91425" wrap="square" tIns="91425">
-            <a:noAutofit/>
-          </a:bodyPr>
-          <a:lstStyle/>
-          <a:p>
-            <a:pPr indent="0" lvl="0" marL="0" rtl="0" algn="l">
-              <a:spcBef>
-                <a:spcPts val="0"/>
-              </a:spcBef>
-              <a:spcAft>
-                <a:spcPts val="0"/>
-              </a:spcAft>
-              <a:buNone/>
-            </a:pPr>
-            <a:r>
-              <a:t/>
-            </a:r>
-            <a:endParaRPr/>
-          </a:p>
-        </p:txBody>
-      </p:sp>
-      <p:sp>
-        <p:nvSpPr>
-          <p:cNvPr id="26" name="Google Shape;26;p5"/>
+          <p:cNvPr id="34" name="Google Shape;34;p5"/>
           <p:cNvSpPr txBox="1"/>
           <p:nvPr>
             <p:ph idx="12" type="sldNum"/>
@@ -6536,8 +6803,8 @@
         </p:nvSpPr>
         <p:spPr>
           <a:xfrm>
-            <a:off x="7315209" y="4229101"/>
-            <a:ext cx="1828800" cy="914400"/>
+            <a:off x="7315202" y="4416550"/>
+            <a:ext cx="1828800" cy="731400"/>
           </a:xfrm>
           <a:prstGeom prst="rect">
             <a:avLst/>
@@ -6548,73 +6815,73 @@
             <a:noAutofit/>
           </a:bodyPr>
           <a:lstStyle>
-            <a:lvl1pPr lvl="0" rtl="0" algn="r">
-              <a:buNone/>
-              <a:defRPr b="1" sz="2400">
+            <a:lvl1pPr lvl="0">
+              <a:buNone/>
+              <a:defRPr>
                 <a:solidFill>
                   <a:schemeClr val="dk1"/>
                 </a:solidFill>
               </a:defRPr>
             </a:lvl1pPr>
-            <a:lvl2pPr lvl="1" rtl="0" algn="r">
-              <a:buNone/>
-              <a:defRPr b="1" sz="2400">
+            <a:lvl2pPr lvl="1">
+              <a:buNone/>
+              <a:defRPr>
                 <a:solidFill>
                   <a:schemeClr val="dk1"/>
                 </a:solidFill>
               </a:defRPr>
             </a:lvl2pPr>
-            <a:lvl3pPr lvl="2" rtl="0" algn="r">
-              <a:buNone/>
-              <a:defRPr b="1" sz="2400">
+            <a:lvl3pPr lvl="2">
+              <a:buNone/>
+              <a:defRPr>
                 <a:solidFill>
                   <a:schemeClr val="dk1"/>
                 </a:solidFill>
               </a:defRPr>
             </a:lvl3pPr>
-            <a:lvl4pPr lvl="3" rtl="0" algn="r">
-              <a:buNone/>
-              <a:defRPr b="1" sz="2400">
+            <a:lvl4pPr lvl="3">
+              <a:buNone/>
+              <a:defRPr>
                 <a:solidFill>
                   <a:schemeClr val="dk1"/>
                 </a:solidFill>
               </a:defRPr>
             </a:lvl4pPr>
-            <a:lvl5pPr lvl="4" rtl="0" algn="r">
-              <a:buNone/>
-              <a:defRPr b="1" sz="2400">
+            <a:lvl5pPr lvl="4">
+              <a:buNone/>
+              <a:defRPr>
                 <a:solidFill>
                   <a:schemeClr val="dk1"/>
                 </a:solidFill>
               </a:defRPr>
             </a:lvl5pPr>
-            <a:lvl6pPr lvl="5" rtl="0" algn="r">
-              <a:buNone/>
-              <a:defRPr b="1" sz="2400">
+            <a:lvl6pPr lvl="5">
+              <a:buNone/>
+              <a:defRPr>
                 <a:solidFill>
                   <a:schemeClr val="dk1"/>
                 </a:solidFill>
               </a:defRPr>
             </a:lvl6pPr>
-            <a:lvl7pPr lvl="6" rtl="0" algn="r">
-              <a:buNone/>
-              <a:defRPr b="1" sz="2400">
+            <a:lvl7pPr lvl="6">
+              <a:buNone/>
+              <a:defRPr>
                 <a:solidFill>
                   <a:schemeClr val="dk1"/>
                 </a:solidFill>
               </a:defRPr>
             </a:lvl7pPr>
-            <a:lvl8pPr lvl="7" rtl="0" algn="r">
-              <a:buNone/>
-              <a:defRPr b="1" sz="2400">
+            <a:lvl8pPr lvl="7">
+              <a:buNone/>
+              <a:defRPr>
                 <a:solidFill>
                   <a:schemeClr val="dk1"/>
                 </a:solidFill>
               </a:defRPr>
             </a:lvl8pPr>
-            <a:lvl9pPr lvl="8" rtl="0" algn="r">
-              <a:buNone/>
-              <a:defRPr b="1" sz="2400">
+            <a:lvl9pPr lvl="8">
+              <a:buNone/>
+              <a:defRPr>
                 <a:solidFill>
                   <a:schemeClr val="dk1"/>
                 </a:solidFill>
@@ -6653,18 +6920,166 @@
               <a:buNone/>
             </a:pPr>
             <a:r>
-              <a:rPr b="0" lang="en" sz="1000" u="sng">
+              <a:rPr b="0" lang="en" sz="900" u="sng">
                 <a:solidFill>
                   <a:schemeClr val="hlink"/>
                 </a:solidFill>
                 <a:hlinkClick r:id="rId2"/>
               </a:rPr>
-              <a:t>https://profriehle.com</a:t>
-            </a:r>
-            <a:endParaRPr b="0" sz="1000"/>
+              <a:t>https://oss.cs.fau.de</a:t>
+            </a:r>
+            <a:endParaRPr>
+              <a:solidFill>
+                <a:schemeClr val="dk2"/>
+              </a:solidFill>
+            </a:endParaRPr>
           </a:p>
         </p:txBody>
       </p:sp>
+      <p:grpSp>
+        <p:nvGrpSpPr>
+          <p:cNvPr id="35" name="Google Shape;35;p5"/>
+          <p:cNvGrpSpPr/>
+          <p:nvPr/>
+        </p:nvGrpSpPr>
+        <p:grpSpPr>
+          <a:xfrm>
+            <a:off x="0" y="685800"/>
+            <a:ext cx="9144000" cy="91500"/>
+            <a:chOff x="0" y="2386584"/>
+            <a:chExt cx="9144000" cy="91500"/>
+          </a:xfrm>
+        </p:grpSpPr>
+        <p:sp>
+          <p:nvSpPr>
+            <p:cNvPr id="36" name="Google Shape;36;p5"/>
+            <p:cNvSpPr/>
+            <p:nvPr/>
+          </p:nvSpPr>
+          <p:spPr>
+            <a:xfrm>
+              <a:off x="0" y="2386584"/>
+              <a:ext cx="914400" cy="91500"/>
+            </a:xfrm>
+            <a:prstGeom prst="rect">
+              <a:avLst/>
+            </a:prstGeom>
+            <a:solidFill>
+              <a:schemeClr val="accent2"/>
+            </a:solidFill>
+            <a:ln>
+              <a:noFill/>
+            </a:ln>
+          </p:spPr>
+          <p:txBody>
+            <a:bodyPr anchorCtr="0" anchor="ctr" bIns="91425" lIns="91425" spcFirstLastPara="1" rIns="91425" wrap="square" tIns="91425">
+              <a:noAutofit/>
+            </a:bodyPr>
+            <a:lstStyle/>
+            <a:p>
+              <a:pPr indent="0" lvl="0" marL="0" rtl="0" algn="l">
+                <a:spcBef>
+                  <a:spcPts val="0"/>
+                </a:spcBef>
+                <a:spcAft>
+                  <a:spcPts val="0"/>
+                </a:spcAft>
+                <a:buNone/>
+              </a:pPr>
+              <a:r>
+                <a:t/>
+              </a:r>
+              <a:endParaRPr/>
+            </a:p>
+          </p:txBody>
+        </p:sp>
+        <p:sp>
+          <p:nvSpPr>
+            <p:cNvPr id="37" name="Google Shape;37;p5"/>
+            <p:cNvSpPr/>
+            <p:nvPr/>
+          </p:nvSpPr>
+          <p:spPr>
+            <a:xfrm>
+              <a:off x="914400" y="2386584"/>
+              <a:ext cx="1828800" cy="91500"/>
+            </a:xfrm>
+            <a:prstGeom prst="rect">
+              <a:avLst/>
+            </a:prstGeom>
+            <a:solidFill>
+              <a:schemeClr val="accent3"/>
+            </a:solidFill>
+            <a:ln>
+              <a:noFill/>
+            </a:ln>
+          </p:spPr>
+          <p:txBody>
+            <a:bodyPr anchorCtr="0" anchor="ctr" bIns="91425" lIns="91425" spcFirstLastPara="1" rIns="91425" wrap="square" tIns="91425">
+              <a:noAutofit/>
+            </a:bodyPr>
+            <a:lstStyle/>
+            <a:p>
+              <a:pPr indent="0" lvl="0" marL="0" rtl="0" algn="l">
+                <a:spcBef>
+                  <a:spcPts val="0"/>
+                </a:spcBef>
+                <a:spcAft>
+                  <a:spcPts val="0"/>
+                </a:spcAft>
+                <a:buNone/>
+              </a:pPr>
+              <a:r>
+                <a:t/>
+              </a:r>
+              <a:endParaRPr/>
+            </a:p>
+          </p:txBody>
+        </p:sp>
+        <p:sp>
+          <p:nvSpPr>
+            <p:cNvPr id="38" name="Google Shape;38;p5"/>
+            <p:cNvSpPr/>
+            <p:nvPr/>
+          </p:nvSpPr>
+          <p:spPr>
+            <a:xfrm>
+              <a:off x="2743200" y="2386584"/>
+              <a:ext cx="6400800" cy="91500"/>
+            </a:xfrm>
+            <a:prstGeom prst="rect">
+              <a:avLst/>
+            </a:prstGeom>
+            <a:solidFill>
+              <a:schemeClr val="accent4"/>
+            </a:solidFill>
+            <a:ln>
+              <a:noFill/>
+            </a:ln>
+          </p:spPr>
+          <p:txBody>
+            <a:bodyPr anchorCtr="0" anchor="ctr" bIns="91425" lIns="91425" spcFirstLastPara="1" rIns="91425" wrap="square" tIns="91425">
+              <a:noAutofit/>
+            </a:bodyPr>
+            <a:lstStyle/>
+            <a:p>
+              <a:pPr indent="0" lvl="0" marL="0" rtl="0" algn="l">
+                <a:spcBef>
+                  <a:spcPts val="0"/>
+                </a:spcBef>
+                <a:spcAft>
+                  <a:spcPts val="0"/>
+                </a:spcAft>
+                <a:buNone/>
+              </a:pPr>
+              <a:r>
+                <a:t/>
+              </a:r>
+              <a:endParaRPr/>
+            </a:p>
+          </p:txBody>
+        </p:sp>
+      </p:grpSp>
     </p:spTree>
   </p:cSld>
   <p:clrMapOvr>
@@ -6678,7 +7093,7 @@
   <p:cSld name="TITLE_ONLY">
     <p:spTree>
       <p:nvGrpSpPr>
-        <p:cNvPr id="27" name="Shape 27"/>
+        <p:cNvPr id="39" name="Shape 39"/>
         <p:cNvGrpSpPr/>
         <p:nvPr/>
       </p:nvGrpSpPr>
@@ -6692,7 +7107,7 @@
       </p:grpSpPr>
       <p:sp>
         <p:nvSpPr>
-          <p:cNvPr id="28" name="Google Shape;28;p6"/>
+          <p:cNvPr id="40" name="Google Shape;40;p6"/>
           <p:cNvSpPr txBox="1"/>
           <p:nvPr>
             <p:ph type="title"/>
@@ -6817,50 +7232,7 @@
       </p:sp>
       <p:sp>
         <p:nvSpPr>
-          <p:cNvPr id="29" name="Google Shape;29;p6"/>
-          <p:cNvSpPr/>
-          <p:nvPr/>
-        </p:nvSpPr>
-        <p:spPr>
-          <a:xfrm>
-            <a:off x="0" y="685800"/>
-            <a:ext cx="9144000" cy="91500"/>
-          </a:xfrm>
-          <a:prstGeom prst="rect">
-            <a:avLst/>
-          </a:prstGeom>
-          <a:solidFill>
-            <a:schemeClr val="accent4"/>
-          </a:solidFill>
-          <a:ln>
-            <a:noFill/>
-          </a:ln>
-        </p:spPr>
-        <p:txBody>
-          <a:bodyPr anchorCtr="0" anchor="ctr" bIns="91425" lIns="91425" spcFirstLastPara="1" rIns="91425" wrap="square" tIns="91425">
-            <a:noAutofit/>
-          </a:bodyPr>
-          <a:lstStyle/>
-          <a:p>
-            <a:pPr indent="0" lvl="0" marL="0" rtl="0" algn="l">
-              <a:spcBef>
-                <a:spcPts val="0"/>
-              </a:spcBef>
-              <a:spcAft>
-                <a:spcPts val="0"/>
-              </a:spcAft>
-              <a:buNone/>
-            </a:pPr>
-            <a:r>
-              <a:t/>
-            </a:r>
-            <a:endParaRPr/>
-          </a:p>
-        </p:txBody>
-      </p:sp>
-      <p:sp>
-        <p:nvSpPr>
-          <p:cNvPr id="30" name="Google Shape;30;p6"/>
+          <p:cNvPr id="41" name="Google Shape;41;p6"/>
           <p:cNvSpPr txBox="1"/>
           <p:nvPr>
             <p:ph idx="12" type="sldNum"/>
@@ -6868,8 +7240,8 @@
         </p:nvSpPr>
         <p:spPr>
           <a:xfrm>
-            <a:off x="7315209" y="4229101"/>
-            <a:ext cx="1828800" cy="914400"/>
+            <a:off x="7315202" y="4416550"/>
+            <a:ext cx="1828800" cy="731400"/>
           </a:xfrm>
           <a:prstGeom prst="rect">
             <a:avLst/>
@@ -6880,73 +7252,73 @@
             <a:noAutofit/>
           </a:bodyPr>
           <a:lstStyle>
-            <a:lvl1pPr lvl="0" rtl="0" algn="r">
-              <a:buNone/>
-              <a:defRPr b="1" sz="2400">
+            <a:lvl1pPr lvl="0">
+              <a:buNone/>
+              <a:defRPr>
                 <a:solidFill>
                   <a:schemeClr val="dk1"/>
                 </a:solidFill>
               </a:defRPr>
             </a:lvl1pPr>
-            <a:lvl2pPr lvl="1" rtl="0" algn="r">
-              <a:buNone/>
-              <a:defRPr b="1" sz="2400">
+            <a:lvl2pPr lvl="1">
+              <a:buNone/>
+              <a:defRPr>
                 <a:solidFill>
                   <a:schemeClr val="dk1"/>
                 </a:solidFill>
               </a:defRPr>
             </a:lvl2pPr>
-            <a:lvl3pPr lvl="2" rtl="0" algn="r">
-              <a:buNone/>
-              <a:defRPr b="1" sz="2400">
+            <a:lvl3pPr lvl="2">
+              <a:buNone/>
+              <a:defRPr>
                 <a:solidFill>
                   <a:schemeClr val="dk1"/>
                 </a:solidFill>
               </a:defRPr>
             </a:lvl3pPr>
-            <a:lvl4pPr lvl="3" rtl="0" algn="r">
-              <a:buNone/>
-              <a:defRPr b="1" sz="2400">
+            <a:lvl4pPr lvl="3">
+              <a:buNone/>
+              <a:defRPr>
                 <a:solidFill>
                   <a:schemeClr val="dk1"/>
                 </a:solidFill>
               </a:defRPr>
             </a:lvl4pPr>
-            <a:lvl5pPr lvl="4" rtl="0" algn="r">
-              <a:buNone/>
-              <a:defRPr b="1" sz="2400">
+            <a:lvl5pPr lvl="4">
+              <a:buNone/>
+              <a:defRPr>
                 <a:solidFill>
                   <a:schemeClr val="dk1"/>
                 </a:solidFill>
               </a:defRPr>
             </a:lvl5pPr>
-            <a:lvl6pPr lvl="5" rtl="0" algn="r">
-              <a:buNone/>
-              <a:defRPr b="1" sz="2400">
+            <a:lvl6pPr lvl="5">
+              <a:buNone/>
+              <a:defRPr>
                 <a:solidFill>
                   <a:schemeClr val="dk1"/>
                 </a:solidFill>
               </a:defRPr>
             </a:lvl6pPr>
-            <a:lvl7pPr lvl="6" rtl="0" algn="r">
-              <a:buNone/>
-              <a:defRPr b="1" sz="2400">
+            <a:lvl7pPr lvl="6">
+              <a:buNone/>
+              <a:defRPr>
                 <a:solidFill>
                   <a:schemeClr val="dk1"/>
                 </a:solidFill>
               </a:defRPr>
             </a:lvl7pPr>
-            <a:lvl8pPr lvl="7" rtl="0" algn="r">
-              <a:buNone/>
-              <a:defRPr b="1" sz="2400">
+            <a:lvl8pPr lvl="7">
+              <a:buNone/>
+              <a:defRPr>
                 <a:solidFill>
                   <a:schemeClr val="dk1"/>
                 </a:solidFill>
               </a:defRPr>
             </a:lvl8pPr>
-            <a:lvl9pPr lvl="8" rtl="0" algn="r">
-              <a:buNone/>
-              <a:defRPr b="1" sz="2400">
+            <a:lvl9pPr lvl="8">
+              <a:buNone/>
+              <a:defRPr>
                 <a:solidFill>
                   <a:schemeClr val="dk1"/>
                 </a:solidFill>
@@ -6977,26 +7349,177 @@
               <a:spcAft>
                 <a:spcPts val="0"/>
               </a:spcAft>
-              <a:buClr>
-                <a:schemeClr val="dk1"/>
-              </a:buClr>
-              <a:buSzPts val="1100"/>
-              <a:buFont typeface="Arial"/>
-              <a:buNone/>
-            </a:pPr>
-            <a:r>
-              <a:rPr b="0" lang="en" sz="1000" u="sng">
+              <a:buNone/>
+            </a:pPr>
+            <a:r>
+              <a:rPr b="0" lang="en" sz="900" u="sng">
                 <a:solidFill>
                   <a:schemeClr val="hlink"/>
                 </a:solidFill>
                 <a:hlinkClick r:id="rId2"/>
               </a:rPr>
-              <a:t>https://profriehle.com</a:t>
-            </a:r>
-            <a:endParaRPr b="0" sz="1000"/>
+              <a:t>https://oss.cs.fau.de</a:t>
+            </a:r>
+            <a:r>
+              <a:rPr b="0" lang="en" sz="900">
+                <a:solidFill>
+                  <a:schemeClr val="dk2"/>
+                </a:solidFill>
+              </a:rPr>
+              <a:t> </a:t>
+            </a:r>
+            <a:endParaRPr>
+              <a:solidFill>
+                <a:schemeClr val="dk2"/>
+              </a:solidFill>
+            </a:endParaRPr>
           </a:p>
         </p:txBody>
       </p:sp>
+      <p:grpSp>
+        <p:nvGrpSpPr>
+          <p:cNvPr id="42" name="Google Shape;42;p6"/>
+          <p:cNvGrpSpPr/>
+          <p:nvPr/>
+        </p:nvGrpSpPr>
+        <p:grpSpPr>
+          <a:xfrm>
+            <a:off x="0" y="685800"/>
+            <a:ext cx="9144000" cy="91500"/>
+            <a:chOff x="0" y="2386584"/>
+            <a:chExt cx="9144000" cy="91500"/>
+          </a:xfrm>
+        </p:grpSpPr>
+        <p:sp>
+          <p:nvSpPr>
+            <p:cNvPr id="43" name="Google Shape;43;p6"/>
+            <p:cNvSpPr/>
+            <p:nvPr/>
+          </p:nvSpPr>
+          <p:spPr>
+            <a:xfrm>
+              <a:off x="0" y="2386584"/>
+              <a:ext cx="914400" cy="91500"/>
+            </a:xfrm>
+            <a:prstGeom prst="rect">
+              <a:avLst/>
+            </a:prstGeom>
+            <a:solidFill>
+              <a:schemeClr val="accent2"/>
+            </a:solidFill>
+            <a:ln>
+              <a:noFill/>
+            </a:ln>
+          </p:spPr>
+          <p:txBody>
+            <a:bodyPr anchorCtr="0" anchor="ctr" bIns="91425" lIns="91425" spcFirstLastPara="1" rIns="91425" wrap="square" tIns="91425">
+              <a:noAutofit/>
+            </a:bodyPr>
+            <a:lstStyle/>
+            <a:p>
+              <a:pPr indent="0" lvl="0" marL="0" rtl="0" algn="l">
+                <a:spcBef>
+                  <a:spcPts val="0"/>
+                </a:spcBef>
+                <a:spcAft>
+                  <a:spcPts val="0"/>
+                </a:spcAft>
+                <a:buNone/>
+              </a:pPr>
+              <a:r>
+                <a:t/>
+              </a:r>
+              <a:endParaRPr/>
+            </a:p>
+          </p:txBody>
+        </p:sp>
+        <p:sp>
+          <p:nvSpPr>
+            <p:cNvPr id="44" name="Google Shape;44;p6"/>
+            <p:cNvSpPr/>
+            <p:nvPr/>
+          </p:nvSpPr>
+          <p:spPr>
+            <a:xfrm>
+              <a:off x="914400" y="2386584"/>
+              <a:ext cx="1828800" cy="91500"/>
+            </a:xfrm>
+            <a:prstGeom prst="rect">
+              <a:avLst/>
+            </a:prstGeom>
+            <a:solidFill>
+              <a:schemeClr val="accent3"/>
+            </a:solidFill>
+            <a:ln>
+              <a:noFill/>
+            </a:ln>
+          </p:spPr>
+          <p:txBody>
+            <a:bodyPr anchorCtr="0" anchor="ctr" bIns="91425" lIns="91425" spcFirstLastPara="1" rIns="91425" wrap="square" tIns="91425">
+              <a:noAutofit/>
+            </a:bodyPr>
+            <a:lstStyle/>
+            <a:p>
+              <a:pPr indent="0" lvl="0" marL="0" rtl="0" algn="l">
+                <a:spcBef>
+                  <a:spcPts val="0"/>
+                </a:spcBef>
+                <a:spcAft>
+                  <a:spcPts val="0"/>
+                </a:spcAft>
+                <a:buNone/>
+              </a:pPr>
+              <a:r>
+                <a:t/>
+              </a:r>
+              <a:endParaRPr/>
+            </a:p>
+          </p:txBody>
+        </p:sp>
+        <p:sp>
+          <p:nvSpPr>
+            <p:cNvPr id="45" name="Google Shape;45;p6"/>
+            <p:cNvSpPr/>
+            <p:nvPr/>
+          </p:nvSpPr>
+          <p:spPr>
+            <a:xfrm>
+              <a:off x="2743200" y="2386584"/>
+              <a:ext cx="6400800" cy="91500"/>
+            </a:xfrm>
+            <a:prstGeom prst="rect">
+              <a:avLst/>
+            </a:prstGeom>
+            <a:solidFill>
+              <a:schemeClr val="accent4"/>
+            </a:solidFill>
+            <a:ln>
+              <a:noFill/>
+            </a:ln>
+          </p:spPr>
+          <p:txBody>
+            <a:bodyPr anchorCtr="0" anchor="ctr" bIns="91425" lIns="91425" spcFirstLastPara="1" rIns="91425" wrap="square" tIns="91425">
+              <a:noAutofit/>
+            </a:bodyPr>
+            <a:lstStyle/>
+            <a:p>
+              <a:pPr indent="0" lvl="0" marL="0" rtl="0" algn="l">
+                <a:spcBef>
+                  <a:spcPts val="0"/>
+                </a:spcBef>
+                <a:spcAft>
+                  <a:spcPts val="0"/>
+                </a:spcAft>
+                <a:buNone/>
+              </a:pPr>
+              <a:r>
+                <a:t/>
+              </a:r>
+              <a:endParaRPr/>
+            </a:p>
+          </p:txBody>
+        </p:sp>
+      </p:grpSp>
     </p:spTree>
   </p:cSld>
   <p:clrMapOvr>
@@ -7010,7 +7533,7 @@
   <p:cSld name="BLANK">
     <p:spTree>
       <p:nvGrpSpPr>
-        <p:cNvPr id="31" name="Shape 31"/>
+        <p:cNvPr id="46" name="Shape 46"/>
         <p:cNvGrpSpPr/>
         <p:nvPr/>
       </p:nvGrpSpPr>
@@ -7475,8 +7998,8 @@
         </p:nvSpPr>
         <p:spPr>
           <a:xfrm>
-            <a:off x="7315209" y="4229101"/>
-            <a:ext cx="1828800" cy="914400"/>
+            <a:off x="7315202" y="4416550"/>
+            <a:ext cx="1828800" cy="731400"/>
           </a:xfrm>
           <a:prstGeom prst="rect">
             <a:avLst/>
@@ -7495,7 +8018,7 @@
               <a:buNone/>
               <a:defRPr b="1" sz="2400">
                 <a:solidFill>
-                  <a:schemeClr val="dk1"/>
+                  <a:schemeClr val="dk2"/>
                 </a:solidFill>
               </a:defRPr>
             </a:lvl1pPr>
@@ -7503,7 +8026,7 @@
               <a:buNone/>
               <a:defRPr b="1" sz="2400">
                 <a:solidFill>
-                  <a:schemeClr val="dk1"/>
+                  <a:schemeClr val="dk2"/>
                 </a:solidFill>
               </a:defRPr>
             </a:lvl2pPr>
@@ -7511,7 +8034,7 @@
               <a:buNone/>
               <a:defRPr b="1" sz="2400">
                 <a:solidFill>
-                  <a:schemeClr val="dk1"/>
+                  <a:schemeClr val="dk2"/>
                 </a:solidFill>
               </a:defRPr>
             </a:lvl3pPr>
@@ -7519,7 +8042,7 @@
               <a:buNone/>
               <a:defRPr b="1" sz="2400">
                 <a:solidFill>
-                  <a:schemeClr val="dk1"/>
+                  <a:schemeClr val="dk2"/>
                 </a:solidFill>
               </a:defRPr>
             </a:lvl4pPr>
@@ -7527,7 +8050,7 @@
               <a:buNone/>
               <a:defRPr b="1" sz="2400">
                 <a:solidFill>
-                  <a:schemeClr val="dk1"/>
+                  <a:schemeClr val="dk2"/>
                 </a:solidFill>
               </a:defRPr>
             </a:lvl5pPr>
@@ -7535,7 +8058,7 @@
               <a:buNone/>
               <a:defRPr b="1" sz="2400">
                 <a:solidFill>
-                  <a:schemeClr val="dk1"/>
+                  <a:schemeClr val="dk2"/>
                 </a:solidFill>
               </a:defRPr>
             </a:lvl6pPr>
@@ -7543,7 +8066,7 @@
               <a:buNone/>
               <a:defRPr b="1" sz="2400">
                 <a:solidFill>
-                  <a:schemeClr val="dk1"/>
+                  <a:schemeClr val="dk2"/>
                 </a:solidFill>
               </a:defRPr>
             </a:lvl7pPr>
@@ -7551,7 +8074,7 @@
               <a:buNone/>
               <a:defRPr b="1" sz="2400">
                 <a:solidFill>
-                  <a:schemeClr val="dk1"/>
+                  <a:schemeClr val="dk2"/>
                 </a:solidFill>
               </a:defRPr>
             </a:lvl8pPr>
@@ -7559,7 +8082,7 @@
               <a:buNone/>
               <a:defRPr b="1" sz="2400">
                 <a:solidFill>
-                  <a:schemeClr val="dk1"/>
+                  <a:schemeClr val="dk2"/>
                 </a:solidFill>
               </a:defRPr>
             </a:lvl9pPr>
@@ -7591,19 +8114,19 @@
               <a:buNone/>
             </a:pPr>
             <a:r>
-              <a:rPr b="0" lang="en" sz="1000" u="sng">
+              <a:rPr b="0" lang="en" sz="900" u="sng">
                 <a:solidFill>
                   <a:schemeClr val="hlink"/>
                 </a:solidFill>
                 <a:hlinkClick r:id="rId1"/>
               </a:rPr>
-              <a:t>https://profriehle.com</a:t>
-            </a:r>
-            <a:r>
-              <a:rPr b="0" lang="en" sz="1000"/>
-              <a:t>  </a:t>
-            </a:r>
-            <a:endParaRPr b="0" sz="1000"/>
+              <a:t>https://oss.cs.fau.de</a:t>
+            </a:r>
+            <a:r>
+              <a:rPr b="0" lang="en" sz="900"/>
+              <a:t> </a:t>
+            </a:r>
+            <a:endParaRPr b="0" sz="900"/>
           </a:p>
         </p:txBody>
       </p:sp>
@@ -8316,7 +8839,7 @@
   <p:cSld>
     <p:spTree>
       <p:nvGrpSpPr>
-        <p:cNvPr id="35" name="Shape 35"/>
+        <p:cNvPr id="50" name="Shape 50"/>
         <p:cNvGrpSpPr/>
         <p:nvPr/>
       </p:nvGrpSpPr>
@@ -8330,7 +8853,7 @@
       </p:grpSpPr>
       <p:sp>
         <p:nvSpPr>
-          <p:cNvPr id="36" name="Google Shape;36;p8"/>
+          <p:cNvPr id="51" name="Google Shape;51;p8"/>
           <p:cNvSpPr txBox="1"/>
           <p:nvPr>
             <p:ph type="ctrTitle"/>
@@ -8370,7 +8893,7 @@
       </p:sp>
       <p:sp>
         <p:nvSpPr>
-          <p:cNvPr id="37" name="Google Shape;37;p8"/>
+          <p:cNvPr id="52" name="Google Shape;52;p8"/>
           <p:cNvSpPr txBox="1"/>
           <p:nvPr>
             <p:ph idx="1" type="subTitle"/>
@@ -8477,7 +9000,7 @@
   <p:cSld>
     <p:spTree>
       <p:nvGrpSpPr>
-        <p:cNvPr id="98" name="Shape 98"/>
+        <p:cNvPr id="113" name="Shape 113"/>
         <p:cNvGrpSpPr/>
         <p:nvPr/>
       </p:nvGrpSpPr>
@@ -8491,7 +9014,7 @@
       </p:grpSpPr>
       <p:sp>
         <p:nvSpPr>
-          <p:cNvPr id="99" name="Google Shape;99;p17"/>
+          <p:cNvPr id="114" name="Google Shape;114;p17"/>
           <p:cNvSpPr txBox="1"/>
           <p:nvPr>
             <p:ph type="title"/>
@@ -8531,7 +9054,7 @@
       </p:sp>
       <p:sp>
         <p:nvSpPr>
-          <p:cNvPr id="100" name="Google Shape;100;p17"/>
+          <p:cNvPr id="115" name="Google Shape;115;p17"/>
           <p:cNvSpPr txBox="1"/>
           <p:nvPr>
             <p:ph idx="1" type="body"/>
@@ -8727,7 +9250,7 @@
       </p:sp>
       <p:sp>
         <p:nvSpPr>
-          <p:cNvPr id="101" name="Google Shape;101;p17"/>
+          <p:cNvPr id="116" name="Google Shape;116;p17"/>
           <p:cNvSpPr txBox="1"/>
           <p:nvPr>
             <p:ph idx="12" type="sldNum"/>
@@ -8735,8 +9258,8 @@
         </p:nvSpPr>
         <p:spPr>
           <a:xfrm>
-            <a:off x="7315209" y="4229101"/>
-            <a:ext cx="1828800" cy="914400"/>
+            <a:off x="7315202" y="4416550"/>
+            <a:ext cx="1828800" cy="731400"/>
           </a:xfrm>
           <a:prstGeom prst="rect">
             <a:avLst/>
@@ -8771,23 +9294,30 @@
               <a:spcAft>
                 <a:spcPts val="0"/>
               </a:spcAft>
-              <a:buClr>
-                <a:schemeClr val="dk1"/>
-              </a:buClr>
-              <a:buSzPts val="1100"/>
-              <a:buFont typeface="Arial"/>
-              <a:buNone/>
-            </a:pPr>
-            <a:r>
-              <a:rPr b="0" lang="en" sz="1000" u="sng">
+              <a:buNone/>
+            </a:pPr>
+            <a:r>
+              <a:rPr b="0" lang="en" sz="900" u="sng">
                 <a:solidFill>
                   <a:schemeClr val="hlink"/>
                 </a:solidFill>
                 <a:hlinkClick r:id="rId3"/>
               </a:rPr>
-              <a:t>https://profriehle.com</a:t>
-            </a:r>
-            <a:endParaRPr b="0" sz="1000"/>
+              <a:t>https://oss.cs.fau.de</a:t>
+            </a:r>
+            <a:r>
+              <a:rPr b="0" lang="en" sz="900">
+                <a:solidFill>
+                  <a:schemeClr val="dk2"/>
+                </a:solidFill>
+              </a:rPr>
+              <a:t> </a:t>
+            </a:r>
+            <a:endParaRPr b="0" sz="900">
+              <a:solidFill>
+                <a:schemeClr val="dk2"/>
+              </a:solidFill>
+            </a:endParaRPr>
           </a:p>
         </p:txBody>
       </p:sp>
@@ -8804,7 +9334,7 @@
   <p:cSld>
     <p:spTree>
       <p:nvGrpSpPr>
-        <p:cNvPr id="105" name="Shape 105"/>
+        <p:cNvPr id="120" name="Shape 120"/>
         <p:cNvGrpSpPr/>
         <p:nvPr/>
       </p:nvGrpSpPr>
@@ -8818,7 +9348,7 @@
       </p:grpSpPr>
       <p:sp>
         <p:nvSpPr>
-          <p:cNvPr id="106" name="Google Shape;106;p18"/>
+          <p:cNvPr id="121" name="Google Shape;121;p18"/>
           <p:cNvSpPr txBox="1"/>
           <p:nvPr>
             <p:ph type="title"/>
@@ -8858,7 +9388,7 @@
       </p:sp>
       <p:sp>
         <p:nvSpPr>
-          <p:cNvPr id="107" name="Google Shape;107;p18"/>
+          <p:cNvPr id="122" name="Google Shape;122;p18"/>
           <p:cNvSpPr txBox="1"/>
           <p:nvPr>
             <p:ph idx="1" type="body"/>
@@ -8890,7 +9420,7 @@
             </a:pPr>
             <a:r>
               <a:rPr lang="en"/>
-              <a:t>Object identifiers are typically values</a:t>
+              <a:t>Object identifiers are always values</a:t>
             </a:r>
             <a:endParaRPr/>
           </a:p>
@@ -8991,7 +9521,7 @@
             </a:pPr>
             <a:r>
               <a:rPr lang="en"/>
-              <a:t>But locations are often used to identify objects</a:t>
+              <a:t>But locations are often (wrongly) used to identify objects</a:t>
             </a:r>
             <a:endParaRPr/>
           </a:p>
@@ -8999,7 +9529,7 @@
       </p:sp>
       <p:sp>
         <p:nvSpPr>
-          <p:cNvPr id="108" name="Google Shape;108;p18"/>
+          <p:cNvPr id="123" name="Google Shape;123;p18"/>
           <p:cNvSpPr txBox="1"/>
           <p:nvPr>
             <p:ph idx="12" type="sldNum"/>
@@ -9007,8 +9537,8 @@
         </p:nvSpPr>
         <p:spPr>
           <a:xfrm>
-            <a:off x="7315209" y="4229101"/>
-            <a:ext cx="1828800" cy="914400"/>
+            <a:off x="7315202" y="4416550"/>
+            <a:ext cx="1828800" cy="731400"/>
           </a:xfrm>
           <a:prstGeom prst="rect">
             <a:avLst/>
@@ -9043,23 +9573,30 @@
               <a:spcAft>
                 <a:spcPts val="0"/>
               </a:spcAft>
-              <a:buClr>
-                <a:schemeClr val="dk1"/>
-              </a:buClr>
-              <a:buSzPts val="1100"/>
-              <a:buFont typeface="Arial"/>
-              <a:buNone/>
-            </a:pPr>
-            <a:r>
-              <a:rPr b="0" lang="en" sz="1000" u="sng">
+              <a:buNone/>
+            </a:pPr>
+            <a:r>
+              <a:rPr b="0" lang="en" sz="900" u="sng">
                 <a:solidFill>
                   <a:schemeClr val="hlink"/>
                 </a:solidFill>
                 <a:hlinkClick r:id="rId3"/>
               </a:rPr>
-              <a:t>https://profriehle.com</a:t>
-            </a:r>
-            <a:endParaRPr b="0" sz="1000"/>
+              <a:t>https://oss.cs.fau.de</a:t>
+            </a:r>
+            <a:r>
+              <a:rPr b="0" lang="en" sz="900">
+                <a:solidFill>
+                  <a:schemeClr val="dk2"/>
+                </a:solidFill>
+              </a:rPr>
+              <a:t> </a:t>
+            </a:r>
+            <a:endParaRPr b="0" sz="900">
+              <a:solidFill>
+                <a:schemeClr val="dk2"/>
+              </a:solidFill>
+            </a:endParaRPr>
           </a:p>
         </p:txBody>
       </p:sp>
@@ -9076,7 +9613,7 @@
   <p:cSld>
     <p:spTree>
       <p:nvGrpSpPr>
-        <p:cNvPr id="112" name="Shape 112"/>
+        <p:cNvPr id="127" name="Shape 127"/>
         <p:cNvGrpSpPr/>
         <p:nvPr/>
       </p:nvGrpSpPr>
@@ -9090,7 +9627,7 @@
       </p:grpSpPr>
       <p:sp>
         <p:nvSpPr>
-          <p:cNvPr id="113" name="Google Shape;113;p19"/>
+          <p:cNvPr id="128" name="Google Shape;128;p19"/>
           <p:cNvSpPr txBox="1"/>
           <p:nvPr>
             <p:ph type="title"/>
@@ -9141,7 +9678,7 @@
   <p:cSld>
     <p:spTree>
       <p:nvGrpSpPr>
-        <p:cNvPr id="117" name="Shape 117"/>
+        <p:cNvPr id="132" name="Shape 132"/>
         <p:cNvGrpSpPr/>
         <p:nvPr/>
       </p:nvGrpSpPr>
@@ -9155,7 +9692,7 @@
       </p:grpSpPr>
       <p:sp>
         <p:nvSpPr>
-          <p:cNvPr id="118" name="Google Shape;118;p20"/>
+          <p:cNvPr id="133" name="Google Shape;133;p20"/>
           <p:cNvSpPr txBox="1"/>
           <p:nvPr>
             <p:ph type="title"/>
@@ -9195,7 +9732,7 @@
       </p:sp>
       <p:sp>
         <p:nvSpPr>
-          <p:cNvPr id="119" name="Google Shape;119;p20"/>
+          <p:cNvPr id="134" name="Google Shape;134;p20"/>
           <p:cNvSpPr txBox="1"/>
           <p:nvPr>
             <p:ph idx="1" type="body"/>
@@ -9335,7 +9872,7 @@
       </p:sp>
       <p:sp>
         <p:nvSpPr>
-          <p:cNvPr id="120" name="Google Shape;120;p20"/>
+          <p:cNvPr id="135" name="Google Shape;135;p20"/>
           <p:cNvSpPr txBox="1"/>
           <p:nvPr>
             <p:ph idx="12" type="sldNum"/>
@@ -9343,8 +9880,8 @@
         </p:nvSpPr>
         <p:spPr>
           <a:xfrm>
-            <a:off x="7315209" y="4229101"/>
-            <a:ext cx="1828800" cy="914400"/>
+            <a:off x="7315202" y="4416550"/>
+            <a:ext cx="1828800" cy="731400"/>
           </a:xfrm>
           <a:prstGeom prst="rect">
             <a:avLst/>
@@ -9379,29 +9916,36 @@
               <a:spcAft>
                 <a:spcPts val="0"/>
               </a:spcAft>
-              <a:buClr>
-                <a:schemeClr val="dk1"/>
-              </a:buClr>
-              <a:buSzPts val="1100"/>
-              <a:buFont typeface="Arial"/>
-              <a:buNone/>
-            </a:pPr>
-            <a:r>
-              <a:rPr b="0" lang="en" sz="1000" u="sng">
+              <a:buNone/>
+            </a:pPr>
+            <a:r>
+              <a:rPr b="0" lang="en" sz="900" u="sng">
                 <a:solidFill>
                   <a:schemeClr val="hlink"/>
                 </a:solidFill>
                 <a:hlinkClick r:id="rId3"/>
               </a:rPr>
-              <a:t>https://profriehle.com</a:t>
-            </a:r>
-            <a:endParaRPr b="0" sz="1000"/>
+              <a:t>https://oss.cs.fau.de</a:t>
+            </a:r>
+            <a:r>
+              <a:rPr b="0" lang="en" sz="900">
+                <a:solidFill>
+                  <a:schemeClr val="dk2"/>
+                </a:solidFill>
+              </a:rPr>
+              <a:t> </a:t>
+            </a:r>
+            <a:endParaRPr b="0" sz="900">
+              <a:solidFill>
+                <a:schemeClr val="dk2"/>
+              </a:solidFill>
+            </a:endParaRPr>
           </a:p>
         </p:txBody>
       </p:sp>
       <p:sp>
         <p:nvSpPr>
-          <p:cNvPr id="121" name="Google Shape;121;p20"/>
+          <p:cNvPr id="136" name="Google Shape;136;p20"/>
           <p:cNvSpPr txBox="1"/>
           <p:nvPr/>
         </p:nvSpPr>
@@ -9467,7 +10011,7 @@
   <p:cSld>
     <p:spTree>
       <p:nvGrpSpPr>
-        <p:cNvPr id="125" name="Shape 125"/>
+        <p:cNvPr id="140" name="Shape 140"/>
         <p:cNvGrpSpPr/>
         <p:nvPr/>
       </p:nvGrpSpPr>
@@ -9481,7 +10025,7 @@
       </p:grpSpPr>
       <p:sp>
         <p:nvSpPr>
-          <p:cNvPr id="126" name="Google Shape;126;p21"/>
+          <p:cNvPr id="141" name="Google Shape;141;p21"/>
           <p:cNvSpPr txBox="1"/>
           <p:nvPr>
             <p:ph type="title"/>
@@ -9521,7 +10065,7 @@
       </p:sp>
       <p:sp>
         <p:nvSpPr>
-          <p:cNvPr id="127" name="Google Shape;127;p21"/>
+          <p:cNvPr id="142" name="Google Shape;142;p21"/>
           <p:cNvSpPr txBox="1"/>
           <p:nvPr>
             <p:ph idx="1" type="body"/>
@@ -9625,7 +10169,7 @@
       </p:sp>
       <p:sp>
         <p:nvSpPr>
-          <p:cNvPr id="128" name="Google Shape;128;p21"/>
+          <p:cNvPr id="143" name="Google Shape;143;p21"/>
           <p:cNvSpPr txBox="1"/>
           <p:nvPr>
             <p:ph idx="12" type="sldNum"/>
@@ -9633,8 +10177,8 @@
         </p:nvSpPr>
         <p:spPr>
           <a:xfrm>
-            <a:off x="7315209" y="4229101"/>
-            <a:ext cx="1828800" cy="914400"/>
+            <a:off x="7315202" y="4416550"/>
+            <a:ext cx="1828800" cy="731400"/>
           </a:xfrm>
           <a:prstGeom prst="rect">
             <a:avLst/>
@@ -9669,29 +10213,36 @@
               <a:spcAft>
                 <a:spcPts val="0"/>
               </a:spcAft>
-              <a:buClr>
-                <a:schemeClr val="dk1"/>
-              </a:buClr>
-              <a:buSzPts val="1100"/>
-              <a:buFont typeface="Arial"/>
-              <a:buNone/>
-            </a:pPr>
-            <a:r>
-              <a:rPr b="0" lang="en" sz="1000" u="sng">
+              <a:buNone/>
+            </a:pPr>
+            <a:r>
+              <a:rPr b="0" lang="en" sz="900" u="sng">
                 <a:solidFill>
                   <a:schemeClr val="hlink"/>
                 </a:solidFill>
                 <a:hlinkClick r:id="rId3"/>
               </a:rPr>
-              <a:t>https://profriehle.com</a:t>
-            </a:r>
-            <a:endParaRPr b="0" sz="1000"/>
+              <a:t>https://oss.cs.fau.de</a:t>
+            </a:r>
+            <a:r>
+              <a:rPr b="0" lang="en" sz="900">
+                <a:solidFill>
+                  <a:schemeClr val="dk2"/>
+                </a:solidFill>
+              </a:rPr>
+              <a:t> </a:t>
+            </a:r>
+            <a:endParaRPr b="0" sz="900">
+              <a:solidFill>
+                <a:schemeClr val="dk2"/>
+              </a:solidFill>
+            </a:endParaRPr>
           </a:p>
         </p:txBody>
       </p:sp>
       <p:pic>
         <p:nvPicPr>
-          <p:cNvPr id="129" name="Google Shape;129;p21"/>
+          <p:cNvPr id="144" name="Google Shape;144;p21"/>
           <p:cNvPicPr preferRelativeResize="0"/>
           <p:nvPr/>
         </p:nvPicPr>
@@ -9730,7 +10281,7 @@
   <p:cSld>
     <p:spTree>
       <p:nvGrpSpPr>
-        <p:cNvPr id="133" name="Shape 133"/>
+        <p:cNvPr id="148" name="Shape 148"/>
         <p:cNvGrpSpPr/>
         <p:nvPr/>
       </p:nvGrpSpPr>
@@ -9744,7 +10295,7 @@
       </p:grpSpPr>
       <p:sp>
         <p:nvSpPr>
-          <p:cNvPr id="134" name="Google Shape;134;p22"/>
+          <p:cNvPr id="149" name="Google Shape;149;p22"/>
           <p:cNvSpPr txBox="1"/>
           <p:nvPr>
             <p:ph type="title"/>
@@ -9784,7 +10335,7 @@
       </p:sp>
       <p:sp>
         <p:nvSpPr>
-          <p:cNvPr id="135" name="Google Shape;135;p22"/>
+          <p:cNvPr id="150" name="Google Shape;150;p22"/>
           <p:cNvSpPr txBox="1"/>
           <p:nvPr>
             <p:ph idx="12" type="sldNum"/>
@@ -9792,8 +10343,8 @@
         </p:nvSpPr>
         <p:spPr>
           <a:xfrm>
-            <a:off x="7315209" y="4229101"/>
-            <a:ext cx="1828800" cy="914400"/>
+            <a:off x="7315202" y="4416550"/>
+            <a:ext cx="1828800" cy="731400"/>
           </a:xfrm>
           <a:prstGeom prst="rect">
             <a:avLst/>
@@ -9828,29 +10379,36 @@
               <a:spcAft>
                 <a:spcPts val="0"/>
               </a:spcAft>
-              <a:buClr>
-                <a:schemeClr val="dk1"/>
-              </a:buClr>
-              <a:buSzPts val="1100"/>
-              <a:buFont typeface="Arial"/>
-              <a:buNone/>
-            </a:pPr>
-            <a:r>
-              <a:rPr b="0" lang="en" sz="1000" u="sng">
+              <a:buNone/>
+            </a:pPr>
+            <a:r>
+              <a:rPr b="0" lang="en" sz="900" u="sng">
                 <a:solidFill>
                   <a:schemeClr val="hlink"/>
                 </a:solidFill>
                 <a:hlinkClick r:id="rId3"/>
               </a:rPr>
-              <a:t>https://profriehle.com</a:t>
-            </a:r>
-            <a:endParaRPr b="0" sz="1000"/>
+              <a:t>https://oss.cs.fau.de</a:t>
+            </a:r>
+            <a:r>
+              <a:rPr b="0" lang="en" sz="900">
+                <a:solidFill>
+                  <a:schemeClr val="dk2"/>
+                </a:solidFill>
+              </a:rPr>
+              <a:t> </a:t>
+            </a:r>
+            <a:endParaRPr b="0" sz="900">
+              <a:solidFill>
+                <a:schemeClr val="dk2"/>
+              </a:solidFill>
+            </a:endParaRPr>
           </a:p>
         </p:txBody>
       </p:sp>
       <p:sp>
         <p:nvSpPr>
-          <p:cNvPr id="136" name="Google Shape;136;p22"/>
+          <p:cNvPr id="151" name="Google Shape;151;p22"/>
           <p:cNvSpPr txBox="1"/>
           <p:nvPr/>
         </p:nvSpPr>
@@ -9863,18 +10421,12 @@
             <a:avLst/>
           </a:prstGeom>
           <a:noFill/>
-          <a:ln cap="flat" cmpd="sng" w="9525">
-            <a:solidFill>
-              <a:srgbClr val="000000"/>
-            </a:solidFill>
-            <a:prstDash val="solid"/>
-            <a:round/>
-            <a:headEnd len="sm" w="sm" type="none"/>
-            <a:tailEnd len="sm" w="sm" type="none"/>
+          <a:ln>
+            <a:noFill/>
           </a:ln>
         </p:spPr>
         <p:txBody>
-          <a:bodyPr anchorCtr="0" anchor="t" bIns="91425" lIns="91425" spcFirstLastPara="1" rIns="91425" wrap="square" tIns="91425">
+          <a:bodyPr anchorCtr="0" anchor="t" bIns="0" lIns="0" spcFirstLastPara="1" rIns="0" wrap="square" tIns="0">
             <a:noAutofit/>
           </a:bodyPr>
           <a:lstStyle/>
@@ -10953,7 +11505,7 @@
   <p:cSld>
     <p:spTree>
       <p:nvGrpSpPr>
-        <p:cNvPr id="140" name="Shape 140"/>
+        <p:cNvPr id="155" name="Shape 155"/>
         <p:cNvGrpSpPr/>
         <p:nvPr/>
       </p:nvGrpSpPr>
@@ -10967,7 +11519,7 @@
       </p:grpSpPr>
       <p:sp>
         <p:nvSpPr>
-          <p:cNvPr id="141" name="Google Shape;141;p23"/>
+          <p:cNvPr id="156" name="Google Shape;156;p23"/>
           <p:cNvSpPr txBox="1"/>
           <p:nvPr>
             <p:ph type="title"/>
@@ -11018,7 +11570,7 @@
   <p:cSld>
     <p:spTree>
       <p:nvGrpSpPr>
-        <p:cNvPr id="145" name="Shape 145"/>
+        <p:cNvPr id="160" name="Shape 160"/>
         <p:cNvGrpSpPr/>
         <p:nvPr/>
       </p:nvGrpSpPr>
@@ -11032,7 +11584,7 @@
       </p:grpSpPr>
       <p:sp>
         <p:nvSpPr>
-          <p:cNvPr id="146" name="Google Shape;146;p24"/>
+          <p:cNvPr id="161" name="Google Shape;161;p24"/>
           <p:cNvSpPr txBox="1"/>
           <p:nvPr>
             <p:ph type="title"/>
@@ -11072,7 +11624,7 @@
       </p:sp>
       <p:sp>
         <p:nvSpPr>
-          <p:cNvPr id="147" name="Google Shape;147;p24"/>
+          <p:cNvPr id="162" name="Google Shape;162;p24"/>
           <p:cNvSpPr txBox="1"/>
           <p:nvPr>
             <p:ph idx="1" type="body"/>
@@ -11144,7 +11696,7 @@
       </p:sp>
       <p:sp>
         <p:nvSpPr>
-          <p:cNvPr id="148" name="Google Shape;148;p24"/>
+          <p:cNvPr id="163" name="Google Shape;163;p24"/>
           <p:cNvSpPr txBox="1"/>
           <p:nvPr>
             <p:ph idx="12" type="sldNum"/>
@@ -11152,8 +11704,8 @@
         </p:nvSpPr>
         <p:spPr>
           <a:xfrm>
-            <a:off x="7315209" y="4229101"/>
-            <a:ext cx="1828800" cy="914400"/>
+            <a:off x="7315202" y="4416550"/>
+            <a:ext cx="1828800" cy="731400"/>
           </a:xfrm>
           <a:prstGeom prst="rect">
             <a:avLst/>
@@ -11188,23 +11740,30 @@
               <a:spcAft>
                 <a:spcPts val="0"/>
               </a:spcAft>
-              <a:buClr>
-                <a:schemeClr val="dk1"/>
-              </a:buClr>
-              <a:buSzPts val="1100"/>
-              <a:buFont typeface="Arial"/>
-              <a:buNone/>
-            </a:pPr>
-            <a:r>
-              <a:rPr b="0" lang="en" sz="1000" u="sng">
+              <a:buNone/>
+            </a:pPr>
+            <a:r>
+              <a:rPr b="0" lang="en" sz="900" u="sng">
                 <a:solidFill>
                   <a:schemeClr val="hlink"/>
                 </a:solidFill>
                 <a:hlinkClick r:id="rId3"/>
               </a:rPr>
-              <a:t>https://profriehle.com</a:t>
-            </a:r>
-            <a:endParaRPr b="0" sz="1000"/>
+              <a:t>https://oss.cs.fau.de</a:t>
+            </a:r>
+            <a:r>
+              <a:rPr b="0" lang="en" sz="900">
+                <a:solidFill>
+                  <a:schemeClr val="dk2"/>
+                </a:solidFill>
+              </a:rPr>
+              <a:t> </a:t>
+            </a:r>
+            <a:endParaRPr b="0" sz="900">
+              <a:solidFill>
+                <a:schemeClr val="dk2"/>
+              </a:solidFill>
+            </a:endParaRPr>
           </a:p>
         </p:txBody>
       </p:sp>
@@ -11221,7 +11780,7 @@
   <p:cSld>
     <p:spTree>
       <p:nvGrpSpPr>
-        <p:cNvPr id="152" name="Shape 152"/>
+        <p:cNvPr id="167" name="Shape 167"/>
         <p:cNvGrpSpPr/>
         <p:nvPr/>
       </p:nvGrpSpPr>
@@ -11235,7 +11794,7 @@
       </p:grpSpPr>
       <p:sp>
         <p:nvSpPr>
-          <p:cNvPr id="153" name="Google Shape;153;p25"/>
+          <p:cNvPr id="168" name="Google Shape;168;p25"/>
           <p:cNvSpPr txBox="1"/>
           <p:nvPr>
             <p:ph type="title"/>
@@ -11275,7 +11834,7 @@
       </p:sp>
       <p:sp>
         <p:nvSpPr>
-          <p:cNvPr id="154" name="Google Shape;154;p25"/>
+          <p:cNvPr id="169" name="Google Shape;169;p25"/>
           <p:cNvSpPr txBox="1"/>
           <p:nvPr>
             <p:ph idx="12" type="sldNum"/>
@@ -11283,8 +11842,8 @@
         </p:nvSpPr>
         <p:spPr>
           <a:xfrm>
-            <a:off x="7315209" y="4229101"/>
-            <a:ext cx="1828800" cy="914400"/>
+            <a:off x="7315202" y="4416550"/>
+            <a:ext cx="1828800" cy="731400"/>
           </a:xfrm>
           <a:prstGeom prst="rect">
             <a:avLst/>
@@ -11319,29 +11878,36 @@
               <a:spcAft>
                 <a:spcPts val="0"/>
               </a:spcAft>
-              <a:buClr>
-                <a:schemeClr val="dk1"/>
-              </a:buClr>
-              <a:buSzPts val="1100"/>
-              <a:buFont typeface="Arial"/>
-              <a:buNone/>
-            </a:pPr>
-            <a:r>
-              <a:rPr b="0" lang="en" sz="1000" u="sng">
+              <a:buNone/>
+            </a:pPr>
+            <a:r>
+              <a:rPr b="0" lang="en" sz="900" u="sng">
                 <a:solidFill>
                   <a:schemeClr val="hlink"/>
                 </a:solidFill>
                 <a:hlinkClick r:id="rId3"/>
               </a:rPr>
-              <a:t>https://profriehle.com</a:t>
-            </a:r>
-            <a:endParaRPr b="0" sz="1000"/>
+              <a:t>https://oss.cs.fau.de</a:t>
+            </a:r>
+            <a:r>
+              <a:rPr b="0" lang="en" sz="900">
+                <a:solidFill>
+                  <a:schemeClr val="dk2"/>
+                </a:solidFill>
+              </a:rPr>
+              <a:t> </a:t>
+            </a:r>
+            <a:endParaRPr b="0" sz="900">
+              <a:solidFill>
+                <a:schemeClr val="dk2"/>
+              </a:solidFill>
+            </a:endParaRPr>
           </a:p>
         </p:txBody>
       </p:sp>
       <p:sp>
         <p:nvSpPr>
-          <p:cNvPr id="155" name="Google Shape;155;p25"/>
+          <p:cNvPr id="170" name="Google Shape;170;p25"/>
           <p:cNvSpPr txBox="1"/>
           <p:nvPr>
             <p:ph idx="1" type="body"/>
@@ -11414,7 +11980,7 @@
       </p:sp>
       <p:sp>
         <p:nvSpPr>
-          <p:cNvPr id="156" name="Google Shape;156;p25"/>
+          <p:cNvPr id="171" name="Google Shape;171;p25"/>
           <p:cNvSpPr txBox="1"/>
           <p:nvPr/>
         </p:nvSpPr>
@@ -11427,18 +11993,12 @@
             <a:avLst/>
           </a:prstGeom>
           <a:noFill/>
-          <a:ln cap="flat" cmpd="sng" w="9525">
-            <a:solidFill>
-              <a:srgbClr val="000000"/>
-            </a:solidFill>
-            <a:prstDash val="solid"/>
-            <a:round/>
-            <a:headEnd len="sm" w="sm" type="none"/>
-            <a:tailEnd len="sm" w="sm" type="none"/>
+          <a:ln>
+            <a:noFill/>
           </a:ln>
         </p:spPr>
         <p:txBody>
-          <a:bodyPr anchorCtr="0" anchor="t" bIns="91425" lIns="91425" spcFirstLastPara="1" rIns="91425" wrap="square" tIns="91425">
+          <a:bodyPr anchorCtr="0" anchor="t" bIns="0" lIns="0" spcFirstLastPara="1" rIns="0" wrap="square" tIns="0">
             <a:noAutofit/>
           </a:bodyPr>
           <a:lstStyle/>
@@ -12916,7 +13476,7 @@
   <p:cSld>
     <p:spTree>
       <p:nvGrpSpPr>
-        <p:cNvPr id="160" name="Shape 160"/>
+        <p:cNvPr id="175" name="Shape 175"/>
         <p:cNvGrpSpPr/>
         <p:nvPr/>
       </p:nvGrpSpPr>
@@ -12930,7 +13490,7 @@
       </p:grpSpPr>
       <p:sp>
         <p:nvSpPr>
-          <p:cNvPr id="161" name="Google Shape;161;p26"/>
+          <p:cNvPr id="176" name="Google Shape;176;p26"/>
           <p:cNvSpPr txBox="1"/>
           <p:nvPr>
             <p:ph type="title"/>
@@ -12970,7 +13530,7 @@
       </p:sp>
       <p:sp>
         <p:nvSpPr>
-          <p:cNvPr id="162" name="Google Shape;162;p26"/>
+          <p:cNvPr id="177" name="Google Shape;177;p26"/>
           <p:cNvSpPr txBox="1"/>
           <p:nvPr>
             <p:ph idx="1" type="body"/>
@@ -13098,7 +13658,7 @@
       </p:sp>
       <p:sp>
         <p:nvSpPr>
-          <p:cNvPr id="163" name="Google Shape;163;p26"/>
+          <p:cNvPr id="178" name="Google Shape;178;p26"/>
           <p:cNvSpPr txBox="1"/>
           <p:nvPr>
             <p:ph idx="12" type="sldNum"/>
@@ -13106,8 +13666,8 @@
         </p:nvSpPr>
         <p:spPr>
           <a:xfrm>
-            <a:off x="7315209" y="4229101"/>
-            <a:ext cx="1828800" cy="914400"/>
+            <a:off x="7315202" y="4416550"/>
+            <a:ext cx="1828800" cy="731400"/>
           </a:xfrm>
           <a:prstGeom prst="rect">
             <a:avLst/>
@@ -13142,23 +13702,30 @@
               <a:spcAft>
                 <a:spcPts val="0"/>
               </a:spcAft>
-              <a:buClr>
-                <a:schemeClr val="dk1"/>
-              </a:buClr>
-              <a:buSzPts val="1100"/>
-              <a:buFont typeface="Arial"/>
-              <a:buNone/>
-            </a:pPr>
-            <a:r>
-              <a:rPr b="0" lang="en" sz="1000" u="sng">
+              <a:buNone/>
+            </a:pPr>
+            <a:r>
+              <a:rPr b="0" lang="en" sz="900" u="sng">
                 <a:solidFill>
                   <a:schemeClr val="hlink"/>
                 </a:solidFill>
                 <a:hlinkClick r:id="rId3"/>
               </a:rPr>
-              <a:t>https://profriehle.com</a:t>
-            </a:r>
-            <a:endParaRPr b="0" sz="1000"/>
+              <a:t>https://oss.cs.fau.de</a:t>
+            </a:r>
+            <a:r>
+              <a:rPr b="0" lang="en" sz="900">
+                <a:solidFill>
+                  <a:schemeClr val="dk2"/>
+                </a:solidFill>
+              </a:rPr>
+              <a:t> </a:t>
+            </a:r>
+            <a:endParaRPr b="0" sz="900">
+              <a:solidFill>
+                <a:schemeClr val="dk2"/>
+              </a:solidFill>
+            </a:endParaRPr>
           </a:p>
         </p:txBody>
       </p:sp>
@@ -13175,7 +13742,7 @@
   <p:cSld>
     <p:spTree>
       <p:nvGrpSpPr>
-        <p:cNvPr id="41" name="Shape 41"/>
+        <p:cNvPr id="56" name="Shape 56"/>
         <p:cNvGrpSpPr/>
         <p:nvPr/>
       </p:nvGrpSpPr>
@@ -13189,7 +13756,7 @@
       </p:grpSpPr>
       <p:sp>
         <p:nvSpPr>
-          <p:cNvPr id="42" name="Google Shape;42;p9"/>
+          <p:cNvPr id="57" name="Google Shape;57;p9"/>
           <p:cNvSpPr txBox="1"/>
           <p:nvPr>
             <p:ph type="title"/>
@@ -13229,7 +13796,7 @@
       </p:sp>
       <p:sp>
         <p:nvSpPr>
-          <p:cNvPr id="43" name="Google Shape;43;p9"/>
+          <p:cNvPr id="58" name="Google Shape;58;p9"/>
           <p:cNvSpPr txBox="1"/>
           <p:nvPr>
             <p:ph idx="1" type="body"/>
@@ -13372,7 +13939,7 @@
       </p:sp>
       <p:sp>
         <p:nvSpPr>
-          <p:cNvPr id="44" name="Google Shape;44;p9"/>
+          <p:cNvPr id="59" name="Google Shape;59;p9"/>
           <p:cNvSpPr txBox="1"/>
           <p:nvPr>
             <p:ph idx="12" type="sldNum"/>
@@ -13380,8 +13947,8 @@
         </p:nvSpPr>
         <p:spPr>
           <a:xfrm>
-            <a:off x="7315209" y="4229101"/>
-            <a:ext cx="1828800" cy="914400"/>
+            <a:off x="7315202" y="4416550"/>
+            <a:ext cx="1828800" cy="731400"/>
           </a:xfrm>
           <a:prstGeom prst="rect">
             <a:avLst/>
@@ -13424,21 +13991,25 @@
               <a:buNone/>
             </a:pPr>
             <a:r>
-              <a:rPr b="0" lang="en" sz="1000" u="sng">
+              <a:rPr b="0" lang="en" sz="900" u="sng">
                 <a:solidFill>
                   <a:schemeClr val="hlink"/>
                 </a:solidFill>
                 <a:hlinkClick r:id="rId3"/>
               </a:rPr>
-              <a:t>https://profriehle.com</a:t>
-            </a:r>
-            <a:endParaRPr b="0" sz="1000"/>
+              <a:t>https://oss.cs.fau.de</a:t>
+            </a:r>
+            <a:endParaRPr>
+              <a:solidFill>
+                <a:schemeClr val="dk2"/>
+              </a:solidFill>
+            </a:endParaRPr>
           </a:p>
         </p:txBody>
       </p:sp>
       <p:sp>
         <p:nvSpPr>
-          <p:cNvPr id="45" name="Google Shape;45;p9"/>
+          <p:cNvPr id="60" name="Google Shape;60;p9"/>
           <p:cNvSpPr txBox="1"/>
           <p:nvPr>
             <p:ph idx="2" type="body"/>
@@ -13489,7 +14060,7 @@
   <p:cSld>
     <p:spTree>
       <p:nvGrpSpPr>
-        <p:cNvPr id="167" name="Shape 167"/>
+        <p:cNvPr id="182" name="Shape 182"/>
         <p:cNvGrpSpPr/>
         <p:nvPr/>
       </p:nvGrpSpPr>
@@ -13503,7 +14074,7 @@
       </p:grpSpPr>
       <p:sp>
         <p:nvSpPr>
-          <p:cNvPr id="168" name="Google Shape;168;p27"/>
+          <p:cNvPr id="183" name="Google Shape;183;p27"/>
           <p:cNvSpPr txBox="1"/>
           <p:nvPr>
             <p:ph type="title"/>
@@ -13543,7 +14114,7 @@
       </p:sp>
       <p:sp>
         <p:nvSpPr>
-          <p:cNvPr id="169" name="Google Shape;169;p27"/>
+          <p:cNvPr id="184" name="Google Shape;184;p27"/>
           <p:cNvSpPr txBox="1"/>
           <p:nvPr>
             <p:ph idx="1" type="body"/>
@@ -13670,7 +14241,7 @@
       </p:sp>
       <p:sp>
         <p:nvSpPr>
-          <p:cNvPr id="170" name="Google Shape;170;p27"/>
+          <p:cNvPr id="185" name="Google Shape;185;p27"/>
           <p:cNvSpPr txBox="1"/>
           <p:nvPr>
             <p:ph idx="12" type="sldNum"/>
@@ -13678,8 +14249,8 @@
         </p:nvSpPr>
         <p:spPr>
           <a:xfrm>
-            <a:off x="7315209" y="4229101"/>
-            <a:ext cx="1828800" cy="914400"/>
+            <a:off x="7315202" y="4416550"/>
+            <a:ext cx="1828800" cy="731400"/>
           </a:xfrm>
           <a:prstGeom prst="rect">
             <a:avLst/>
@@ -13714,23 +14285,30 @@
               <a:spcAft>
                 <a:spcPts val="0"/>
               </a:spcAft>
-              <a:buClr>
-                <a:schemeClr val="dk1"/>
-              </a:buClr>
-              <a:buSzPts val="1100"/>
-              <a:buFont typeface="Arial"/>
-              <a:buNone/>
-            </a:pPr>
-            <a:r>
-              <a:rPr b="0" lang="en" sz="1000" u="sng">
+              <a:buNone/>
+            </a:pPr>
+            <a:r>
+              <a:rPr b="0" lang="en" sz="900" u="sng">
                 <a:solidFill>
                   <a:schemeClr val="hlink"/>
                 </a:solidFill>
                 <a:hlinkClick r:id="rId3"/>
               </a:rPr>
-              <a:t>https://profriehle.com</a:t>
-            </a:r>
-            <a:endParaRPr b="0" sz="1000"/>
+              <a:t>https://oss.cs.fau.de</a:t>
+            </a:r>
+            <a:r>
+              <a:rPr b="0" lang="en" sz="900">
+                <a:solidFill>
+                  <a:schemeClr val="dk2"/>
+                </a:solidFill>
+              </a:rPr>
+              <a:t> </a:t>
+            </a:r>
+            <a:endParaRPr b="0" sz="900">
+              <a:solidFill>
+                <a:schemeClr val="dk2"/>
+              </a:solidFill>
+            </a:endParaRPr>
           </a:p>
         </p:txBody>
       </p:sp>
@@ -13747,7 +14325,7 @@
   <p:cSld>
     <p:spTree>
       <p:nvGrpSpPr>
-        <p:cNvPr id="174" name="Shape 174"/>
+        <p:cNvPr id="189" name="Shape 189"/>
         <p:cNvGrpSpPr/>
         <p:nvPr/>
       </p:nvGrpSpPr>
@@ -13761,7 +14339,7 @@
       </p:grpSpPr>
       <p:sp>
         <p:nvSpPr>
-          <p:cNvPr id="175" name="Google Shape;175;p28"/>
+          <p:cNvPr id="190" name="Google Shape;190;p28"/>
           <p:cNvSpPr txBox="1"/>
           <p:nvPr>
             <p:ph type="title"/>
@@ -13812,7 +14390,7 @@
   <p:cSld>
     <p:spTree>
       <p:nvGrpSpPr>
-        <p:cNvPr id="179" name="Shape 179"/>
+        <p:cNvPr id="194" name="Shape 194"/>
         <p:cNvGrpSpPr/>
         <p:nvPr/>
       </p:nvGrpSpPr>
@@ -13826,7 +14404,7 @@
       </p:grpSpPr>
       <p:sp>
         <p:nvSpPr>
-          <p:cNvPr id="180" name="Google Shape;180;p29"/>
+          <p:cNvPr id="195" name="Google Shape;195;p29"/>
           <p:cNvSpPr txBox="1"/>
           <p:nvPr>
             <p:ph type="title"/>
@@ -13866,7 +14444,7 @@
       </p:sp>
       <p:sp>
         <p:nvSpPr>
-          <p:cNvPr id="181" name="Google Shape;181;p29"/>
+          <p:cNvPr id="196" name="Google Shape;196;p29"/>
           <p:cNvSpPr txBox="1"/>
           <p:nvPr>
             <p:ph idx="1" type="body"/>
@@ -13921,7 +14499,7 @@
       </p:sp>
       <p:sp>
         <p:nvSpPr>
-          <p:cNvPr id="182" name="Google Shape;182;p29"/>
+          <p:cNvPr id="197" name="Google Shape;197;p29"/>
           <p:cNvSpPr txBox="1"/>
           <p:nvPr>
             <p:ph idx="12" type="sldNum"/>
@@ -13929,8 +14507,8 @@
         </p:nvSpPr>
         <p:spPr>
           <a:xfrm>
-            <a:off x="7315209" y="4229101"/>
-            <a:ext cx="1828800" cy="914400"/>
+            <a:off x="7315202" y="4416550"/>
+            <a:ext cx="1828800" cy="731400"/>
           </a:xfrm>
           <a:prstGeom prst="rect">
             <a:avLst/>
@@ -13965,23 +14543,30 @@
               <a:spcAft>
                 <a:spcPts val="0"/>
               </a:spcAft>
-              <a:buClr>
-                <a:schemeClr val="dk1"/>
-              </a:buClr>
-              <a:buSzPts val="1100"/>
-              <a:buFont typeface="Arial"/>
-              <a:buNone/>
-            </a:pPr>
-            <a:r>
-              <a:rPr b="0" lang="en" sz="1000" u="sng">
+              <a:buNone/>
+            </a:pPr>
+            <a:r>
+              <a:rPr b="0" lang="en" sz="900" u="sng">
                 <a:solidFill>
                   <a:schemeClr val="hlink"/>
                 </a:solidFill>
                 <a:hlinkClick r:id="rId3"/>
               </a:rPr>
-              <a:t>https://profriehle.com</a:t>
-            </a:r>
-            <a:endParaRPr b="0" sz="1000"/>
+              <a:t>https://oss.cs.fau.de</a:t>
+            </a:r>
+            <a:r>
+              <a:rPr b="0" lang="en" sz="900">
+                <a:solidFill>
+                  <a:schemeClr val="dk2"/>
+                </a:solidFill>
+              </a:rPr>
+              <a:t> </a:t>
+            </a:r>
+            <a:endParaRPr b="0" sz="900">
+              <a:solidFill>
+                <a:schemeClr val="dk2"/>
+              </a:solidFill>
+            </a:endParaRPr>
           </a:p>
         </p:txBody>
       </p:sp>
@@ -13998,7 +14583,7 @@
   <p:cSld>
     <p:spTree>
       <p:nvGrpSpPr>
-        <p:cNvPr id="186" name="Shape 186"/>
+        <p:cNvPr id="201" name="Shape 201"/>
         <p:cNvGrpSpPr/>
         <p:nvPr/>
       </p:nvGrpSpPr>
@@ -14012,7 +14597,7 @@
       </p:grpSpPr>
       <p:sp>
         <p:nvSpPr>
-          <p:cNvPr id="187" name="Google Shape;187;p30"/>
+          <p:cNvPr id="202" name="Google Shape;202;p30"/>
           <p:cNvSpPr txBox="1"/>
           <p:nvPr>
             <p:ph type="title"/>
@@ -14052,7 +14637,7 @@
       </p:sp>
       <p:sp>
         <p:nvSpPr>
-          <p:cNvPr id="188" name="Google Shape;188;p30"/>
+          <p:cNvPr id="203" name="Google Shape;203;p30"/>
           <p:cNvSpPr txBox="1"/>
           <p:nvPr>
             <p:ph idx="1" type="body"/>
@@ -14210,7 +14795,7 @@
       </p:sp>
       <p:sp>
         <p:nvSpPr>
-          <p:cNvPr id="189" name="Google Shape;189;p30"/>
+          <p:cNvPr id="204" name="Google Shape;204;p30"/>
           <p:cNvSpPr txBox="1"/>
           <p:nvPr>
             <p:ph idx="12" type="sldNum"/>
@@ -14218,8 +14803,8 @@
         </p:nvSpPr>
         <p:spPr>
           <a:xfrm>
-            <a:off x="7315209" y="4229101"/>
-            <a:ext cx="1828800" cy="914400"/>
+            <a:off x="7315202" y="4416550"/>
+            <a:ext cx="1828800" cy="731400"/>
           </a:xfrm>
           <a:prstGeom prst="rect">
             <a:avLst/>
@@ -14254,23 +14839,30 @@
               <a:spcAft>
                 <a:spcPts val="0"/>
               </a:spcAft>
-              <a:buClr>
-                <a:schemeClr val="dk1"/>
-              </a:buClr>
-              <a:buSzPts val="1100"/>
-              <a:buFont typeface="Arial"/>
-              <a:buNone/>
-            </a:pPr>
-            <a:r>
-              <a:rPr b="0" lang="en" sz="1000" u="sng">
+              <a:buNone/>
+            </a:pPr>
+            <a:r>
+              <a:rPr b="0" lang="en" sz="900" u="sng">
                 <a:solidFill>
                   <a:schemeClr val="hlink"/>
                 </a:solidFill>
                 <a:hlinkClick r:id="rId3"/>
               </a:rPr>
-              <a:t>https://profriehle.com</a:t>
-            </a:r>
-            <a:endParaRPr b="0" sz="1000"/>
+              <a:t>https://oss.cs.fau.de</a:t>
+            </a:r>
+            <a:r>
+              <a:rPr b="0" lang="en" sz="900">
+                <a:solidFill>
+                  <a:schemeClr val="dk2"/>
+                </a:solidFill>
+              </a:rPr>
+              <a:t> </a:t>
+            </a:r>
+            <a:endParaRPr b="0" sz="900">
+              <a:solidFill>
+                <a:schemeClr val="dk2"/>
+              </a:solidFill>
+            </a:endParaRPr>
           </a:p>
         </p:txBody>
       </p:sp>
@@ -14287,7 +14879,7 @@
   <p:cSld>
     <p:spTree>
       <p:nvGrpSpPr>
-        <p:cNvPr id="193" name="Shape 193"/>
+        <p:cNvPr id="208" name="Shape 208"/>
         <p:cNvGrpSpPr/>
         <p:nvPr/>
       </p:nvGrpSpPr>
@@ -14301,7 +14893,7 @@
       </p:grpSpPr>
       <p:sp>
         <p:nvSpPr>
-          <p:cNvPr id="194" name="Google Shape;194;p31"/>
+          <p:cNvPr id="209" name="Google Shape;209;p31"/>
           <p:cNvSpPr txBox="1"/>
           <p:nvPr>
             <p:ph type="title"/>
@@ -14341,7 +14933,7 @@
       </p:sp>
       <p:sp>
         <p:nvSpPr>
-          <p:cNvPr id="195" name="Google Shape;195;p31"/>
+          <p:cNvPr id="210" name="Google Shape;210;p31"/>
           <p:cNvSpPr txBox="1"/>
           <p:nvPr>
             <p:ph idx="1" type="body"/>
@@ -14466,7 +15058,7 @@
       </p:sp>
       <p:sp>
         <p:nvSpPr>
-          <p:cNvPr id="196" name="Google Shape;196;p31"/>
+          <p:cNvPr id="211" name="Google Shape;211;p31"/>
           <p:cNvSpPr txBox="1"/>
           <p:nvPr>
             <p:ph idx="12" type="sldNum"/>
@@ -14474,8 +15066,8 @@
         </p:nvSpPr>
         <p:spPr>
           <a:xfrm>
-            <a:off x="7315209" y="4229101"/>
-            <a:ext cx="1828800" cy="914400"/>
+            <a:off x="7315202" y="4416550"/>
+            <a:ext cx="1828800" cy="731400"/>
           </a:xfrm>
           <a:prstGeom prst="rect">
             <a:avLst/>
@@ -14510,29 +15102,36 @@
               <a:spcAft>
                 <a:spcPts val="0"/>
               </a:spcAft>
-              <a:buClr>
-                <a:schemeClr val="dk1"/>
-              </a:buClr>
-              <a:buSzPts val="1100"/>
-              <a:buFont typeface="Arial"/>
-              <a:buNone/>
-            </a:pPr>
-            <a:r>
-              <a:rPr b="0" lang="en" sz="1000" u="sng">
+              <a:buNone/>
+            </a:pPr>
+            <a:r>
+              <a:rPr b="0" lang="en" sz="900" u="sng">
                 <a:solidFill>
                   <a:schemeClr val="hlink"/>
                 </a:solidFill>
                 <a:hlinkClick r:id="rId3"/>
               </a:rPr>
-              <a:t>https://profriehle.com</a:t>
-            </a:r>
-            <a:endParaRPr b="0" sz="1000"/>
+              <a:t>https://oss.cs.fau.de</a:t>
+            </a:r>
+            <a:r>
+              <a:rPr b="0" lang="en" sz="900">
+                <a:solidFill>
+                  <a:schemeClr val="dk2"/>
+                </a:solidFill>
+              </a:rPr>
+              <a:t> </a:t>
+            </a:r>
+            <a:endParaRPr b="0" sz="900">
+              <a:solidFill>
+                <a:schemeClr val="dk2"/>
+              </a:solidFill>
+            </a:endParaRPr>
           </a:p>
         </p:txBody>
       </p:sp>
       <p:sp>
         <p:nvSpPr>
-          <p:cNvPr id="197" name="Google Shape;197;p31"/>
+          <p:cNvPr id="212" name="Google Shape;212;p31"/>
           <p:cNvSpPr txBox="1"/>
           <p:nvPr/>
         </p:nvSpPr>
@@ -14587,7 +15186,7 @@
       </p:sp>
       <p:pic>
         <p:nvPicPr>
-          <p:cNvPr id="198" name="Google Shape;198;p31"/>
+          <p:cNvPr id="213" name="Google Shape;213;p31"/>
           <p:cNvPicPr preferRelativeResize="0"/>
           <p:nvPr/>
         </p:nvPicPr>
@@ -14626,7 +15225,7 @@
   <p:cSld>
     <p:spTree>
       <p:nvGrpSpPr>
-        <p:cNvPr id="202" name="Shape 202"/>
+        <p:cNvPr id="217" name="Shape 217"/>
         <p:cNvGrpSpPr/>
         <p:nvPr/>
       </p:nvGrpSpPr>
@@ -14640,7 +15239,7 @@
       </p:grpSpPr>
       <p:sp>
         <p:nvSpPr>
-          <p:cNvPr id="203" name="Google Shape;203;p32"/>
+          <p:cNvPr id="218" name="Google Shape;218;p32"/>
           <p:cNvSpPr txBox="1"/>
           <p:nvPr>
             <p:ph type="title"/>
@@ -14680,7 +15279,7 @@
       </p:sp>
       <p:sp>
         <p:nvSpPr>
-          <p:cNvPr id="204" name="Google Shape;204;p32"/>
+          <p:cNvPr id="219" name="Google Shape;219;p32"/>
           <p:cNvSpPr txBox="1"/>
           <p:nvPr>
             <p:ph idx="1" type="body"/>
@@ -14820,7 +15419,7 @@
       </p:sp>
       <p:sp>
         <p:nvSpPr>
-          <p:cNvPr id="205" name="Google Shape;205;p32"/>
+          <p:cNvPr id="220" name="Google Shape;220;p32"/>
           <p:cNvSpPr txBox="1"/>
           <p:nvPr>
             <p:ph idx="12" type="sldNum"/>
@@ -14828,8 +15427,8 @@
         </p:nvSpPr>
         <p:spPr>
           <a:xfrm>
-            <a:off x="7315209" y="4229101"/>
-            <a:ext cx="1828800" cy="914400"/>
+            <a:off x="7315202" y="4416550"/>
+            <a:ext cx="1828800" cy="731400"/>
           </a:xfrm>
           <a:prstGeom prst="rect">
             <a:avLst/>
@@ -14864,29 +15463,36 @@
               <a:spcAft>
                 <a:spcPts val="0"/>
               </a:spcAft>
-              <a:buClr>
-                <a:schemeClr val="dk1"/>
-              </a:buClr>
-              <a:buSzPts val="1100"/>
-              <a:buFont typeface="Arial"/>
-              <a:buNone/>
-            </a:pPr>
-            <a:r>
-              <a:rPr b="0" lang="en" sz="1000" u="sng">
+              <a:buNone/>
+            </a:pPr>
+            <a:r>
+              <a:rPr b="0" lang="en" sz="900" u="sng">
                 <a:solidFill>
                   <a:schemeClr val="hlink"/>
                 </a:solidFill>
                 <a:hlinkClick r:id="rId3"/>
               </a:rPr>
-              <a:t>https://profriehle.com</a:t>
-            </a:r>
-            <a:endParaRPr b="0" sz="1000"/>
+              <a:t>https://oss.cs.fau.de</a:t>
+            </a:r>
+            <a:r>
+              <a:rPr b="0" lang="en" sz="900">
+                <a:solidFill>
+                  <a:schemeClr val="dk2"/>
+                </a:solidFill>
+              </a:rPr>
+              <a:t> </a:t>
+            </a:r>
+            <a:endParaRPr b="0" sz="900">
+              <a:solidFill>
+                <a:schemeClr val="dk2"/>
+              </a:solidFill>
+            </a:endParaRPr>
           </a:p>
         </p:txBody>
       </p:sp>
       <p:sp>
         <p:nvSpPr>
-          <p:cNvPr id="206" name="Google Shape;206;p32"/>
+          <p:cNvPr id="221" name="Google Shape;221;p32"/>
           <p:cNvSpPr txBox="1"/>
           <p:nvPr/>
         </p:nvSpPr>
@@ -14943,7 +15549,7 @@
   <p:cSld>
     <p:spTree>
       <p:nvGrpSpPr>
-        <p:cNvPr id="210" name="Shape 210"/>
+        <p:cNvPr id="225" name="Shape 225"/>
         <p:cNvGrpSpPr/>
         <p:nvPr/>
       </p:nvGrpSpPr>
@@ -14957,7 +15563,7 @@
       </p:grpSpPr>
       <p:sp>
         <p:nvSpPr>
-          <p:cNvPr id="211" name="Google Shape;211;p33"/>
+          <p:cNvPr id="226" name="Google Shape;226;p33"/>
           <p:cNvSpPr txBox="1"/>
           <p:nvPr>
             <p:ph type="title"/>
@@ -15008,7 +15614,7 @@
   <p:cSld>
     <p:spTree>
       <p:nvGrpSpPr>
-        <p:cNvPr id="215" name="Shape 215"/>
+        <p:cNvPr id="230" name="Shape 230"/>
         <p:cNvGrpSpPr/>
         <p:nvPr/>
       </p:nvGrpSpPr>
@@ -15022,7 +15628,7 @@
       </p:grpSpPr>
       <p:sp>
         <p:nvSpPr>
-          <p:cNvPr id="216" name="Google Shape;216;p34"/>
+          <p:cNvPr id="231" name="Google Shape;231;p34"/>
           <p:cNvSpPr txBox="1"/>
           <p:nvPr>
             <p:ph type="title"/>
@@ -15062,7 +15668,7 @@
       </p:sp>
       <p:sp>
         <p:nvSpPr>
-          <p:cNvPr id="217" name="Google Shape;217;p34"/>
+          <p:cNvPr id="232" name="Google Shape;232;p34"/>
           <p:cNvSpPr txBox="1"/>
           <p:nvPr>
             <p:ph idx="1" type="body"/>
@@ -15126,7 +15732,7 @@
       </p:sp>
       <p:sp>
         <p:nvSpPr>
-          <p:cNvPr id="218" name="Google Shape;218;p34"/>
+          <p:cNvPr id="233" name="Google Shape;233;p34"/>
           <p:cNvSpPr txBox="1"/>
           <p:nvPr>
             <p:ph idx="12" type="sldNum"/>
@@ -15134,8 +15740,8 @@
         </p:nvSpPr>
         <p:spPr>
           <a:xfrm>
-            <a:off x="7315209" y="4229101"/>
-            <a:ext cx="1828800" cy="914400"/>
+            <a:off x="7315202" y="4416550"/>
+            <a:ext cx="1828800" cy="731400"/>
           </a:xfrm>
           <a:prstGeom prst="rect">
             <a:avLst/>
@@ -15170,23 +15776,30 @@
               <a:spcAft>
                 <a:spcPts val="0"/>
               </a:spcAft>
-              <a:buClr>
-                <a:schemeClr val="dk1"/>
-              </a:buClr>
-              <a:buSzPts val="1100"/>
-              <a:buFont typeface="Arial"/>
-              <a:buNone/>
-            </a:pPr>
-            <a:r>
-              <a:rPr b="0" lang="en" sz="1000" u="sng">
+              <a:buNone/>
+            </a:pPr>
+            <a:r>
+              <a:rPr b="0" lang="en" sz="900" u="sng">
                 <a:solidFill>
                   <a:schemeClr val="hlink"/>
                 </a:solidFill>
                 <a:hlinkClick r:id="rId3"/>
               </a:rPr>
-              <a:t>https://profriehle.com</a:t>
-            </a:r>
-            <a:endParaRPr b="0" sz="1000"/>
+              <a:t>https://oss.cs.fau.de</a:t>
+            </a:r>
+            <a:r>
+              <a:rPr b="0" lang="en" sz="900">
+                <a:solidFill>
+                  <a:schemeClr val="dk2"/>
+                </a:solidFill>
+              </a:rPr>
+              <a:t> </a:t>
+            </a:r>
+            <a:endParaRPr b="0" sz="900">
+              <a:solidFill>
+                <a:schemeClr val="dk2"/>
+              </a:solidFill>
+            </a:endParaRPr>
           </a:p>
         </p:txBody>
       </p:sp>
@@ -15203,7 +15816,7 @@
   <p:cSld>
     <p:spTree>
       <p:nvGrpSpPr>
-        <p:cNvPr id="222" name="Shape 222"/>
+        <p:cNvPr id="237" name="Shape 237"/>
         <p:cNvGrpSpPr/>
         <p:nvPr/>
       </p:nvGrpSpPr>
@@ -15217,7 +15830,7 @@
       </p:grpSpPr>
       <p:sp>
         <p:nvSpPr>
-          <p:cNvPr id="223" name="Google Shape;223;p35"/>
+          <p:cNvPr id="238" name="Google Shape;238;p35"/>
           <p:cNvSpPr txBox="1"/>
           <p:nvPr>
             <p:ph type="title"/>
@@ -15257,7 +15870,7 @@
       </p:sp>
       <p:sp>
         <p:nvSpPr>
-          <p:cNvPr id="224" name="Google Shape;224;p35"/>
+          <p:cNvPr id="239" name="Google Shape;239;p35"/>
           <p:cNvSpPr txBox="1"/>
           <p:nvPr>
             <p:ph idx="1" type="body"/>
@@ -15423,7 +16036,7 @@
       </p:sp>
       <p:sp>
         <p:nvSpPr>
-          <p:cNvPr id="225" name="Google Shape;225;p35"/>
+          <p:cNvPr id="240" name="Google Shape;240;p35"/>
           <p:cNvSpPr txBox="1"/>
           <p:nvPr>
             <p:ph idx="12" type="sldNum"/>
@@ -15431,8 +16044,8 @@
         </p:nvSpPr>
         <p:spPr>
           <a:xfrm>
-            <a:off x="7315209" y="4229101"/>
-            <a:ext cx="1828800" cy="914400"/>
+            <a:off x="7315202" y="4416550"/>
+            <a:ext cx="1828800" cy="731400"/>
           </a:xfrm>
           <a:prstGeom prst="rect">
             <a:avLst/>
@@ -15467,23 +16080,30 @@
               <a:spcAft>
                 <a:spcPts val="0"/>
               </a:spcAft>
-              <a:buClr>
-                <a:schemeClr val="dk1"/>
-              </a:buClr>
-              <a:buSzPts val="1100"/>
-              <a:buFont typeface="Arial"/>
-              <a:buNone/>
-            </a:pPr>
-            <a:r>
-              <a:rPr b="0" lang="en" sz="1000" u="sng">
+              <a:buNone/>
+            </a:pPr>
+            <a:r>
+              <a:rPr b="0" lang="en" sz="900" u="sng">
                 <a:solidFill>
                   <a:schemeClr val="hlink"/>
                 </a:solidFill>
                 <a:hlinkClick r:id="rId3"/>
               </a:rPr>
-              <a:t>https://profriehle.com</a:t>
-            </a:r>
-            <a:endParaRPr b="0" sz="1000"/>
+              <a:t>https://oss.cs.fau.de</a:t>
+            </a:r>
+            <a:r>
+              <a:rPr b="0" lang="en" sz="900">
+                <a:solidFill>
+                  <a:schemeClr val="dk2"/>
+                </a:solidFill>
+              </a:rPr>
+              <a:t> </a:t>
+            </a:r>
+            <a:endParaRPr b="0" sz="900">
+              <a:solidFill>
+                <a:schemeClr val="dk2"/>
+              </a:solidFill>
+            </a:endParaRPr>
           </a:p>
         </p:txBody>
       </p:sp>
@@ -15500,7 +16120,7 @@
   <p:cSld>
     <p:spTree>
       <p:nvGrpSpPr>
-        <p:cNvPr id="229" name="Shape 229"/>
+        <p:cNvPr id="244" name="Shape 244"/>
         <p:cNvGrpSpPr/>
         <p:nvPr/>
       </p:nvGrpSpPr>
@@ -15514,7 +16134,7 @@
       </p:grpSpPr>
       <p:sp>
         <p:nvSpPr>
-          <p:cNvPr id="230" name="Google Shape;230;p36"/>
+          <p:cNvPr id="245" name="Google Shape;245;p36"/>
           <p:cNvSpPr txBox="1"/>
           <p:nvPr>
             <p:ph type="title"/>
@@ -15554,7 +16174,7 @@
       </p:sp>
       <p:sp>
         <p:nvSpPr>
-          <p:cNvPr id="231" name="Google Shape;231;p36"/>
+          <p:cNvPr id="246" name="Google Shape;246;p36"/>
           <p:cNvSpPr txBox="1"/>
           <p:nvPr>
             <p:ph idx="12" type="sldNum"/>
@@ -15562,8 +16182,8 @@
         </p:nvSpPr>
         <p:spPr>
           <a:xfrm>
-            <a:off x="7315209" y="4229101"/>
-            <a:ext cx="1828800" cy="914400"/>
+            <a:off x="7315202" y="4416550"/>
+            <a:ext cx="1828800" cy="731400"/>
           </a:xfrm>
           <a:prstGeom prst="rect">
             <a:avLst/>
@@ -15598,29 +16218,36 @@
               <a:spcAft>
                 <a:spcPts val="0"/>
               </a:spcAft>
-              <a:buClr>
-                <a:schemeClr val="dk1"/>
-              </a:buClr>
-              <a:buSzPts val="1100"/>
-              <a:buFont typeface="Arial"/>
-              <a:buNone/>
-            </a:pPr>
-            <a:r>
-              <a:rPr b="0" lang="en" sz="1000" u="sng">
+              <a:buNone/>
+            </a:pPr>
+            <a:r>
+              <a:rPr b="0" lang="en" sz="900" u="sng">
                 <a:solidFill>
                   <a:schemeClr val="hlink"/>
                 </a:solidFill>
                 <a:hlinkClick r:id="rId3"/>
               </a:rPr>
-              <a:t>https://profriehle.com</a:t>
-            </a:r>
-            <a:endParaRPr b="0" sz="1000"/>
+              <a:t>https://oss.cs.fau.de</a:t>
+            </a:r>
+            <a:r>
+              <a:rPr b="0" lang="en" sz="900">
+                <a:solidFill>
+                  <a:schemeClr val="dk2"/>
+                </a:solidFill>
+              </a:rPr>
+              <a:t> </a:t>
+            </a:r>
+            <a:endParaRPr b="0" sz="900">
+              <a:solidFill>
+                <a:schemeClr val="dk2"/>
+              </a:solidFill>
+            </a:endParaRPr>
           </a:p>
         </p:txBody>
       </p:sp>
       <p:sp>
         <p:nvSpPr>
-          <p:cNvPr id="232" name="Google Shape;232;p36"/>
+          <p:cNvPr id="247" name="Google Shape;247;p36"/>
           <p:cNvSpPr txBox="1"/>
           <p:nvPr/>
         </p:nvSpPr>
@@ -15633,18 +16260,12 @@
             <a:avLst/>
           </a:prstGeom>
           <a:noFill/>
-          <a:ln cap="flat" cmpd="sng" w="9525">
-            <a:solidFill>
-              <a:srgbClr val="000000"/>
-            </a:solidFill>
-            <a:prstDash val="solid"/>
-            <a:round/>
-            <a:headEnd len="sm" w="sm" type="none"/>
-            <a:tailEnd len="sm" w="sm" type="none"/>
+          <a:ln>
+            <a:noFill/>
           </a:ln>
         </p:spPr>
         <p:txBody>
-          <a:bodyPr anchorCtr="0" anchor="t" bIns="91425" lIns="91425" spcFirstLastPara="1" rIns="91425" wrap="square" tIns="91425">
+          <a:bodyPr anchorCtr="0" anchor="t" bIns="0" lIns="0" spcFirstLastPara="1" rIns="0" wrap="square" tIns="0">
             <a:noAutofit/>
           </a:bodyPr>
           <a:lstStyle/>
@@ -16201,7 +16822,7 @@
   <p:cSld>
     <p:spTree>
       <p:nvGrpSpPr>
-        <p:cNvPr id="49" name="Shape 49"/>
+        <p:cNvPr id="64" name="Shape 64"/>
         <p:cNvGrpSpPr/>
         <p:nvPr/>
       </p:nvGrpSpPr>
@@ -16215,7 +16836,7 @@
       </p:grpSpPr>
       <p:sp>
         <p:nvSpPr>
-          <p:cNvPr id="50" name="Google Shape;50;p10"/>
+          <p:cNvPr id="65" name="Google Shape;65;p10"/>
           <p:cNvSpPr txBox="1"/>
           <p:nvPr>
             <p:ph type="title"/>
@@ -16266,7 +16887,7 @@
   <p:cSld>
     <p:spTree>
       <p:nvGrpSpPr>
-        <p:cNvPr id="236" name="Shape 236"/>
+        <p:cNvPr id="251" name="Shape 251"/>
         <p:cNvGrpSpPr/>
         <p:nvPr/>
       </p:nvGrpSpPr>
@@ -16280,7 +16901,7 @@
       </p:grpSpPr>
       <p:sp>
         <p:nvSpPr>
-          <p:cNvPr id="237" name="Google Shape;237;p37"/>
+          <p:cNvPr id="252" name="Google Shape;252;p37"/>
           <p:cNvSpPr txBox="1"/>
           <p:nvPr>
             <p:ph type="title"/>
@@ -16320,7 +16941,7 @@
       </p:sp>
       <p:sp>
         <p:nvSpPr>
-          <p:cNvPr id="238" name="Google Shape;238;p37"/>
+          <p:cNvPr id="253" name="Google Shape;253;p37"/>
           <p:cNvSpPr txBox="1"/>
           <p:nvPr>
             <p:ph idx="12" type="sldNum"/>
@@ -16328,8 +16949,8 @@
         </p:nvSpPr>
         <p:spPr>
           <a:xfrm>
-            <a:off x="7315209" y="4229101"/>
-            <a:ext cx="1828800" cy="914400"/>
+            <a:off x="7315202" y="4416550"/>
+            <a:ext cx="1828800" cy="731400"/>
           </a:xfrm>
           <a:prstGeom prst="rect">
             <a:avLst/>
@@ -16364,29 +16985,36 @@
               <a:spcAft>
                 <a:spcPts val="0"/>
               </a:spcAft>
-              <a:buClr>
-                <a:schemeClr val="dk1"/>
-              </a:buClr>
-              <a:buSzPts val="1100"/>
-              <a:buFont typeface="Arial"/>
-              <a:buNone/>
-            </a:pPr>
-            <a:r>
-              <a:rPr b="0" lang="en" sz="1000" u="sng">
+              <a:buNone/>
+            </a:pPr>
+            <a:r>
+              <a:rPr b="0" lang="en" sz="900" u="sng">
                 <a:solidFill>
                   <a:schemeClr val="hlink"/>
                 </a:solidFill>
                 <a:hlinkClick r:id="rId3"/>
               </a:rPr>
-              <a:t>https://profriehle.com</a:t>
-            </a:r>
-            <a:endParaRPr b="0" sz="1000"/>
+              <a:t>https://oss.cs.fau.de</a:t>
+            </a:r>
+            <a:r>
+              <a:rPr b="0" lang="en" sz="900">
+                <a:solidFill>
+                  <a:schemeClr val="dk2"/>
+                </a:solidFill>
+              </a:rPr>
+              <a:t> </a:t>
+            </a:r>
+            <a:endParaRPr b="0" sz="900">
+              <a:solidFill>
+                <a:schemeClr val="dk2"/>
+              </a:solidFill>
+            </a:endParaRPr>
           </a:p>
         </p:txBody>
       </p:sp>
       <p:pic>
         <p:nvPicPr>
-          <p:cNvPr id="239" name="Google Shape;239;p37"/>
+          <p:cNvPr id="254" name="Google Shape;254;p37"/>
           <p:cNvPicPr preferRelativeResize="0"/>
           <p:nvPr/>
         </p:nvPicPr>
@@ -16401,7 +17029,7 @@
         <p:spPr>
           <a:xfrm>
             <a:off x="274320" y="914400"/>
-            <a:ext cx="8595360" cy="3495446"/>
+            <a:ext cx="8595360" cy="3502840"/>
           </a:xfrm>
           <a:prstGeom prst="rect">
             <a:avLst/>
@@ -16425,7 +17053,7 @@
   <p:cSld>
     <p:spTree>
       <p:nvGrpSpPr>
-        <p:cNvPr id="243" name="Shape 243"/>
+        <p:cNvPr id="258" name="Shape 258"/>
         <p:cNvGrpSpPr/>
         <p:nvPr/>
       </p:nvGrpSpPr>
@@ -16439,7 +17067,7 @@
       </p:grpSpPr>
       <p:sp>
         <p:nvSpPr>
-          <p:cNvPr id="244" name="Google Shape;244;p38"/>
+          <p:cNvPr id="259" name="Google Shape;259;p38"/>
           <p:cNvSpPr txBox="1"/>
           <p:nvPr>
             <p:ph type="title"/>
@@ -16479,7 +17107,7 @@
       </p:sp>
       <p:sp>
         <p:nvSpPr>
-          <p:cNvPr id="245" name="Google Shape;245;p38"/>
+          <p:cNvPr id="260" name="Google Shape;260;p38"/>
           <p:cNvSpPr txBox="1"/>
           <p:nvPr>
             <p:ph idx="12" type="sldNum"/>
@@ -16487,8 +17115,8 @@
         </p:nvSpPr>
         <p:spPr>
           <a:xfrm>
-            <a:off x="7315209" y="4229101"/>
-            <a:ext cx="1828800" cy="914400"/>
+            <a:off x="7315202" y="4416550"/>
+            <a:ext cx="1828800" cy="731400"/>
           </a:xfrm>
           <a:prstGeom prst="rect">
             <a:avLst/>
@@ -16523,29 +17151,36 @@
               <a:spcAft>
                 <a:spcPts val="0"/>
               </a:spcAft>
-              <a:buClr>
-                <a:schemeClr val="dk1"/>
-              </a:buClr>
-              <a:buSzPts val="1100"/>
-              <a:buFont typeface="Arial"/>
-              <a:buNone/>
-            </a:pPr>
-            <a:r>
-              <a:rPr b="0" lang="en" sz="1000" u="sng">
+              <a:buNone/>
+            </a:pPr>
+            <a:r>
+              <a:rPr b="0" lang="en" sz="900" u="sng">
                 <a:solidFill>
                   <a:schemeClr val="hlink"/>
                 </a:solidFill>
                 <a:hlinkClick r:id="rId3"/>
               </a:rPr>
-              <a:t>https://profriehle.com</a:t>
-            </a:r>
-            <a:endParaRPr b="0" sz="1000"/>
+              <a:t>https://oss.cs.fau.de</a:t>
+            </a:r>
+            <a:r>
+              <a:rPr b="0" lang="en" sz="900">
+                <a:solidFill>
+                  <a:schemeClr val="dk2"/>
+                </a:solidFill>
+              </a:rPr>
+              <a:t> </a:t>
+            </a:r>
+            <a:endParaRPr b="0" sz="900">
+              <a:solidFill>
+                <a:schemeClr val="dk2"/>
+              </a:solidFill>
+            </a:endParaRPr>
           </a:p>
         </p:txBody>
       </p:sp>
       <p:graphicFrame>
         <p:nvGraphicFramePr>
-          <p:cNvPr id="246" name="Google Shape;246;p38"/>
+          <p:cNvPr id="261" name="Google Shape;261;p38"/>
           <p:cNvGraphicFramePr/>
           <p:nvPr/>
         </p:nvGraphicFramePr>
@@ -16558,7 +17193,7 @@
             <a:tbl>
               <a:tblPr>
                 <a:noFill/>
-                <a:tableStyleId>{DD396900-54FE-4861-9B74-152EDD57D4D2}</a:tableStyleId>
+                <a:tableStyleId>{F2CCBAF4-6574-45F5-844F-BB6D9E702AB1}</a:tableStyleId>
               </a:tblPr>
               <a:tblGrid>
                 <a:gridCol w="2865125"/>
@@ -18116,7 +18751,7 @@
   <p:cSld>
     <p:spTree>
       <p:nvGrpSpPr>
-        <p:cNvPr id="250" name="Shape 250"/>
+        <p:cNvPr id="265" name="Shape 265"/>
         <p:cNvGrpSpPr/>
         <p:nvPr/>
       </p:nvGrpSpPr>
@@ -18130,7 +18765,7 @@
       </p:grpSpPr>
       <p:sp>
         <p:nvSpPr>
-          <p:cNvPr id="251" name="Google Shape;251;p39"/>
+          <p:cNvPr id="266" name="Google Shape;266;p39"/>
           <p:cNvSpPr txBox="1"/>
           <p:nvPr>
             <p:ph type="title"/>
@@ -18170,7 +18805,7 @@
       </p:sp>
       <p:sp>
         <p:nvSpPr>
-          <p:cNvPr id="252" name="Google Shape;252;p39"/>
+          <p:cNvPr id="267" name="Google Shape;267;p39"/>
           <p:cNvSpPr txBox="1"/>
           <p:nvPr>
             <p:ph idx="12" type="sldNum"/>
@@ -18178,8 +18813,8 @@
         </p:nvSpPr>
         <p:spPr>
           <a:xfrm>
-            <a:off x="7315209" y="4229101"/>
-            <a:ext cx="1828800" cy="914400"/>
+            <a:off x="7315202" y="4416550"/>
+            <a:ext cx="1828800" cy="731400"/>
           </a:xfrm>
           <a:prstGeom prst="rect">
             <a:avLst/>
@@ -18214,29 +18849,36 @@
               <a:spcAft>
                 <a:spcPts val="0"/>
               </a:spcAft>
-              <a:buClr>
-                <a:schemeClr val="dk1"/>
-              </a:buClr>
-              <a:buSzPts val="1100"/>
-              <a:buFont typeface="Arial"/>
-              <a:buNone/>
-            </a:pPr>
-            <a:r>
-              <a:rPr b="0" lang="en" sz="1000" u="sng">
+              <a:buNone/>
+            </a:pPr>
+            <a:r>
+              <a:rPr b="0" lang="en" sz="900" u="sng">
                 <a:solidFill>
                   <a:schemeClr val="hlink"/>
                 </a:solidFill>
                 <a:hlinkClick r:id="rId3"/>
               </a:rPr>
-              <a:t>https://profriehle.com</a:t>
-            </a:r>
-            <a:endParaRPr b="0" sz="1000"/>
+              <a:t>https://oss.cs.fau.de</a:t>
+            </a:r>
+            <a:r>
+              <a:rPr b="0" lang="en" sz="900">
+                <a:solidFill>
+                  <a:schemeClr val="dk2"/>
+                </a:solidFill>
+              </a:rPr>
+              <a:t> </a:t>
+            </a:r>
+            <a:endParaRPr b="0" sz="900">
+              <a:solidFill>
+                <a:schemeClr val="dk2"/>
+              </a:solidFill>
+            </a:endParaRPr>
           </a:p>
         </p:txBody>
       </p:sp>
       <p:sp>
         <p:nvSpPr>
-          <p:cNvPr id="253" name="Google Shape;253;p39"/>
+          <p:cNvPr id="268" name="Google Shape;268;p39"/>
           <p:cNvSpPr txBox="1"/>
           <p:nvPr/>
         </p:nvSpPr>
@@ -18249,18 +18891,12 @@
             <a:avLst/>
           </a:prstGeom>
           <a:noFill/>
-          <a:ln cap="flat" cmpd="sng" w="9525">
-            <a:solidFill>
-              <a:srgbClr val="000000"/>
-            </a:solidFill>
-            <a:prstDash val="solid"/>
-            <a:round/>
-            <a:headEnd len="sm" w="sm" type="none"/>
-            <a:tailEnd len="sm" w="sm" type="none"/>
+          <a:ln>
+            <a:noFill/>
           </a:ln>
         </p:spPr>
         <p:txBody>
-          <a:bodyPr anchorCtr="0" anchor="t" bIns="91425" lIns="91425" spcFirstLastPara="1" rIns="91425" wrap="square" tIns="91425">
+          <a:bodyPr anchorCtr="0" anchor="t" bIns="0" lIns="0" spcFirstLastPara="1" rIns="0" wrap="square" tIns="0">
             <a:noAutofit/>
           </a:bodyPr>
           <a:lstStyle/>
@@ -22434,7 +23070,7 @@
   <p:cSld>
     <p:spTree>
       <p:nvGrpSpPr>
-        <p:cNvPr id="257" name="Shape 257"/>
+        <p:cNvPr id="272" name="Shape 272"/>
         <p:cNvGrpSpPr/>
         <p:nvPr/>
       </p:nvGrpSpPr>
@@ -22448,7 +23084,7 @@
       </p:grpSpPr>
       <p:sp>
         <p:nvSpPr>
-          <p:cNvPr id="258" name="Google Shape;258;p40"/>
+          <p:cNvPr id="273" name="Google Shape;273;p40"/>
           <p:cNvSpPr txBox="1"/>
           <p:nvPr>
             <p:ph type="title"/>
@@ -22488,7 +23124,7 @@
       </p:sp>
       <p:sp>
         <p:nvSpPr>
-          <p:cNvPr id="259" name="Google Shape;259;p40"/>
+          <p:cNvPr id="274" name="Google Shape;274;p40"/>
           <p:cNvSpPr txBox="1"/>
           <p:nvPr>
             <p:ph idx="12" type="sldNum"/>
@@ -22496,8 +23132,8 @@
         </p:nvSpPr>
         <p:spPr>
           <a:xfrm>
-            <a:off x="7315209" y="4229101"/>
-            <a:ext cx="1828800" cy="914400"/>
+            <a:off x="7315202" y="4416550"/>
+            <a:ext cx="1828800" cy="731400"/>
           </a:xfrm>
           <a:prstGeom prst="rect">
             <a:avLst/>
@@ -22532,29 +23168,36 @@
               <a:spcAft>
                 <a:spcPts val="0"/>
               </a:spcAft>
-              <a:buClr>
-                <a:schemeClr val="dk1"/>
-              </a:buClr>
-              <a:buSzPts val="1100"/>
-              <a:buFont typeface="Arial"/>
-              <a:buNone/>
-            </a:pPr>
-            <a:r>
-              <a:rPr b="0" lang="en" sz="1000" u="sng">
+              <a:buNone/>
+            </a:pPr>
+            <a:r>
+              <a:rPr b="0" lang="en" sz="900" u="sng">
                 <a:solidFill>
                   <a:schemeClr val="hlink"/>
                 </a:solidFill>
                 <a:hlinkClick r:id="rId3"/>
               </a:rPr>
-              <a:t>https://profriehle.com</a:t>
-            </a:r>
-            <a:endParaRPr b="0" sz="1000"/>
+              <a:t>https://oss.cs.fau.de</a:t>
+            </a:r>
+            <a:r>
+              <a:rPr b="0" lang="en" sz="900">
+                <a:solidFill>
+                  <a:schemeClr val="dk2"/>
+                </a:solidFill>
+              </a:rPr>
+              <a:t> </a:t>
+            </a:r>
+            <a:endParaRPr b="0" sz="900">
+              <a:solidFill>
+                <a:schemeClr val="dk2"/>
+              </a:solidFill>
+            </a:endParaRPr>
           </a:p>
         </p:txBody>
       </p:sp>
       <p:sp>
         <p:nvSpPr>
-          <p:cNvPr id="260" name="Google Shape;260;p40"/>
+          <p:cNvPr id="275" name="Google Shape;275;p40"/>
           <p:cNvSpPr txBox="1"/>
           <p:nvPr>
             <p:ph idx="1" type="body"/>
@@ -22628,7 +23271,7 @@
       </p:sp>
       <p:sp>
         <p:nvSpPr>
-          <p:cNvPr id="261" name="Google Shape;261;p40"/>
+          <p:cNvPr id="276" name="Google Shape;276;p40"/>
           <p:cNvSpPr txBox="1"/>
           <p:nvPr/>
         </p:nvSpPr>
@@ -22641,18 +23284,12 @@
             <a:avLst/>
           </a:prstGeom>
           <a:noFill/>
-          <a:ln cap="flat" cmpd="sng" w="9525">
-            <a:solidFill>
-              <a:srgbClr val="000000"/>
-            </a:solidFill>
-            <a:prstDash val="solid"/>
-            <a:round/>
-            <a:headEnd len="sm" w="sm" type="none"/>
-            <a:tailEnd len="sm" w="sm" type="none"/>
+          <a:ln>
+            <a:noFill/>
           </a:ln>
         </p:spPr>
         <p:txBody>
-          <a:bodyPr anchorCtr="0" anchor="t" bIns="91425" lIns="91425" spcFirstLastPara="1" rIns="91425" wrap="square" tIns="91425">
+          <a:bodyPr anchorCtr="0" anchor="t" bIns="0" lIns="0" spcFirstLastPara="1" rIns="0" wrap="square" tIns="0">
             <a:noAutofit/>
           </a:bodyPr>
           <a:lstStyle/>
@@ -23727,7 +24364,7 @@
   <p:cSld>
     <p:spTree>
       <p:nvGrpSpPr>
-        <p:cNvPr id="265" name="Shape 265"/>
+        <p:cNvPr id="280" name="Shape 280"/>
         <p:cNvGrpSpPr/>
         <p:nvPr/>
       </p:nvGrpSpPr>
@@ -23741,7 +24378,7 @@
       </p:grpSpPr>
       <p:sp>
         <p:nvSpPr>
-          <p:cNvPr id="266" name="Google Shape;266;p41"/>
+          <p:cNvPr id="281" name="Google Shape;281;p41"/>
           <p:cNvSpPr txBox="1"/>
           <p:nvPr>
             <p:ph type="title"/>
@@ -23792,7 +24429,7 @@
   <p:cSld>
     <p:spTree>
       <p:nvGrpSpPr>
-        <p:cNvPr id="270" name="Shape 270"/>
+        <p:cNvPr id="285" name="Shape 285"/>
         <p:cNvGrpSpPr/>
         <p:nvPr/>
       </p:nvGrpSpPr>
@@ -23806,7 +24443,7 @@
       </p:grpSpPr>
       <p:sp>
         <p:nvSpPr>
-          <p:cNvPr id="271" name="Google Shape;271;p42"/>
+          <p:cNvPr id="286" name="Google Shape;286;p42"/>
           <p:cNvSpPr txBox="1"/>
           <p:nvPr>
             <p:ph type="title"/>
@@ -23846,7 +24483,7 @@
       </p:sp>
       <p:sp>
         <p:nvSpPr>
-          <p:cNvPr id="272" name="Google Shape;272;p42"/>
+          <p:cNvPr id="287" name="Google Shape;287;p42"/>
           <p:cNvSpPr txBox="1"/>
           <p:nvPr>
             <p:ph idx="1" type="body"/>
@@ -23918,7 +24555,7 @@
       </p:sp>
       <p:sp>
         <p:nvSpPr>
-          <p:cNvPr id="273" name="Google Shape;273;p42"/>
+          <p:cNvPr id="288" name="Google Shape;288;p42"/>
           <p:cNvSpPr txBox="1"/>
           <p:nvPr>
             <p:ph idx="12" type="sldNum"/>
@@ -23926,8 +24563,8 @@
         </p:nvSpPr>
         <p:spPr>
           <a:xfrm>
-            <a:off x="7315209" y="4229101"/>
-            <a:ext cx="1828800" cy="914400"/>
+            <a:off x="7315202" y="4416550"/>
+            <a:ext cx="1828800" cy="731400"/>
           </a:xfrm>
           <a:prstGeom prst="rect">
             <a:avLst/>
@@ -23962,23 +24599,30 @@
               <a:spcAft>
                 <a:spcPts val="0"/>
               </a:spcAft>
-              <a:buClr>
-                <a:schemeClr val="dk1"/>
-              </a:buClr>
-              <a:buSzPts val="1100"/>
-              <a:buFont typeface="Arial"/>
-              <a:buNone/>
-            </a:pPr>
-            <a:r>
-              <a:rPr b="0" lang="en" sz="1000" u="sng">
+              <a:buNone/>
+            </a:pPr>
+            <a:r>
+              <a:rPr b="0" lang="en" sz="900" u="sng">
                 <a:solidFill>
                   <a:schemeClr val="hlink"/>
                 </a:solidFill>
                 <a:hlinkClick r:id="rId3"/>
               </a:rPr>
-              <a:t>https://profriehle.com</a:t>
-            </a:r>
-            <a:endParaRPr b="0" sz="1000"/>
+              <a:t>https://oss.cs.fau.de</a:t>
+            </a:r>
+            <a:r>
+              <a:rPr b="0" lang="en" sz="900">
+                <a:solidFill>
+                  <a:schemeClr val="dk2"/>
+                </a:solidFill>
+              </a:rPr>
+              <a:t> </a:t>
+            </a:r>
+            <a:endParaRPr b="0" sz="900">
+              <a:solidFill>
+                <a:schemeClr val="dk2"/>
+              </a:solidFill>
+            </a:endParaRPr>
           </a:p>
         </p:txBody>
       </p:sp>
@@ -23995,7 +24639,7 @@
   <p:cSld>
     <p:spTree>
       <p:nvGrpSpPr>
-        <p:cNvPr id="277" name="Shape 277"/>
+        <p:cNvPr id="292" name="Shape 292"/>
         <p:cNvGrpSpPr/>
         <p:nvPr/>
       </p:nvGrpSpPr>
@@ -24009,7 +24653,7 @@
       </p:grpSpPr>
       <p:sp>
         <p:nvSpPr>
-          <p:cNvPr id="278" name="Google Shape;278;p43"/>
+          <p:cNvPr id="293" name="Google Shape;293;p43"/>
           <p:cNvSpPr txBox="1"/>
           <p:nvPr>
             <p:ph type="title"/>
@@ -24049,7 +24693,7 @@
       </p:sp>
       <p:sp>
         <p:nvSpPr>
-          <p:cNvPr id="279" name="Google Shape;279;p43"/>
+          <p:cNvPr id="294" name="Google Shape;294;p43"/>
           <p:cNvSpPr txBox="1"/>
           <p:nvPr>
             <p:ph idx="1" type="body"/>
@@ -24122,7 +24766,7 @@
       </p:sp>
       <p:sp>
         <p:nvSpPr>
-          <p:cNvPr id="280" name="Google Shape;280;p43"/>
+          <p:cNvPr id="295" name="Google Shape;295;p43"/>
           <p:cNvSpPr txBox="1"/>
           <p:nvPr>
             <p:ph idx="12" type="sldNum"/>
@@ -24130,8 +24774,8 @@
         </p:nvSpPr>
         <p:spPr>
           <a:xfrm>
-            <a:off x="7315209" y="4229101"/>
-            <a:ext cx="1828800" cy="914400"/>
+            <a:off x="7315202" y="4416550"/>
+            <a:ext cx="1828800" cy="731400"/>
           </a:xfrm>
           <a:prstGeom prst="rect">
             <a:avLst/>
@@ -24166,23 +24810,30 @@
               <a:spcAft>
                 <a:spcPts val="0"/>
               </a:spcAft>
-              <a:buClr>
-                <a:schemeClr val="dk1"/>
-              </a:buClr>
-              <a:buSzPts val="1100"/>
-              <a:buFont typeface="Arial"/>
-              <a:buNone/>
-            </a:pPr>
-            <a:r>
-              <a:rPr b="0" lang="en" sz="1000" u="sng">
+              <a:buNone/>
+            </a:pPr>
+            <a:r>
+              <a:rPr b="0" lang="en" sz="900" u="sng">
                 <a:solidFill>
                   <a:schemeClr val="hlink"/>
                 </a:solidFill>
                 <a:hlinkClick r:id="rId3"/>
               </a:rPr>
-              <a:t>https://profriehle.com</a:t>
-            </a:r>
-            <a:endParaRPr b="0" sz="1000"/>
+              <a:t>https://oss.cs.fau.de</a:t>
+            </a:r>
+            <a:r>
+              <a:rPr b="0" lang="en" sz="900">
+                <a:solidFill>
+                  <a:schemeClr val="dk2"/>
+                </a:solidFill>
+              </a:rPr>
+              <a:t> </a:t>
+            </a:r>
+            <a:endParaRPr b="0" sz="900">
+              <a:solidFill>
+                <a:schemeClr val="dk2"/>
+              </a:solidFill>
+            </a:endParaRPr>
           </a:p>
         </p:txBody>
       </p:sp>
@@ -24199,7 +24850,7 @@
   <p:cSld>
     <p:spTree>
       <p:nvGrpSpPr>
-        <p:cNvPr id="284" name="Shape 284"/>
+        <p:cNvPr id="299" name="Shape 299"/>
         <p:cNvGrpSpPr/>
         <p:nvPr/>
       </p:nvGrpSpPr>
@@ -24213,7 +24864,7 @@
       </p:grpSpPr>
       <p:sp>
         <p:nvSpPr>
-          <p:cNvPr id="285" name="Google Shape;285;p44"/>
+          <p:cNvPr id="300" name="Google Shape;300;p44"/>
           <p:cNvSpPr txBox="1"/>
           <p:nvPr>
             <p:ph type="title"/>
@@ -24253,7 +24904,7 @@
       </p:sp>
       <p:sp>
         <p:nvSpPr>
-          <p:cNvPr id="286" name="Google Shape;286;p44"/>
+          <p:cNvPr id="301" name="Google Shape;301;p44"/>
           <p:cNvSpPr txBox="1"/>
           <p:nvPr>
             <p:ph idx="1" type="body"/>
@@ -24293,7 +24944,7 @@
       </p:sp>
       <p:sp>
         <p:nvSpPr>
-          <p:cNvPr id="287" name="Google Shape;287;p44"/>
+          <p:cNvPr id="302" name="Google Shape;302;p44"/>
           <p:cNvSpPr txBox="1"/>
           <p:nvPr>
             <p:ph idx="12" type="sldNum"/>
@@ -24301,8 +24952,8 @@
         </p:nvSpPr>
         <p:spPr>
           <a:xfrm>
-            <a:off x="7315209" y="4229101"/>
-            <a:ext cx="1828800" cy="914400"/>
+            <a:off x="7315202" y="4416550"/>
+            <a:ext cx="1828800" cy="731400"/>
           </a:xfrm>
           <a:prstGeom prst="rect">
             <a:avLst/>
@@ -24337,29 +24988,36 @@
               <a:spcAft>
                 <a:spcPts val="0"/>
               </a:spcAft>
-              <a:buClr>
-                <a:schemeClr val="dk1"/>
-              </a:buClr>
-              <a:buSzPts val="1100"/>
-              <a:buFont typeface="Arial"/>
-              <a:buNone/>
-            </a:pPr>
-            <a:r>
-              <a:rPr b="0" lang="en" sz="1000" u="sng">
+              <a:buNone/>
+            </a:pPr>
+            <a:r>
+              <a:rPr b="0" lang="en" sz="900" u="sng">
                 <a:solidFill>
                   <a:schemeClr val="hlink"/>
                 </a:solidFill>
                 <a:hlinkClick r:id="rId3"/>
               </a:rPr>
-              <a:t>https://profriehle.com</a:t>
-            </a:r>
-            <a:endParaRPr b="0" sz="1000"/>
+              <a:t>https://oss.cs.fau.de</a:t>
+            </a:r>
+            <a:r>
+              <a:rPr b="0" lang="en" sz="900">
+                <a:solidFill>
+                  <a:schemeClr val="dk2"/>
+                </a:solidFill>
+              </a:rPr>
+              <a:t> </a:t>
+            </a:r>
+            <a:endParaRPr b="0" sz="900">
+              <a:solidFill>
+                <a:schemeClr val="dk2"/>
+              </a:solidFill>
+            </a:endParaRPr>
           </a:p>
         </p:txBody>
       </p:sp>
       <p:sp>
         <p:nvSpPr>
-          <p:cNvPr id="288" name="Google Shape;288;p44"/>
+          <p:cNvPr id="303" name="Google Shape;303;p44"/>
           <p:cNvSpPr txBox="1"/>
           <p:nvPr/>
         </p:nvSpPr>
@@ -24425,7 +25083,7 @@
   <p:cSld>
     <p:spTree>
       <p:nvGrpSpPr>
-        <p:cNvPr id="292" name="Shape 292"/>
+        <p:cNvPr id="307" name="Shape 307"/>
         <p:cNvGrpSpPr/>
         <p:nvPr/>
       </p:nvGrpSpPr>
@@ -24439,7 +25097,7 @@
       </p:grpSpPr>
       <p:sp>
         <p:nvSpPr>
-          <p:cNvPr id="293" name="Google Shape;293;p45"/>
+          <p:cNvPr id="308" name="Google Shape;308;p45"/>
           <p:cNvSpPr txBox="1"/>
           <p:nvPr>
             <p:ph type="title"/>
@@ -24479,7 +25137,7 @@
       </p:sp>
       <p:sp>
         <p:nvSpPr>
-          <p:cNvPr id="294" name="Google Shape;294;p45"/>
+          <p:cNvPr id="309" name="Google Shape;309;p45"/>
           <p:cNvSpPr txBox="1"/>
           <p:nvPr>
             <p:ph idx="12" type="sldNum"/>
@@ -24487,8 +25145,8 @@
         </p:nvSpPr>
         <p:spPr>
           <a:xfrm>
-            <a:off x="7315209" y="4229101"/>
-            <a:ext cx="1828800" cy="914400"/>
+            <a:off x="7315202" y="4416550"/>
+            <a:ext cx="1828800" cy="731400"/>
           </a:xfrm>
           <a:prstGeom prst="rect">
             <a:avLst/>
@@ -24526,21 +25184,33 @@
               <a:buNone/>
             </a:pPr>
             <a:r>
-              <a:rPr b="0" lang="en" sz="1000" u="sng">
+              <a:rPr b="0" lang="en" sz="900" u="sng">
                 <a:solidFill>
                   <a:schemeClr val="hlink"/>
                 </a:solidFill>
                 <a:hlinkClick r:id="rId3"/>
               </a:rPr>
-              <a:t>https://profriehle.com</a:t>
-            </a:r>
-            <a:endParaRPr b="0" sz="1000"/>
+              <a:t>https://oss.cs.fau.de</a:t>
+            </a:r>
+            <a:r>
+              <a:rPr b="0" lang="en" sz="900">
+                <a:solidFill>
+                  <a:schemeClr val="dk2"/>
+                </a:solidFill>
+              </a:rPr>
+              <a:t> </a:t>
+            </a:r>
+            <a:endParaRPr b="0" sz="900">
+              <a:solidFill>
+                <a:schemeClr val="dk2"/>
+              </a:solidFill>
+            </a:endParaRPr>
           </a:p>
         </p:txBody>
       </p:sp>
       <p:sp>
         <p:nvSpPr>
-          <p:cNvPr id="295" name="Google Shape;295;p45"/>
+          <p:cNvPr id="310" name="Google Shape;310;p45"/>
           <p:cNvSpPr txBox="1"/>
           <p:nvPr/>
         </p:nvSpPr>
@@ -24553,18 +25223,12 @@
             <a:avLst/>
           </a:prstGeom>
           <a:noFill/>
-          <a:ln cap="flat" cmpd="sng" w="9525">
-            <a:solidFill>
-              <a:srgbClr val="000000"/>
-            </a:solidFill>
-            <a:prstDash val="solid"/>
-            <a:round/>
-            <a:headEnd len="sm" w="sm" type="none"/>
-            <a:tailEnd len="sm" w="sm" type="none"/>
+          <a:ln>
+            <a:noFill/>
           </a:ln>
         </p:spPr>
         <p:txBody>
-          <a:bodyPr anchorCtr="0" anchor="t" bIns="91425" lIns="91425" spcFirstLastPara="1" rIns="91425" wrap="square" tIns="91425">
+          <a:bodyPr anchorCtr="0" anchor="t" bIns="0" lIns="0" spcFirstLastPara="1" rIns="0" wrap="square" tIns="0">
             <a:noAutofit/>
           </a:bodyPr>
           <a:lstStyle/>
@@ -26536,7 +27200,7 @@
       </p:sp>
       <p:sp>
         <p:nvSpPr>
-          <p:cNvPr id="296" name="Google Shape;296;p45"/>
+          <p:cNvPr id="311" name="Google Shape;311;p45"/>
           <p:cNvSpPr txBox="1"/>
           <p:nvPr/>
         </p:nvSpPr>
@@ -26549,18 +27213,12 @@
             <a:avLst/>
           </a:prstGeom>
           <a:noFill/>
-          <a:ln cap="flat" cmpd="sng" w="9525">
-            <a:solidFill>
-              <a:srgbClr val="000000"/>
-            </a:solidFill>
-            <a:prstDash val="solid"/>
-            <a:round/>
-            <a:headEnd len="sm" w="sm" type="none"/>
-            <a:tailEnd len="sm" w="sm" type="none"/>
+          <a:ln>
+            <a:noFill/>
           </a:ln>
         </p:spPr>
         <p:txBody>
-          <a:bodyPr anchorCtr="0" anchor="t" bIns="91425" lIns="91425" spcFirstLastPara="1" rIns="91425" wrap="square" tIns="91425">
+          <a:bodyPr anchorCtr="0" anchor="t" bIns="0" lIns="0" spcFirstLastPara="1" rIns="0" wrap="square" tIns="0">
             <a:noAutofit/>
           </a:bodyPr>
           <a:lstStyle/>
@@ -29050,7 +29708,7 @@
       </p:sp>
       <p:sp>
         <p:nvSpPr>
-          <p:cNvPr id="297" name="Google Shape;297;p45"/>
+          <p:cNvPr id="312" name="Google Shape;312;p45"/>
           <p:cNvSpPr txBox="1"/>
           <p:nvPr/>
         </p:nvSpPr>
@@ -29116,7 +29774,7 @@
   <p:cSld>
     <p:spTree>
       <p:nvGrpSpPr>
-        <p:cNvPr id="301" name="Shape 301"/>
+        <p:cNvPr id="316" name="Shape 316"/>
         <p:cNvGrpSpPr/>
         <p:nvPr/>
       </p:nvGrpSpPr>
@@ -29130,7 +29788,7 @@
       </p:grpSpPr>
       <p:sp>
         <p:nvSpPr>
-          <p:cNvPr id="302" name="Google Shape;302;p46"/>
+          <p:cNvPr id="317" name="Google Shape;317;p46"/>
           <p:cNvSpPr txBox="1"/>
           <p:nvPr>
             <p:ph type="title"/>
@@ -29170,7 +29828,7 @@
       </p:sp>
       <p:sp>
         <p:nvSpPr>
-          <p:cNvPr id="303" name="Google Shape;303;p46"/>
+          <p:cNvPr id="318" name="Google Shape;318;p46"/>
           <p:cNvSpPr txBox="1"/>
           <p:nvPr>
             <p:ph idx="1" type="body"/>
@@ -29266,7 +29924,7 @@
       </p:sp>
       <p:sp>
         <p:nvSpPr>
-          <p:cNvPr id="304" name="Google Shape;304;p46"/>
+          <p:cNvPr id="319" name="Google Shape;319;p46"/>
           <p:cNvSpPr txBox="1"/>
           <p:nvPr>
             <p:ph idx="12" type="sldNum"/>
@@ -29274,8 +29932,8 @@
         </p:nvSpPr>
         <p:spPr>
           <a:xfrm>
-            <a:off x="7315209" y="4229101"/>
-            <a:ext cx="1828800" cy="914400"/>
+            <a:off x="7315202" y="4416550"/>
+            <a:ext cx="1828800" cy="731400"/>
           </a:xfrm>
           <a:prstGeom prst="rect">
             <a:avLst/>
@@ -29310,29 +29968,36 @@
               <a:spcAft>
                 <a:spcPts val="0"/>
               </a:spcAft>
-              <a:buClr>
-                <a:schemeClr val="dk1"/>
-              </a:buClr>
-              <a:buSzPts val="1100"/>
-              <a:buFont typeface="Arial"/>
-              <a:buNone/>
-            </a:pPr>
-            <a:r>
-              <a:rPr b="0" lang="en" sz="1000" u="sng">
+              <a:buNone/>
+            </a:pPr>
+            <a:r>
+              <a:rPr b="0" lang="en" sz="900" u="sng">
                 <a:solidFill>
                   <a:schemeClr val="hlink"/>
                 </a:solidFill>
                 <a:hlinkClick r:id="rId3"/>
               </a:rPr>
-              <a:t>https://profriehle.com</a:t>
-            </a:r>
-            <a:endParaRPr b="0" sz="1000"/>
+              <a:t>https://oss.cs.fau.de</a:t>
+            </a:r>
+            <a:r>
+              <a:rPr b="0" lang="en" sz="900">
+                <a:solidFill>
+                  <a:schemeClr val="dk2"/>
+                </a:solidFill>
+              </a:rPr>
+              <a:t> </a:t>
+            </a:r>
+            <a:endParaRPr b="0" sz="900">
+              <a:solidFill>
+                <a:schemeClr val="dk2"/>
+              </a:solidFill>
+            </a:endParaRPr>
           </a:p>
         </p:txBody>
       </p:sp>
       <p:sp>
         <p:nvSpPr>
-          <p:cNvPr id="305" name="Google Shape;305;p46"/>
+          <p:cNvPr id="320" name="Google Shape;320;p46"/>
           <p:cNvSpPr txBox="1"/>
           <p:nvPr/>
         </p:nvSpPr>
@@ -29402,7 +30067,7 @@
   <p:cSld>
     <p:spTree>
       <p:nvGrpSpPr>
-        <p:cNvPr id="54" name="Shape 54"/>
+        <p:cNvPr id="69" name="Shape 69"/>
         <p:cNvGrpSpPr/>
         <p:nvPr/>
       </p:nvGrpSpPr>
@@ -29416,7 +30081,7 @@
       </p:grpSpPr>
       <p:sp>
         <p:nvSpPr>
-          <p:cNvPr id="55" name="Google Shape;55;p11"/>
+          <p:cNvPr id="70" name="Google Shape;70;p11"/>
           <p:cNvSpPr txBox="1"/>
           <p:nvPr>
             <p:ph type="title"/>
@@ -29456,7 +30121,7 @@
       </p:sp>
       <p:sp>
         <p:nvSpPr>
-          <p:cNvPr id="56" name="Google Shape;56;p11"/>
+          <p:cNvPr id="71" name="Google Shape;71;p11"/>
           <p:cNvSpPr txBox="1"/>
           <p:nvPr>
             <p:ph idx="1" type="body"/>
@@ -29593,7 +30258,7 @@
       </p:sp>
       <p:sp>
         <p:nvSpPr>
-          <p:cNvPr id="57" name="Google Shape;57;p11"/>
+          <p:cNvPr id="72" name="Google Shape;72;p11"/>
           <p:cNvSpPr txBox="1"/>
           <p:nvPr>
             <p:ph idx="12" type="sldNum"/>
@@ -29601,8 +30266,8 @@
         </p:nvSpPr>
         <p:spPr>
           <a:xfrm>
-            <a:off x="7315209" y="4229101"/>
-            <a:ext cx="1828800" cy="914400"/>
+            <a:off x="7315202" y="4416550"/>
+            <a:ext cx="1828800" cy="731400"/>
           </a:xfrm>
           <a:prstGeom prst="rect">
             <a:avLst/>
@@ -29637,23 +30302,30 @@
               <a:spcAft>
                 <a:spcPts val="0"/>
               </a:spcAft>
-              <a:buClr>
-                <a:schemeClr val="dk1"/>
-              </a:buClr>
-              <a:buSzPts val="1100"/>
-              <a:buFont typeface="Arial"/>
-              <a:buNone/>
-            </a:pPr>
-            <a:r>
-              <a:rPr b="0" lang="en" sz="1000" u="sng">
+              <a:buNone/>
+            </a:pPr>
+            <a:r>
+              <a:rPr b="0" lang="en" sz="900" u="sng">
                 <a:solidFill>
                   <a:schemeClr val="hlink"/>
                 </a:solidFill>
                 <a:hlinkClick r:id="rId3"/>
               </a:rPr>
-              <a:t>https://profriehle.com</a:t>
-            </a:r>
-            <a:endParaRPr b="0" sz="1000"/>
+              <a:t>https://oss.cs.fau.de</a:t>
+            </a:r>
+            <a:r>
+              <a:rPr b="0" lang="en" sz="900">
+                <a:solidFill>
+                  <a:schemeClr val="dk2"/>
+                </a:solidFill>
+              </a:rPr>
+              <a:t> </a:t>
+            </a:r>
+            <a:endParaRPr b="0" sz="900">
+              <a:solidFill>
+                <a:schemeClr val="dk2"/>
+              </a:solidFill>
+            </a:endParaRPr>
           </a:p>
         </p:txBody>
       </p:sp>
@@ -29670,7 +30342,7 @@
   <p:cSld>
     <p:spTree>
       <p:nvGrpSpPr>
-        <p:cNvPr id="309" name="Shape 309"/>
+        <p:cNvPr id="324" name="Shape 324"/>
         <p:cNvGrpSpPr/>
         <p:nvPr/>
       </p:nvGrpSpPr>
@@ -29684,7 +30356,7 @@
       </p:grpSpPr>
       <p:sp>
         <p:nvSpPr>
-          <p:cNvPr id="310" name="Google Shape;310;p47"/>
+          <p:cNvPr id="325" name="Google Shape;325;p47"/>
           <p:cNvSpPr txBox="1"/>
           <p:nvPr>
             <p:ph type="title"/>
@@ -29735,7 +30407,7 @@
   <p:cSld>
     <p:spTree>
       <p:nvGrpSpPr>
-        <p:cNvPr id="314" name="Shape 314"/>
+        <p:cNvPr id="329" name="Shape 329"/>
         <p:cNvGrpSpPr/>
         <p:nvPr/>
       </p:nvGrpSpPr>
@@ -29749,7 +30421,7 @@
       </p:grpSpPr>
       <p:sp>
         <p:nvSpPr>
-          <p:cNvPr id="315" name="Google Shape;315;p48"/>
+          <p:cNvPr id="330" name="Google Shape;330;p48"/>
           <p:cNvSpPr txBox="1"/>
           <p:nvPr>
             <p:ph type="title"/>
@@ -29789,7 +30461,7 @@
       </p:sp>
       <p:sp>
         <p:nvSpPr>
-          <p:cNvPr id="316" name="Google Shape;316;p48"/>
+          <p:cNvPr id="331" name="Google Shape;331;p48"/>
           <p:cNvSpPr txBox="1"/>
           <p:nvPr>
             <p:ph idx="1" type="body"/>
@@ -29915,7 +30587,7 @@
             </a:pPr>
             <a:r>
               <a:rPr lang="en"/>
-              <a:t>Commit homework by deadline to homework folder</a:t>
+              <a:t>Commit homework by deadline to homework repository</a:t>
             </a:r>
             <a:endParaRPr/>
           </a:p>
@@ -29938,7 +30610,7 @@
       </p:sp>
       <p:sp>
         <p:nvSpPr>
-          <p:cNvPr id="317" name="Google Shape;317;p48"/>
+          <p:cNvPr id="332" name="Google Shape;332;p48"/>
           <p:cNvSpPr txBox="1"/>
           <p:nvPr>
             <p:ph idx="12" type="sldNum"/>
@@ -29946,8 +30618,8 @@
         </p:nvSpPr>
         <p:spPr>
           <a:xfrm>
-            <a:off x="7315209" y="4229101"/>
-            <a:ext cx="1828800" cy="914400"/>
+            <a:off x="7315202" y="4416550"/>
+            <a:ext cx="1828800" cy="731400"/>
           </a:xfrm>
           <a:prstGeom prst="rect">
             <a:avLst/>
@@ -29985,15 +30657,27 @@
               <a:buNone/>
             </a:pPr>
             <a:r>
-              <a:rPr b="0" lang="en" sz="1000" u="sng">
+              <a:rPr b="0" lang="en" sz="900" u="sng">
                 <a:solidFill>
                   <a:schemeClr val="hlink"/>
                 </a:solidFill>
                 <a:hlinkClick r:id="rId3"/>
               </a:rPr>
-              <a:t>https://profriehle.com</a:t>
-            </a:r>
-            <a:endParaRPr b="0" sz="1000"/>
+              <a:t>https://oss.cs.fau.de</a:t>
+            </a:r>
+            <a:r>
+              <a:rPr b="0" lang="en" sz="900">
+                <a:solidFill>
+                  <a:schemeClr val="dk2"/>
+                </a:solidFill>
+              </a:rPr>
+              <a:t> </a:t>
+            </a:r>
+            <a:endParaRPr b="0" sz="900">
+              <a:solidFill>
+                <a:schemeClr val="dk2"/>
+              </a:solidFill>
+            </a:endParaRPr>
           </a:p>
         </p:txBody>
       </p:sp>
@@ -30010,7 +30694,7 @@
   <p:cSld>
     <p:spTree>
       <p:nvGrpSpPr>
-        <p:cNvPr id="321" name="Shape 321"/>
+        <p:cNvPr id="336" name="Shape 336"/>
         <p:cNvGrpSpPr/>
         <p:nvPr/>
       </p:nvGrpSpPr>
@@ -30024,7 +30708,7 @@
       </p:grpSpPr>
       <p:sp>
         <p:nvSpPr>
-          <p:cNvPr id="322" name="Google Shape;322;p49"/>
+          <p:cNvPr id="337" name="Google Shape;337;p49"/>
           <p:cNvSpPr txBox="1"/>
           <p:nvPr>
             <p:ph type="title"/>
@@ -30064,7 +30748,7 @@
       </p:sp>
       <p:sp>
         <p:nvSpPr>
-          <p:cNvPr id="323" name="Google Shape;323;p49"/>
+          <p:cNvPr id="338" name="Google Shape;338;p49"/>
           <p:cNvSpPr txBox="1"/>
           <p:nvPr>
             <p:ph idx="1" type="body"/>
@@ -30205,7 +30889,7 @@
       </p:sp>
       <p:sp>
         <p:nvSpPr>
-          <p:cNvPr id="324" name="Google Shape;324;p49"/>
+          <p:cNvPr id="339" name="Google Shape;339;p49"/>
           <p:cNvSpPr txBox="1"/>
           <p:nvPr>
             <p:ph idx="12" type="sldNum"/>
@@ -30213,8 +30897,8 @@
         </p:nvSpPr>
         <p:spPr>
           <a:xfrm>
-            <a:off x="7315209" y="4229101"/>
-            <a:ext cx="1828800" cy="914400"/>
+            <a:off x="7315202" y="4416550"/>
+            <a:ext cx="1828800" cy="731400"/>
           </a:xfrm>
           <a:prstGeom prst="rect">
             <a:avLst/>
@@ -30252,15 +30936,27 @@
               <a:buNone/>
             </a:pPr>
             <a:r>
-              <a:rPr b="0" lang="en" sz="1000" u="sng">
+              <a:rPr b="0" lang="en" sz="900" u="sng">
                 <a:solidFill>
                   <a:schemeClr val="hlink"/>
                 </a:solidFill>
                 <a:hlinkClick r:id="rId3"/>
               </a:rPr>
-              <a:t>https://profriehle.com</a:t>
-            </a:r>
-            <a:endParaRPr b="0" sz="1000"/>
+              <a:t>https://oss.cs.fau.de</a:t>
+            </a:r>
+            <a:r>
+              <a:rPr b="0" lang="en" sz="900">
+                <a:solidFill>
+                  <a:schemeClr val="dk2"/>
+                </a:solidFill>
+              </a:rPr>
+              <a:t> </a:t>
+            </a:r>
+            <a:endParaRPr b="0" sz="900">
+              <a:solidFill>
+                <a:schemeClr val="dk2"/>
+              </a:solidFill>
+            </a:endParaRPr>
           </a:p>
         </p:txBody>
       </p:sp>
@@ -30277,7 +30973,7 @@
   <p:cSld>
     <p:spTree>
       <p:nvGrpSpPr>
-        <p:cNvPr id="328" name="Shape 328"/>
+        <p:cNvPr id="343" name="Shape 343"/>
         <p:cNvGrpSpPr/>
         <p:nvPr/>
       </p:nvGrpSpPr>
@@ -30291,7 +30987,7 @@
       </p:grpSpPr>
       <p:sp>
         <p:nvSpPr>
-          <p:cNvPr id="329" name="Google Shape;329;p50"/>
+          <p:cNvPr id="344" name="Google Shape;344;p50"/>
           <p:cNvSpPr txBox="1"/>
           <p:nvPr>
             <p:ph type="ctrTitle"/>
@@ -30331,7 +31027,7 @@
       </p:sp>
       <p:sp>
         <p:nvSpPr>
-          <p:cNvPr id="330" name="Google Shape;330;p50"/>
+          <p:cNvPr id="345" name="Google Shape;345;p50"/>
           <p:cNvSpPr txBox="1"/>
           <p:nvPr>
             <p:ph idx="1" type="subTitle"/>
@@ -30461,7 +31157,7 @@
   <p:cSld>
     <p:spTree>
       <p:nvGrpSpPr>
-        <p:cNvPr id="334" name="Shape 334"/>
+        <p:cNvPr id="349" name="Shape 349"/>
         <p:cNvGrpSpPr/>
         <p:nvPr/>
       </p:nvGrpSpPr>
@@ -30475,7 +31171,7 @@
       </p:grpSpPr>
       <p:sp>
         <p:nvSpPr>
-          <p:cNvPr id="335" name="Google Shape;335;p51"/>
+          <p:cNvPr id="350" name="Google Shape;350;p51"/>
           <p:cNvSpPr txBox="1"/>
           <p:nvPr>
             <p:ph type="title"/>
@@ -30515,7 +31211,7 @@
       </p:sp>
       <p:sp>
         <p:nvSpPr>
-          <p:cNvPr id="336" name="Google Shape;336;p51"/>
+          <p:cNvPr id="351" name="Google Shape;351;p51"/>
           <p:cNvSpPr txBox="1"/>
           <p:nvPr>
             <p:ph idx="12" type="sldNum"/>
@@ -30523,8 +31219,8 @@
         </p:nvSpPr>
         <p:spPr>
           <a:xfrm>
-            <a:off x="7315209" y="4229101"/>
-            <a:ext cx="1828800" cy="914400"/>
+            <a:off x="7315202" y="4416550"/>
+            <a:ext cx="1828800" cy="731400"/>
           </a:xfrm>
           <a:prstGeom prst="rect">
             <a:avLst/>
@@ -30568,7 +31264,7 @@
                 </a:solidFill>
                 <a:hlinkClick r:id="rId3"/>
               </a:rPr>
-              <a:t>https://profriehle.com</a:t>
+              <a:t>https://oss.cs.fau.de</a:t>
             </a:r>
             <a:r>
               <a:rPr b="0" lang="en" sz="900">
@@ -30588,7 +31284,7 @@
       </p:sp>
       <p:sp>
         <p:nvSpPr>
-          <p:cNvPr id="337" name="Google Shape;337;p51"/>
+          <p:cNvPr id="352" name="Google Shape;352;p51"/>
           <p:cNvSpPr txBox="1"/>
           <p:nvPr>
             <p:ph idx="1" type="body"/>
@@ -30717,7 +31413,7 @@
   <p:cSld>
     <p:spTree>
       <p:nvGrpSpPr>
-        <p:cNvPr id="61" name="Shape 61"/>
+        <p:cNvPr id="76" name="Shape 76"/>
         <p:cNvGrpSpPr/>
         <p:nvPr/>
       </p:nvGrpSpPr>
@@ -30731,7 +31427,7 @@
       </p:grpSpPr>
       <p:sp>
         <p:nvSpPr>
-          <p:cNvPr id="62" name="Google Shape;62;p12"/>
+          <p:cNvPr id="77" name="Google Shape;77;p12"/>
           <p:cNvSpPr txBox="1"/>
           <p:nvPr>
             <p:ph type="title"/>
@@ -30771,7 +31467,7 @@
       </p:sp>
       <p:sp>
         <p:nvSpPr>
-          <p:cNvPr id="63" name="Google Shape;63;p12"/>
+          <p:cNvPr id="78" name="Google Shape;78;p12"/>
           <p:cNvSpPr txBox="1"/>
           <p:nvPr>
             <p:ph idx="1" type="body"/>
@@ -30890,7 +31586,7 @@
       </p:sp>
       <p:sp>
         <p:nvSpPr>
-          <p:cNvPr id="64" name="Google Shape;64;p12"/>
+          <p:cNvPr id="79" name="Google Shape;79;p12"/>
           <p:cNvSpPr txBox="1"/>
           <p:nvPr>
             <p:ph idx="12" type="sldNum"/>
@@ -30898,8 +31594,8 @@
         </p:nvSpPr>
         <p:spPr>
           <a:xfrm>
-            <a:off x="7315209" y="4229101"/>
-            <a:ext cx="1828800" cy="914400"/>
+            <a:off x="7315202" y="4416550"/>
+            <a:ext cx="1828800" cy="731400"/>
           </a:xfrm>
           <a:prstGeom prst="rect">
             <a:avLst/>
@@ -30934,23 +31630,30 @@
               <a:spcAft>
                 <a:spcPts val="0"/>
               </a:spcAft>
-              <a:buClr>
-                <a:schemeClr val="dk1"/>
-              </a:buClr>
-              <a:buSzPts val="1100"/>
-              <a:buFont typeface="Arial"/>
-              <a:buNone/>
-            </a:pPr>
-            <a:r>
-              <a:rPr b="0" lang="en" sz="1000" u="sng">
+              <a:buNone/>
+            </a:pPr>
+            <a:r>
+              <a:rPr b="0" lang="en" sz="900" u="sng">
                 <a:solidFill>
                   <a:schemeClr val="hlink"/>
                 </a:solidFill>
                 <a:hlinkClick r:id="rId3"/>
               </a:rPr>
-              <a:t>https://profriehle.com</a:t>
-            </a:r>
-            <a:endParaRPr b="0" sz="1000"/>
+              <a:t>https://oss.cs.fau.de</a:t>
+            </a:r>
+            <a:r>
+              <a:rPr b="0" lang="en" sz="900">
+                <a:solidFill>
+                  <a:schemeClr val="dk2"/>
+                </a:solidFill>
+              </a:rPr>
+              <a:t> </a:t>
+            </a:r>
+            <a:endParaRPr b="0" sz="900">
+              <a:solidFill>
+                <a:schemeClr val="dk2"/>
+              </a:solidFill>
+            </a:endParaRPr>
           </a:p>
         </p:txBody>
       </p:sp>
@@ -30967,7 +31670,7 @@
   <p:cSld>
     <p:spTree>
       <p:nvGrpSpPr>
-        <p:cNvPr id="68" name="Shape 68"/>
+        <p:cNvPr id="83" name="Shape 83"/>
         <p:cNvGrpSpPr/>
         <p:nvPr/>
       </p:nvGrpSpPr>
@@ -30981,7 +31684,7 @@
       </p:grpSpPr>
       <p:sp>
         <p:nvSpPr>
-          <p:cNvPr id="69" name="Google Shape;69;p13"/>
+          <p:cNvPr id="84" name="Google Shape;84;p13"/>
           <p:cNvSpPr txBox="1"/>
           <p:nvPr>
             <p:ph type="title"/>
@@ -31021,7 +31724,7 @@
       </p:sp>
       <p:sp>
         <p:nvSpPr>
-          <p:cNvPr id="70" name="Google Shape;70;p13"/>
+          <p:cNvPr id="85" name="Google Shape;85;p13"/>
           <p:cNvSpPr txBox="1"/>
           <p:nvPr>
             <p:ph idx="1" type="body"/>
@@ -31086,7 +31789,15 @@
             </a:pPr>
             <a:r>
               <a:rPr lang="en"/>
-              <a:t>Object semantics imples that</a:t>
+              <a:t>Object semantics </a:t>
+            </a:r>
+            <a:r>
+              <a:rPr lang="en"/>
+              <a:t>implies</a:t>
+            </a:r>
+            <a:r>
+              <a:rPr lang="en"/>
+              <a:t> that</a:t>
             </a:r>
             <a:endParaRPr/>
           </a:p>
@@ -31134,7 +31845,7 @@
       </p:sp>
       <p:sp>
         <p:nvSpPr>
-          <p:cNvPr id="71" name="Google Shape;71;p13"/>
+          <p:cNvPr id="86" name="Google Shape;86;p13"/>
           <p:cNvSpPr txBox="1"/>
           <p:nvPr>
             <p:ph idx="12" type="sldNum"/>
@@ -31142,8 +31853,8 @@
         </p:nvSpPr>
         <p:spPr>
           <a:xfrm>
-            <a:off x="7315209" y="4229101"/>
-            <a:ext cx="1828800" cy="914400"/>
+            <a:off x="7315202" y="4416550"/>
+            <a:ext cx="1828800" cy="731400"/>
           </a:xfrm>
           <a:prstGeom prst="rect">
             <a:avLst/>
@@ -31178,23 +31889,30 @@
               <a:spcAft>
                 <a:spcPts val="0"/>
               </a:spcAft>
-              <a:buClr>
-                <a:schemeClr val="dk1"/>
-              </a:buClr>
-              <a:buSzPts val="1100"/>
-              <a:buFont typeface="Arial"/>
-              <a:buNone/>
-            </a:pPr>
-            <a:r>
-              <a:rPr b="0" lang="en" sz="1000" u="sng">
+              <a:buNone/>
+            </a:pPr>
+            <a:r>
+              <a:rPr b="0" lang="en" sz="900" u="sng">
                 <a:solidFill>
                   <a:schemeClr val="hlink"/>
                 </a:solidFill>
                 <a:hlinkClick r:id="rId3"/>
               </a:rPr>
-              <a:t>https://profriehle.com</a:t>
-            </a:r>
-            <a:endParaRPr b="0" sz="1000"/>
+              <a:t>https://oss.cs.fau.de</a:t>
+            </a:r>
+            <a:r>
+              <a:rPr b="0" lang="en" sz="900">
+                <a:solidFill>
+                  <a:schemeClr val="dk2"/>
+                </a:solidFill>
+              </a:rPr>
+              <a:t> </a:t>
+            </a:r>
+            <a:endParaRPr b="0" sz="900">
+              <a:solidFill>
+                <a:schemeClr val="dk2"/>
+              </a:solidFill>
+            </a:endParaRPr>
           </a:p>
         </p:txBody>
       </p:sp>
@@ -31211,7 +31929,7 @@
   <p:cSld>
     <p:spTree>
       <p:nvGrpSpPr>
-        <p:cNvPr id="75" name="Shape 75"/>
+        <p:cNvPr id="90" name="Shape 90"/>
         <p:cNvGrpSpPr/>
         <p:nvPr/>
       </p:nvGrpSpPr>
@@ -31225,7 +31943,7 @@
       </p:grpSpPr>
       <p:sp>
         <p:nvSpPr>
-          <p:cNvPr id="76" name="Google Shape;76;p14"/>
+          <p:cNvPr id="91" name="Google Shape;91;p14"/>
           <p:cNvSpPr txBox="1"/>
           <p:nvPr>
             <p:ph type="title"/>
@@ -31265,7 +31983,7 @@
       </p:sp>
       <p:sp>
         <p:nvSpPr>
-          <p:cNvPr id="77" name="Google Shape;77;p14"/>
+          <p:cNvPr id="92" name="Google Shape;92;p14"/>
           <p:cNvSpPr txBox="1"/>
           <p:nvPr>
             <p:ph idx="1" type="body"/>
@@ -31473,7 +32191,7 @@
       </p:sp>
       <p:sp>
         <p:nvSpPr>
-          <p:cNvPr id="78" name="Google Shape;78;p14"/>
+          <p:cNvPr id="93" name="Google Shape;93;p14"/>
           <p:cNvSpPr txBox="1"/>
           <p:nvPr>
             <p:ph idx="12" type="sldNum"/>
@@ -31481,8 +32199,8 @@
         </p:nvSpPr>
         <p:spPr>
           <a:xfrm>
-            <a:off x="7315209" y="4229101"/>
-            <a:ext cx="1828800" cy="914400"/>
+            <a:off x="7315202" y="4416550"/>
+            <a:ext cx="1828800" cy="731400"/>
           </a:xfrm>
           <a:prstGeom prst="rect">
             <a:avLst/>
@@ -31517,29 +32235,36 @@
               <a:spcAft>
                 <a:spcPts val="0"/>
               </a:spcAft>
-              <a:buClr>
-                <a:schemeClr val="dk1"/>
-              </a:buClr>
-              <a:buSzPts val="1100"/>
-              <a:buFont typeface="Arial"/>
-              <a:buNone/>
-            </a:pPr>
-            <a:r>
-              <a:rPr b="0" lang="en" sz="1000" u="sng">
+              <a:buNone/>
+            </a:pPr>
+            <a:r>
+              <a:rPr b="0" lang="en" sz="900" u="sng">
                 <a:solidFill>
                   <a:schemeClr val="hlink"/>
                 </a:solidFill>
                 <a:hlinkClick r:id="rId3"/>
               </a:rPr>
-              <a:t>https://profriehle.com</a:t>
-            </a:r>
-            <a:endParaRPr b="0" sz="1000"/>
+              <a:t>https://oss.cs.fau.de</a:t>
+            </a:r>
+            <a:r>
+              <a:rPr b="0" lang="en" sz="900">
+                <a:solidFill>
+                  <a:schemeClr val="dk2"/>
+                </a:solidFill>
+              </a:rPr>
+              <a:t> </a:t>
+            </a:r>
+            <a:endParaRPr b="0" sz="900">
+              <a:solidFill>
+                <a:schemeClr val="dk2"/>
+              </a:solidFill>
+            </a:endParaRPr>
           </a:p>
         </p:txBody>
       </p:sp>
       <p:sp>
         <p:nvSpPr>
-          <p:cNvPr id="79" name="Google Shape;79;p14"/>
+          <p:cNvPr id="94" name="Google Shape;94;p14"/>
           <p:cNvSpPr txBox="1"/>
           <p:nvPr/>
         </p:nvSpPr>
@@ -31592,7 +32317,7 @@
   <p:cSld>
     <p:spTree>
       <p:nvGrpSpPr>
-        <p:cNvPr id="83" name="Shape 83"/>
+        <p:cNvPr id="98" name="Shape 98"/>
         <p:cNvGrpSpPr/>
         <p:nvPr/>
       </p:nvGrpSpPr>
@@ -31606,7 +32331,7 @@
       </p:grpSpPr>
       <p:sp>
         <p:nvSpPr>
-          <p:cNvPr id="84" name="Google Shape;84;p15"/>
+          <p:cNvPr id="99" name="Google Shape;99;p15"/>
           <p:cNvSpPr txBox="1"/>
           <p:nvPr>
             <p:ph type="title"/>
@@ -31646,7 +32371,7 @@
       </p:sp>
       <p:sp>
         <p:nvSpPr>
-          <p:cNvPr id="85" name="Google Shape;85;p15"/>
+          <p:cNvPr id="100" name="Google Shape;100;p15"/>
           <p:cNvSpPr txBox="1"/>
           <p:nvPr>
             <p:ph idx="12" type="sldNum"/>
@@ -31654,8 +32379,8 @@
         </p:nvSpPr>
         <p:spPr>
           <a:xfrm>
-            <a:off x="7315209" y="4229101"/>
-            <a:ext cx="1828800" cy="914400"/>
+            <a:off x="7315202" y="4416550"/>
+            <a:ext cx="1828800" cy="731400"/>
           </a:xfrm>
           <a:prstGeom prst="rect">
             <a:avLst/>
@@ -31690,29 +32415,36 @@
               <a:spcAft>
                 <a:spcPts val="0"/>
               </a:spcAft>
-              <a:buClr>
-                <a:schemeClr val="dk1"/>
-              </a:buClr>
-              <a:buSzPts val="1100"/>
-              <a:buFont typeface="Arial"/>
-              <a:buNone/>
-            </a:pPr>
-            <a:r>
-              <a:rPr b="0" lang="en" sz="1000" u="sng">
+              <a:buNone/>
+            </a:pPr>
+            <a:r>
+              <a:rPr b="0" lang="en" sz="900" u="sng">
                 <a:solidFill>
                   <a:schemeClr val="hlink"/>
                 </a:solidFill>
                 <a:hlinkClick r:id="rId3"/>
               </a:rPr>
-              <a:t>https://profriehle.com</a:t>
-            </a:r>
-            <a:endParaRPr b="0" sz="1000"/>
+              <a:t>https://oss.cs.fau.de</a:t>
+            </a:r>
+            <a:r>
+              <a:rPr b="0" lang="en" sz="900">
+                <a:solidFill>
+                  <a:schemeClr val="dk2"/>
+                </a:solidFill>
+              </a:rPr>
+              <a:t> </a:t>
+            </a:r>
+            <a:endParaRPr b="0" sz="900">
+              <a:solidFill>
+                <a:schemeClr val="dk2"/>
+              </a:solidFill>
+            </a:endParaRPr>
           </a:p>
         </p:txBody>
       </p:sp>
       <p:pic>
         <p:nvPicPr>
-          <p:cNvPr id="86" name="Google Shape;86;p15"/>
+          <p:cNvPr id="101" name="Google Shape;101;p15"/>
           <p:cNvPicPr preferRelativeResize="0"/>
           <p:nvPr/>
         </p:nvPicPr>
@@ -31727,7 +32459,7 @@
         <p:spPr>
           <a:xfrm>
             <a:off x="274320" y="914400"/>
-            <a:ext cx="8595360" cy="3493598"/>
+            <a:ext cx="8595360" cy="3502840"/>
           </a:xfrm>
           <a:prstGeom prst="rect">
             <a:avLst/>
@@ -31751,7 +32483,7 @@
   <p:cSld>
     <p:spTree>
       <p:nvGrpSpPr>
-        <p:cNvPr id="90" name="Shape 90"/>
+        <p:cNvPr id="105" name="Shape 105"/>
         <p:cNvGrpSpPr/>
         <p:nvPr/>
       </p:nvGrpSpPr>
@@ -31765,7 +32497,7 @@
       </p:grpSpPr>
       <p:sp>
         <p:nvSpPr>
-          <p:cNvPr id="91" name="Google Shape;91;p16"/>
+          <p:cNvPr id="106" name="Google Shape;106;p16"/>
           <p:cNvSpPr txBox="1"/>
           <p:nvPr>
             <p:ph type="title"/>
@@ -31805,7 +32537,7 @@
       </p:sp>
       <p:sp>
         <p:nvSpPr>
-          <p:cNvPr id="92" name="Google Shape;92;p16"/>
+          <p:cNvPr id="107" name="Google Shape;107;p16"/>
           <p:cNvSpPr txBox="1"/>
           <p:nvPr>
             <p:ph idx="1" type="body"/>
@@ -31901,7 +32633,7 @@
       </p:sp>
       <p:sp>
         <p:nvSpPr>
-          <p:cNvPr id="93" name="Google Shape;93;p16"/>
+          <p:cNvPr id="108" name="Google Shape;108;p16"/>
           <p:cNvSpPr txBox="1"/>
           <p:nvPr>
             <p:ph idx="12" type="sldNum"/>
@@ -31909,8 +32641,8 @@
         </p:nvSpPr>
         <p:spPr>
           <a:xfrm>
-            <a:off x="7315209" y="4229101"/>
-            <a:ext cx="1828800" cy="914400"/>
+            <a:off x="7315202" y="4416550"/>
+            <a:ext cx="1828800" cy="731400"/>
           </a:xfrm>
           <a:prstGeom prst="rect">
             <a:avLst/>
@@ -31945,29 +32677,36 @@
               <a:spcAft>
                 <a:spcPts val="0"/>
               </a:spcAft>
-              <a:buClr>
-                <a:schemeClr val="dk1"/>
-              </a:buClr>
-              <a:buSzPts val="1100"/>
-              <a:buFont typeface="Arial"/>
-              <a:buNone/>
-            </a:pPr>
-            <a:r>
-              <a:rPr b="0" lang="en" sz="1000" u="sng">
+              <a:buNone/>
+            </a:pPr>
+            <a:r>
+              <a:rPr b="0" lang="en" sz="900" u="sng">
                 <a:solidFill>
                   <a:schemeClr val="hlink"/>
                 </a:solidFill>
                 <a:hlinkClick r:id="rId3"/>
               </a:rPr>
-              <a:t>https://profriehle.com</a:t>
-            </a:r>
-            <a:endParaRPr b="0" sz="1000"/>
+              <a:t>https://oss.cs.fau.de</a:t>
+            </a:r>
+            <a:r>
+              <a:rPr b="0" lang="en" sz="900">
+                <a:solidFill>
+                  <a:schemeClr val="dk2"/>
+                </a:solidFill>
+              </a:rPr>
+              <a:t> </a:t>
+            </a:r>
+            <a:endParaRPr b="0" sz="900">
+              <a:solidFill>
+                <a:schemeClr val="dk2"/>
+              </a:solidFill>
+            </a:endParaRPr>
           </a:p>
         </p:txBody>
       </p:sp>
       <p:sp>
         <p:nvSpPr>
-          <p:cNvPr id="94" name="Google Shape;94;p16"/>
+          <p:cNvPr id="109" name="Google Shape;109;p16"/>
           <p:cNvSpPr txBox="1"/>
           <p:nvPr/>
         </p:nvSpPr>
@@ -32036,6 +32775,285 @@
 </file>
 
 <file path=ppt/theme/theme1.xml><?xml version="1.0" encoding="utf-8"?>
+<a:theme xmlns:a="http://schemas.openxmlformats.org/drawingml/2006/main" xmlns:r="http://schemas.openxmlformats.org/officeDocument/2006/relationships" name="POSS Slides Template">
+  <a:themeElements>
+    <a:clrScheme name="Simple Light">
+      <a:dk1>
+        <a:srgbClr val="000000"/>
+      </a:dk1>
+      <a:lt1>
+        <a:srgbClr val="FFFFFF"/>
+      </a:lt1>
+      <a:dk2>
+        <a:srgbClr val="404040"/>
+      </a:dk2>
+      <a:lt2>
+        <a:srgbClr val="808080"/>
+      </a:lt2>
+      <a:accent1>
+        <a:srgbClr val="D0D0D0"/>
+      </a:accent1>
+      <a:accent2>
+        <a:srgbClr val="4169E1"/>
+      </a:accent2>
+      <a:accent3>
+        <a:srgbClr val="4CAF50"/>
+      </a:accent3>
+      <a:accent4>
+        <a:srgbClr val="FEB612"/>
+      </a:accent4>
+      <a:accent5>
+        <a:srgbClr val="F36838"/>
+      </a:accent5>
+      <a:accent6>
+        <a:srgbClr val="8E44AD"/>
+      </a:accent6>
+      <a:hlink>
+        <a:srgbClr val="1E90FF"/>
+      </a:hlink>
+      <a:folHlink>
+        <a:srgbClr val="0097A7"/>
+      </a:folHlink>
+    </a:clrScheme>
+    <a:fontScheme name="Office">
+      <a:majorFont>
+        <a:latin typeface="Arial"/>
+        <a:ea typeface=""/>
+        <a:cs typeface=""/>
+        <a:font script="Jpan" typeface="ＭＳ Ｐゴシック"/>
+        <a:font script="Hang" typeface="맑은 고딕"/>
+        <a:font script="Hans" typeface="宋体"/>
+        <a:font script="Hant" typeface="新細明體"/>
+        <a:font script="Arab" typeface="Times New Roman"/>
+        <a:font script="Hebr" typeface="Times New Roman"/>
+        <a:font script="Thai" typeface="Angsana New"/>
+        <a:font script="Ethi" typeface="Nyala"/>
+        <a:font script="Beng" typeface="Vrinda"/>
+        <a:font script="Gujr" typeface="Shruti"/>
+        <a:font script="Khmr" typeface="MoolBoran"/>
+        <a:font script="Knda" typeface="Tunga"/>
+        <a:font script="Guru" typeface="Raavi"/>
+        <a:font script="Cans" typeface="Euphemia"/>
+        <a:font script="Cher" typeface="Plantagenet Cherokee"/>
+        <a:font script="Yiii" typeface="Microsoft Yi Baiti"/>
+        <a:font script="Tibt" typeface="Microsoft Himalaya"/>
+        <a:font script="Thaa" typeface="MV Boli"/>
+        <a:font script="Deva" typeface="Mangal"/>
+        <a:font script="Telu" typeface="Gautami"/>
+        <a:font script="Taml" typeface="Latha"/>
+        <a:font script="Syrc" typeface="Estrangelo Edessa"/>
+        <a:font script="Orya" typeface="Kalinga"/>
+        <a:font script="Mlym" typeface="Kartika"/>
+        <a:font script="Laoo" typeface="DokChampa"/>
+        <a:font script="Sinh" typeface="Iskoola Pota"/>
+        <a:font script="Mong" typeface="Mongolian Baiti"/>
+        <a:font script="Viet" typeface="Times New Roman"/>
+        <a:font script="Uigh" typeface="Microsoft Uighur"/>
+        <a:font script="Geor" typeface="Sylfaen"/>
+      </a:majorFont>
+      <a:minorFont>
+        <a:latin typeface="Arial"/>
+        <a:ea typeface=""/>
+        <a:cs typeface=""/>
+        <a:font script="Jpan" typeface="ＭＳ Ｐゴシック"/>
+        <a:font script="Hang" typeface="맑은 고딕"/>
+        <a:font script="Hans" typeface="宋体"/>
+        <a:font script="Hant" typeface="新細明體"/>
+        <a:font script="Arab" typeface="Arial"/>
+        <a:font script="Hebr" typeface="Arial"/>
+        <a:font script="Thai" typeface="Cordia New"/>
+        <a:font script="Ethi" typeface="Nyala"/>
+        <a:font script="Beng" typeface="Vrinda"/>
+        <a:font script="Gujr" typeface="Shruti"/>
+        <a:font script="Khmr" typeface="DaunPenh"/>
+        <a:font script="Knda" typeface="Tunga"/>
+        <a:font script="Guru" typeface="Raavi"/>
+        <a:font script="Cans" typeface="Euphemia"/>
+        <a:font script="Cher" typeface="Plantagenet Cherokee"/>
+        <a:font script="Yiii" typeface="Microsoft Yi Baiti"/>
+        <a:font script="Tibt" typeface="Microsoft Himalaya"/>
+        <a:font script="Thaa" typeface="MV Boli"/>
+        <a:font script="Deva" typeface="Mangal"/>
+        <a:font script="Telu" typeface="Gautami"/>
+        <a:font script="Taml" typeface="Latha"/>
+        <a:font script="Syrc" typeface="Estrangelo Edessa"/>
+        <a:font script="Orya" typeface="Kalinga"/>
+        <a:font script="Mlym" typeface="Kartika"/>
+        <a:font script="Laoo" typeface="DokChampa"/>
+        <a:font script="Sinh" typeface="Iskoola Pota"/>
+        <a:font script="Mong" typeface="Mongolian Baiti"/>
+        <a:font script="Viet" typeface="Arial"/>
+        <a:font script="Uigh" typeface="Microsoft Uighur"/>
+        <a:font script="Geor" typeface="Sylfaen"/>
+      </a:minorFont>
+    </a:fontScheme>
+    <a:fmtScheme name="Office">
+      <a:fillStyleLst>
+        <a:solidFill>
+          <a:schemeClr val="phClr"/>
+        </a:solidFill>
+        <a:gradFill rotWithShape="1">
+          <a:gsLst>
+            <a:gs pos="0">
+              <a:schemeClr val="phClr">
+                <a:tint val="50000"/>
+                <a:satMod val="300000"/>
+              </a:schemeClr>
+            </a:gs>
+            <a:gs pos="35000">
+              <a:schemeClr val="phClr">
+                <a:tint val="37000"/>
+                <a:satMod val="300000"/>
+              </a:schemeClr>
+            </a:gs>
+            <a:gs pos="100000">
+              <a:schemeClr val="phClr">
+                <a:tint val="15000"/>
+                <a:satMod val="350000"/>
+              </a:schemeClr>
+            </a:gs>
+          </a:gsLst>
+          <a:lin ang="16200000" scaled="1"/>
+        </a:gradFill>
+        <a:gradFill rotWithShape="1">
+          <a:gsLst>
+            <a:gs pos="0">
+              <a:schemeClr val="phClr">
+                <a:tint val="100000"/>
+                <a:shade val="100000"/>
+                <a:satMod val="130000"/>
+              </a:schemeClr>
+            </a:gs>
+            <a:gs pos="100000">
+              <a:schemeClr val="phClr">
+                <a:tint val="50000"/>
+                <a:shade val="100000"/>
+                <a:satMod val="350000"/>
+              </a:schemeClr>
+            </a:gs>
+          </a:gsLst>
+          <a:lin ang="16200000" scaled="0"/>
+        </a:gradFill>
+      </a:fillStyleLst>
+      <a:lnStyleLst>
+        <a:ln w="9525" cap="flat" cmpd="sng" algn="ctr">
+          <a:solidFill>
+            <a:schemeClr val="phClr">
+              <a:shade val="95000"/>
+              <a:satMod val="105000"/>
+            </a:schemeClr>
+          </a:solidFill>
+          <a:prstDash val="solid"/>
+        </a:ln>
+        <a:ln w="25400" cap="flat" cmpd="sng" algn="ctr">
+          <a:solidFill>
+            <a:schemeClr val="phClr"/>
+          </a:solidFill>
+          <a:prstDash val="solid"/>
+        </a:ln>
+        <a:ln w="38100" cap="flat" cmpd="sng" algn="ctr">
+          <a:solidFill>
+            <a:schemeClr val="phClr"/>
+          </a:solidFill>
+          <a:prstDash val="solid"/>
+        </a:ln>
+      </a:lnStyleLst>
+      <a:effectStyleLst>
+        <a:effectStyle>
+          <a:effectLst>
+            <a:outerShdw blurRad="40000" dist="20000" dir="5400000" rotWithShape="0">
+              <a:srgbClr val="000000">
+                <a:alpha val="38000"/>
+              </a:srgbClr>
+            </a:outerShdw>
+          </a:effectLst>
+        </a:effectStyle>
+        <a:effectStyle>
+          <a:effectLst>
+            <a:outerShdw blurRad="40000" dist="23000" dir="5400000" rotWithShape="0">
+              <a:srgbClr val="000000">
+                <a:alpha val="35000"/>
+              </a:srgbClr>
+            </a:outerShdw>
+          </a:effectLst>
+        </a:effectStyle>
+        <a:effectStyle>
+          <a:effectLst>
+            <a:outerShdw blurRad="40000" dist="23000" dir="5400000" rotWithShape="0">
+              <a:srgbClr val="000000">
+                <a:alpha val="35000"/>
+              </a:srgbClr>
+            </a:outerShdw>
+          </a:effectLst>
+          <a:scene3d>
+            <a:camera prst="orthographicFront">
+              <a:rot lat="0" lon="0" rev="0"/>
+            </a:camera>
+            <a:lightRig rig="threePt" dir="t">
+              <a:rot lat="0" lon="0" rev="1200000"/>
+            </a:lightRig>
+          </a:scene3d>
+          <a:sp3d>
+            <a:bevelT w="63500" h="25400"/>
+          </a:sp3d>
+        </a:effectStyle>
+      </a:effectStyleLst>
+      <a:bgFillStyleLst>
+        <a:solidFill>
+          <a:schemeClr val="phClr"/>
+        </a:solidFill>
+        <a:gradFill rotWithShape="1">
+          <a:gsLst>
+            <a:gs pos="0">
+              <a:schemeClr val="phClr">
+                <a:tint val="40000"/>
+                <a:satMod val="350000"/>
+              </a:schemeClr>
+            </a:gs>
+            <a:gs pos="40000">
+              <a:schemeClr val="phClr">
+                <a:tint val="45000"/>
+                <a:shade val="99000"/>
+                <a:satMod val="350000"/>
+              </a:schemeClr>
+            </a:gs>
+            <a:gs pos="100000">
+              <a:schemeClr val="phClr">
+                <a:shade val="20000"/>
+                <a:satMod val="255000"/>
+              </a:schemeClr>
+            </a:gs>
+          </a:gsLst>
+          <a:path path="circle">
+            <a:fillToRect l="50000" t="-80000" r="50000" b="180000"/>
+          </a:path>
+        </a:gradFill>
+        <a:gradFill rotWithShape="1">
+          <a:gsLst>
+            <a:gs pos="0">
+              <a:schemeClr val="phClr">
+                <a:tint val="80000"/>
+                <a:satMod val="300000"/>
+              </a:schemeClr>
+            </a:gs>
+            <a:gs pos="100000">
+              <a:schemeClr val="phClr">
+                <a:shade val="30000"/>
+                <a:satMod val="200000"/>
+              </a:schemeClr>
+            </a:gs>
+          </a:gsLst>
+          <a:path path="circle">
+            <a:fillToRect l="50000" t="50000" r="50000" b="50000"/>
+          </a:path>
+        </a:gradFill>
+      </a:bgFillStyleLst>
+    </a:fmtScheme>
+  </a:themeElements>
+</a:theme>
+</file>
+
+<file path=ppt/theme/theme2.xml><?xml version="1.0" encoding="utf-8"?>
 <a:theme xmlns:a="http://schemas.openxmlformats.org/drawingml/2006/main" xmlns:r="http://schemas.openxmlformats.org/officeDocument/2006/relationships">
   <a:themeElements>
     <a:clrScheme name="Default">
@@ -32312,283 +33330,4 @@
     </a:fmtScheme>
   </a:themeElements>
 </a:theme>
-</file>
-
-<file path=ppt/theme/theme2.xml><?xml version="1.0" encoding="utf-8"?>
-<a:theme xmlns:a="http://schemas.openxmlformats.org/drawingml/2006/main" xmlns:r="http://schemas.openxmlformats.org/officeDocument/2006/relationships" name="ADAP Slides Template">
-  <a:themeElements>
-    <a:clrScheme name="Simple Light">
-      <a:dk1>
-        <a:srgbClr val="000000"/>
-      </a:dk1>
-      <a:lt1>
-        <a:srgbClr val="FFFFFF"/>
-      </a:lt1>
-      <a:dk2>
-        <a:srgbClr val="404040"/>
-      </a:dk2>
-      <a:lt2>
-        <a:srgbClr val="808080"/>
-      </a:lt2>
-      <a:accent1>
-        <a:srgbClr val="D0D0D0"/>
-      </a:accent1>
-      <a:accent2>
-        <a:srgbClr val="4169E1"/>
-      </a:accent2>
-      <a:accent3>
-        <a:srgbClr val="D50D01"/>
-      </a:accent3>
-      <a:accent4>
-        <a:srgbClr val="FEB612"/>
-      </a:accent4>
-      <a:accent5>
-        <a:srgbClr val="4CAF50"/>
-      </a:accent5>
-      <a:accent6>
-        <a:srgbClr val="8E44AD"/>
-      </a:accent6>
-      <a:hlink>
-        <a:srgbClr val="34A3C5"/>
-      </a:hlink>
-      <a:folHlink>
-        <a:srgbClr val="0097A7"/>
-      </a:folHlink>
-    </a:clrScheme>
-    <a:fontScheme name="Office">
-      <a:majorFont>
-        <a:latin typeface="Arial"/>
-        <a:ea typeface=""/>
-        <a:cs typeface=""/>
-        <a:font script="Jpan" typeface="ＭＳ Ｐゴシック"/>
-        <a:font script="Hang" typeface="맑은 고딕"/>
-        <a:font script="Hans" typeface="宋体"/>
-        <a:font script="Hant" typeface="新細明體"/>
-        <a:font script="Arab" typeface="Times New Roman"/>
-        <a:font script="Hebr" typeface="Times New Roman"/>
-        <a:font script="Thai" typeface="Angsana New"/>
-        <a:font script="Ethi" typeface="Nyala"/>
-        <a:font script="Beng" typeface="Vrinda"/>
-        <a:font script="Gujr" typeface="Shruti"/>
-        <a:font script="Khmr" typeface="MoolBoran"/>
-        <a:font script="Knda" typeface="Tunga"/>
-        <a:font script="Guru" typeface="Raavi"/>
-        <a:font script="Cans" typeface="Euphemia"/>
-        <a:font script="Cher" typeface="Plantagenet Cherokee"/>
-        <a:font script="Yiii" typeface="Microsoft Yi Baiti"/>
-        <a:font script="Tibt" typeface="Microsoft Himalaya"/>
-        <a:font script="Thaa" typeface="MV Boli"/>
-        <a:font script="Deva" typeface="Mangal"/>
-        <a:font script="Telu" typeface="Gautami"/>
-        <a:font script="Taml" typeface="Latha"/>
-        <a:font script="Syrc" typeface="Estrangelo Edessa"/>
-        <a:font script="Orya" typeface="Kalinga"/>
-        <a:font script="Mlym" typeface="Kartika"/>
-        <a:font script="Laoo" typeface="DokChampa"/>
-        <a:font script="Sinh" typeface="Iskoola Pota"/>
-        <a:font script="Mong" typeface="Mongolian Baiti"/>
-        <a:font script="Viet" typeface="Times New Roman"/>
-        <a:font script="Uigh" typeface="Microsoft Uighur"/>
-        <a:font script="Geor" typeface="Sylfaen"/>
-      </a:majorFont>
-      <a:minorFont>
-        <a:latin typeface="Arial"/>
-        <a:ea typeface=""/>
-        <a:cs typeface=""/>
-        <a:font script="Jpan" typeface="ＭＳ Ｐゴシック"/>
-        <a:font script="Hang" typeface="맑은 고딕"/>
-        <a:font script="Hans" typeface="宋体"/>
-        <a:font script="Hant" typeface="新細明體"/>
-        <a:font script="Arab" typeface="Arial"/>
-        <a:font script="Hebr" typeface="Arial"/>
-        <a:font script="Thai" typeface="Cordia New"/>
-        <a:font script="Ethi" typeface="Nyala"/>
-        <a:font script="Beng" typeface="Vrinda"/>
-        <a:font script="Gujr" typeface="Shruti"/>
-        <a:font script="Khmr" typeface="DaunPenh"/>
-        <a:font script="Knda" typeface="Tunga"/>
-        <a:font script="Guru" typeface="Raavi"/>
-        <a:font script="Cans" typeface="Euphemia"/>
-        <a:font script="Cher" typeface="Plantagenet Cherokee"/>
-        <a:font script="Yiii" typeface="Microsoft Yi Baiti"/>
-        <a:font script="Tibt" typeface="Microsoft Himalaya"/>
-        <a:font script="Thaa" typeface="MV Boli"/>
-        <a:font script="Deva" typeface="Mangal"/>
-        <a:font script="Telu" typeface="Gautami"/>
-        <a:font script="Taml" typeface="Latha"/>
-        <a:font script="Syrc" typeface="Estrangelo Edessa"/>
-        <a:font script="Orya" typeface="Kalinga"/>
-        <a:font script="Mlym" typeface="Kartika"/>
-        <a:font script="Laoo" typeface="DokChampa"/>
-        <a:font script="Sinh" typeface="Iskoola Pota"/>
-        <a:font script="Mong" typeface="Mongolian Baiti"/>
-        <a:font script="Viet" typeface="Arial"/>
-        <a:font script="Uigh" typeface="Microsoft Uighur"/>
-        <a:font script="Geor" typeface="Sylfaen"/>
-      </a:minorFont>
-    </a:fontScheme>
-    <a:fmtScheme name="Office">
-      <a:fillStyleLst>
-        <a:solidFill>
-          <a:schemeClr val="phClr"/>
-        </a:solidFill>
-        <a:gradFill rotWithShape="1">
-          <a:gsLst>
-            <a:gs pos="0">
-              <a:schemeClr val="phClr">
-                <a:tint val="50000"/>
-                <a:satMod val="300000"/>
-              </a:schemeClr>
-            </a:gs>
-            <a:gs pos="35000">
-              <a:schemeClr val="phClr">
-                <a:tint val="37000"/>
-                <a:satMod val="300000"/>
-              </a:schemeClr>
-            </a:gs>
-            <a:gs pos="100000">
-              <a:schemeClr val="phClr">
-                <a:tint val="15000"/>
-                <a:satMod val="350000"/>
-              </a:schemeClr>
-            </a:gs>
-          </a:gsLst>
-          <a:lin ang="16200000" scaled="1"/>
-        </a:gradFill>
-        <a:gradFill rotWithShape="1">
-          <a:gsLst>
-            <a:gs pos="0">
-              <a:schemeClr val="phClr">
-                <a:tint val="100000"/>
-                <a:shade val="100000"/>
-                <a:satMod val="130000"/>
-              </a:schemeClr>
-            </a:gs>
-            <a:gs pos="100000">
-              <a:schemeClr val="phClr">
-                <a:tint val="50000"/>
-                <a:shade val="100000"/>
-                <a:satMod val="350000"/>
-              </a:schemeClr>
-            </a:gs>
-          </a:gsLst>
-          <a:lin ang="16200000" scaled="0"/>
-        </a:gradFill>
-      </a:fillStyleLst>
-      <a:lnStyleLst>
-        <a:ln w="9525" cap="flat" cmpd="sng" algn="ctr">
-          <a:solidFill>
-            <a:schemeClr val="phClr">
-              <a:shade val="95000"/>
-              <a:satMod val="105000"/>
-            </a:schemeClr>
-          </a:solidFill>
-          <a:prstDash val="solid"/>
-        </a:ln>
-        <a:ln w="25400" cap="flat" cmpd="sng" algn="ctr">
-          <a:solidFill>
-            <a:schemeClr val="phClr"/>
-          </a:solidFill>
-          <a:prstDash val="solid"/>
-        </a:ln>
-        <a:ln w="38100" cap="flat" cmpd="sng" algn="ctr">
-          <a:solidFill>
-            <a:schemeClr val="phClr"/>
-          </a:solidFill>
-          <a:prstDash val="solid"/>
-        </a:ln>
-      </a:lnStyleLst>
-      <a:effectStyleLst>
-        <a:effectStyle>
-          <a:effectLst>
-            <a:outerShdw blurRad="40000" dist="20000" dir="5400000" rotWithShape="0">
-              <a:srgbClr val="000000">
-                <a:alpha val="38000"/>
-              </a:srgbClr>
-            </a:outerShdw>
-          </a:effectLst>
-        </a:effectStyle>
-        <a:effectStyle>
-          <a:effectLst>
-            <a:outerShdw blurRad="40000" dist="23000" dir="5400000" rotWithShape="0">
-              <a:srgbClr val="000000">
-                <a:alpha val="35000"/>
-              </a:srgbClr>
-            </a:outerShdw>
-          </a:effectLst>
-        </a:effectStyle>
-        <a:effectStyle>
-          <a:effectLst>
-            <a:outerShdw blurRad="40000" dist="23000" dir="5400000" rotWithShape="0">
-              <a:srgbClr val="000000">
-                <a:alpha val="35000"/>
-              </a:srgbClr>
-            </a:outerShdw>
-          </a:effectLst>
-          <a:scene3d>
-            <a:camera prst="orthographicFront">
-              <a:rot lat="0" lon="0" rev="0"/>
-            </a:camera>
-            <a:lightRig rig="threePt" dir="t">
-              <a:rot lat="0" lon="0" rev="1200000"/>
-            </a:lightRig>
-          </a:scene3d>
-          <a:sp3d>
-            <a:bevelT w="63500" h="25400"/>
-          </a:sp3d>
-        </a:effectStyle>
-      </a:effectStyleLst>
-      <a:bgFillStyleLst>
-        <a:solidFill>
-          <a:schemeClr val="phClr"/>
-        </a:solidFill>
-        <a:gradFill rotWithShape="1">
-          <a:gsLst>
-            <a:gs pos="0">
-              <a:schemeClr val="phClr">
-                <a:tint val="40000"/>
-                <a:satMod val="350000"/>
-              </a:schemeClr>
-            </a:gs>
-            <a:gs pos="40000">
-              <a:schemeClr val="phClr">
-                <a:tint val="45000"/>
-                <a:shade val="99000"/>
-                <a:satMod val="350000"/>
-              </a:schemeClr>
-            </a:gs>
-            <a:gs pos="100000">
-              <a:schemeClr val="phClr">
-                <a:shade val="20000"/>
-                <a:satMod val="255000"/>
-              </a:schemeClr>
-            </a:gs>
-          </a:gsLst>
-          <a:path path="circle">
-            <a:fillToRect l="50000" t="-80000" r="50000" b="180000"/>
-          </a:path>
-        </a:gradFill>
-        <a:gradFill rotWithShape="1">
-          <a:gsLst>
-            <a:gs pos="0">
-              <a:schemeClr val="phClr">
-                <a:tint val="80000"/>
-                <a:satMod val="300000"/>
-              </a:schemeClr>
-            </a:gs>
-            <a:gs pos="100000">
-              <a:schemeClr val="phClr">
-                <a:shade val="30000"/>
-                <a:satMod val="200000"/>
-              </a:schemeClr>
-            </a:gs>
-          </a:gsLst>
-          <a:path path="circle">
-            <a:fillToRect l="50000" t="50000" r="50000" b="50000"/>
-          </a:path>
-        </a:gradFill>
-      </a:bgFillStyleLst>
-    </a:fmtScheme>
-  </a:themeElements>
-</a:theme>
 </file>
--- a/Lecture slides/ADAP B06 - Value Objects.pptx
+++ b/Lecture slides/ADAP B06 - Value Objects.pptx
@@ -2,53 +2,53 @@
 <file path=ppt/presentation.xml><?xml version="1.0" encoding="utf-8"?>
 <p:presentation xmlns:a="http://schemas.openxmlformats.org/drawingml/2006/main" xmlns:r="http://schemas.openxmlformats.org/officeDocument/2006/relationships" xmlns:mc="http://schemas.openxmlformats.org/markup-compatibility/2006" xmlns:mv="urn:schemas-microsoft-com:mac:vml" xmlns:p="http://schemas.openxmlformats.org/presentationml/2006/main" xmlns:c="http://schemas.openxmlformats.org/drawingml/2006/chart" xmlns:dgm="http://schemas.openxmlformats.org/drawingml/2006/diagram" xmlns:o="urn:schemas-microsoft-com:office:office" xmlns:v="urn:schemas-microsoft-com:vml" xmlns:pvml="urn:schemas-microsoft-com:office:powerpoint" xmlns:com="http://schemas.openxmlformats.org/drawingml/2006/compatibility" xmlns:p14="http://schemas.microsoft.com/office/powerpoint/2010/main" xmlns:p15="http://schemas.microsoft.com/office/powerpoint/2012/main" xmlns:ahyp="http://schemas.microsoft.com/office/drawing/2018/hyperlinkcolor" autoCompressPictures="0" strictFirstAndLastChars="0" saveSubsetFonts="1" showSpecialPlsOnTitleSld="0">
   <p:sldMasterIdLst>
-    <p:sldMasterId id="2147483654" r:id="rId5"/>
+    <p:sldMasterId id="2147483654" r:id="rId6"/>
   </p:sldMasterIdLst>
   <p:notesMasterIdLst>
-    <p:notesMasterId r:id="rId6"/>
+    <p:notesMasterId r:id="rId7"/>
   </p:notesMasterIdLst>
   <p:sldIdLst>
-    <p:sldId id="256" r:id="rId7"/>
-    <p:sldId id="257" r:id="rId8"/>
-    <p:sldId id="258" r:id="rId9"/>
-    <p:sldId id="259" r:id="rId10"/>
-    <p:sldId id="260" r:id="rId11"/>
-    <p:sldId id="261" r:id="rId12"/>
-    <p:sldId id="262" r:id="rId13"/>
-    <p:sldId id="263" r:id="rId14"/>
-    <p:sldId id="264" r:id="rId15"/>
-    <p:sldId id="265" r:id="rId16"/>
-    <p:sldId id="266" r:id="rId17"/>
-    <p:sldId id="267" r:id="rId18"/>
-    <p:sldId id="268" r:id="rId19"/>
-    <p:sldId id="269" r:id="rId20"/>
-    <p:sldId id="270" r:id="rId21"/>
-    <p:sldId id="271" r:id="rId22"/>
-    <p:sldId id="272" r:id="rId23"/>
-    <p:sldId id="273" r:id="rId24"/>
-    <p:sldId id="274" r:id="rId25"/>
-    <p:sldId id="275" r:id="rId26"/>
-    <p:sldId id="276" r:id="rId27"/>
-    <p:sldId id="277" r:id="rId28"/>
-    <p:sldId id="278" r:id="rId29"/>
-    <p:sldId id="279" r:id="rId30"/>
-    <p:sldId id="280" r:id="rId31"/>
-    <p:sldId id="281" r:id="rId32"/>
-    <p:sldId id="282" r:id="rId33"/>
-    <p:sldId id="283" r:id="rId34"/>
-    <p:sldId id="284" r:id="rId35"/>
-    <p:sldId id="285" r:id="rId36"/>
-    <p:sldId id="286" r:id="rId37"/>
-    <p:sldId id="287" r:id="rId38"/>
-    <p:sldId id="288" r:id="rId39"/>
-    <p:sldId id="289" r:id="rId40"/>
-    <p:sldId id="290" r:id="rId41"/>
-    <p:sldId id="291" r:id="rId42"/>
-    <p:sldId id="292" r:id="rId43"/>
-    <p:sldId id="293" r:id="rId44"/>
-    <p:sldId id="294" r:id="rId45"/>
-    <p:sldId id="295" r:id="rId46"/>
-    <p:sldId id="296" r:id="rId47"/>
+    <p:sldId id="256" r:id="rId8"/>
+    <p:sldId id="257" r:id="rId9"/>
+    <p:sldId id="258" r:id="rId10"/>
+    <p:sldId id="259" r:id="rId11"/>
+    <p:sldId id="260" r:id="rId12"/>
+    <p:sldId id="261" r:id="rId13"/>
+    <p:sldId id="262" r:id="rId14"/>
+    <p:sldId id="263" r:id="rId15"/>
+    <p:sldId id="264" r:id="rId16"/>
+    <p:sldId id="265" r:id="rId17"/>
+    <p:sldId id="266" r:id="rId18"/>
+    <p:sldId id="267" r:id="rId19"/>
+    <p:sldId id="268" r:id="rId20"/>
+    <p:sldId id="269" r:id="rId21"/>
+    <p:sldId id="270" r:id="rId22"/>
+    <p:sldId id="271" r:id="rId23"/>
+    <p:sldId id="272" r:id="rId24"/>
+    <p:sldId id="273" r:id="rId25"/>
+    <p:sldId id="274" r:id="rId26"/>
+    <p:sldId id="275" r:id="rId27"/>
+    <p:sldId id="276" r:id="rId28"/>
+    <p:sldId id="277" r:id="rId29"/>
+    <p:sldId id="278" r:id="rId30"/>
+    <p:sldId id="279" r:id="rId31"/>
+    <p:sldId id="280" r:id="rId32"/>
+    <p:sldId id="281" r:id="rId33"/>
+    <p:sldId id="282" r:id="rId34"/>
+    <p:sldId id="283" r:id="rId35"/>
+    <p:sldId id="284" r:id="rId36"/>
+    <p:sldId id="285" r:id="rId37"/>
+    <p:sldId id="286" r:id="rId38"/>
+    <p:sldId id="287" r:id="rId39"/>
+    <p:sldId id="288" r:id="rId40"/>
+    <p:sldId id="289" r:id="rId41"/>
+    <p:sldId id="290" r:id="rId42"/>
+    <p:sldId id="291" r:id="rId43"/>
+    <p:sldId id="292" r:id="rId44"/>
+    <p:sldId id="293" r:id="rId45"/>
+    <p:sldId id="294" r:id="rId46"/>
+    <p:sldId id="295" r:id="rId47"/>
+    <p:sldId id="296" r:id="rId48"/>
   </p:sldIdLst>
   <p:sldSz cy="5143500" cx="9144000"/>
   <p:notesSz cx="6858000" cy="9144000"/>
@@ -298,6 +298,21 @@
     </p:ext>
   </p:extLst>
 </p:presentation>
+</file>
+
+<file path=ppt/commentAuthors.xml><?xml version="1.0" encoding="utf-8"?>
+<p:cmAuthorLst xmlns:a="http://schemas.openxmlformats.org/drawingml/2006/main" xmlns:r="http://schemas.openxmlformats.org/officeDocument/2006/relationships" xmlns:mc="http://schemas.openxmlformats.org/markup-compatibility/2006" xmlns:mv="urn:schemas-microsoft-com:mac:vml" xmlns:p="http://schemas.openxmlformats.org/presentationml/2006/main" xmlns:c="http://schemas.openxmlformats.org/drawingml/2006/chart" xmlns:dgm="http://schemas.openxmlformats.org/drawingml/2006/diagram" xmlns:o="urn:schemas-microsoft-com:office:office" xmlns:v="urn:schemas-microsoft-com:vml" xmlns:pvml="urn:schemas-microsoft-com:office:powerpoint" xmlns:com="http://schemas.openxmlformats.org/drawingml/2006/compatibility" xmlns:p14="http://schemas.microsoft.com/office/powerpoint/2010/main" xmlns:p15="http://schemas.microsoft.com/office/powerpoint/2012/main" xmlns:ahyp="http://schemas.microsoft.com/office/drawing/2018/hyperlinkcolor">
+  <p:cmAuthor clrIdx="0" id="0" initials="" lastIdx="1" name="Dirk RIEHLE"/>
+</p:cmAuthorLst>
+</file>
+
+<file path=ppt/comments/comment1.xml><?xml version="1.0" encoding="utf-8"?>
+<p:cmLst xmlns:a="http://schemas.openxmlformats.org/drawingml/2006/main" xmlns:r="http://schemas.openxmlformats.org/officeDocument/2006/relationships" xmlns:mc="http://schemas.openxmlformats.org/markup-compatibility/2006" xmlns:mv="urn:schemas-microsoft-com:mac:vml" xmlns:p="http://schemas.openxmlformats.org/presentationml/2006/main" xmlns:c="http://schemas.openxmlformats.org/drawingml/2006/chart" xmlns:dgm="http://schemas.openxmlformats.org/drawingml/2006/diagram" xmlns:o="urn:schemas-microsoft-com:office:office" xmlns:v="urn:schemas-microsoft-com:vml" xmlns:pvml="urn:schemas-microsoft-com:office:powerpoint" xmlns:com="http://schemas.openxmlformats.org/drawingml/2006/compatibility" xmlns:p14="http://schemas.microsoft.com/office/powerpoint/2010/main" xmlns:p15="http://schemas.microsoft.com/office/powerpoint/2012/main" xmlns:ahyp="http://schemas.microsoft.com/office/drawing/2018/hyperlinkcolor">
+  <p:cm authorId="0" idx="1" dt="2025-12-08T16:39:19.022">
+    <p:pos x="172" y="1267"/>
+    <p:text>fIX</p:text>
+  </p:cm>
+</p:cmLst>
 </file>
 
 <file path=ppt/notesMasters/notesMaster1.xml><?xml version="1.0" encoding="utf-8"?>
@@ -2824,7 +2839,7 @@
       </p:grpSpPr>
       <p:sp>
         <p:nvSpPr>
-          <p:cNvPr id="239" name="Google Shape;239;g31a858c3ec1_0_88:notes"/>
+          <p:cNvPr id="239" name="Google Shape;239;g31a858c3ec1_0_96:notes"/>
           <p:cNvSpPr/>
           <p:nvPr>
             <p:ph idx="2" type="sldImg"/>
@@ -2859,7 +2874,7 @@
       </p:sp>
       <p:sp>
         <p:nvSpPr>
-          <p:cNvPr id="240" name="Google Shape;240;g31a858c3ec1_0_88:notes"/>
+          <p:cNvPr id="240" name="Google Shape;240;g31a858c3ec1_0_96:notes"/>
           <p:cNvSpPr txBox="1"/>
           <p:nvPr>
             <p:ph idx="1" type="body"/>
@@ -3022,7 +3037,7 @@
       </p:grpSpPr>
       <p:sp>
         <p:nvSpPr>
-          <p:cNvPr id="246" name="Google Shape;246;g31a858c3ec1_0_96:notes"/>
+          <p:cNvPr id="246" name="Google Shape;246;g31a858c3ec1_0_88:notes"/>
           <p:cNvSpPr/>
           <p:nvPr>
             <p:ph idx="2" type="sldImg"/>
@@ -3057,7 +3072,7 @@
       </p:sp>
       <p:sp>
         <p:nvSpPr>
-          <p:cNvPr id="247" name="Google Shape;247;g31a858c3ec1_0_96:notes"/>
+          <p:cNvPr id="247" name="Google Shape;247;g31a858c3ec1_0_88:notes"/>
           <p:cNvSpPr txBox="1"/>
           <p:nvPr>
             <p:ph idx="1" type="body"/>
@@ -16185,7 +16200,7 @@
             </a:pPr>
             <a:r>
               <a:rPr lang="en"/>
-              <a:t>Introducing QuantityUnit</a:t>
+              <a:t>Base Units of the Metric System</a:t>
             </a:r>
             <a:endParaRPr/>
           </a:p>
@@ -16264,240 +16279,9 @@
           </a:p>
         </p:txBody>
       </p:sp>
-      <p:pic>
-        <p:nvPicPr>
-          <p:cNvPr id="244" name="Google Shape;244;p36"/>
-          <p:cNvPicPr preferRelativeResize="0"/>
-          <p:nvPr/>
-        </p:nvPicPr>
-        <p:blipFill>
-          <a:blip r:embed="rId4">
-            <a:alphaModFix/>
-          </a:blip>
-          <a:stretch>
-            <a:fillRect/>
-          </a:stretch>
-        </p:blipFill>
-        <p:spPr>
-          <a:xfrm>
-            <a:off x="274320" y="914400"/>
-            <a:ext cx="8595360" cy="3502840"/>
-          </a:xfrm>
-          <a:prstGeom prst="rect">
-            <a:avLst/>
-          </a:prstGeom>
-          <a:noFill/>
-          <a:ln>
-            <a:noFill/>
-          </a:ln>
-        </p:spPr>
-      </p:pic>
-    </p:spTree>
-  </p:cSld>
-  <p:clrMapOvr>
-    <a:masterClrMapping/>
-  </p:clrMapOvr>
-</p:sld>
-</file>
-
-<file path=ppt/slides/slide3.xml><?xml version="1.0" encoding="utf-8"?>
-<p:sld xmlns:a="http://schemas.openxmlformats.org/drawingml/2006/main" xmlns:r="http://schemas.openxmlformats.org/officeDocument/2006/relationships" xmlns:mc="http://schemas.openxmlformats.org/markup-compatibility/2006" xmlns:mv="urn:schemas-microsoft-com:mac:vml" xmlns:p="http://schemas.openxmlformats.org/presentationml/2006/main" xmlns:c="http://schemas.openxmlformats.org/drawingml/2006/chart" xmlns:dgm="http://schemas.openxmlformats.org/drawingml/2006/diagram" xmlns:o="urn:schemas-microsoft-com:office:office" xmlns:v="urn:schemas-microsoft-com:vml" xmlns:pvml="urn:schemas-microsoft-com:office:powerpoint" xmlns:com="http://schemas.openxmlformats.org/drawingml/2006/compatibility" xmlns:p14="http://schemas.microsoft.com/office/powerpoint/2010/main" xmlns:p15="http://schemas.microsoft.com/office/powerpoint/2012/main" xmlns:ahyp="http://schemas.microsoft.com/office/drawing/2018/hyperlinkcolor">
-  <p:cSld>
-    <p:spTree>
-      <p:nvGrpSpPr>
-        <p:cNvPr id="63" name="Shape 63"/>
-        <p:cNvGrpSpPr/>
-        <p:nvPr/>
-      </p:nvGrpSpPr>
-      <p:grpSpPr>
-        <a:xfrm>
-          <a:off x="0" y="0"/>
-          <a:ext cx="0" cy="0"/>
-          <a:chOff x="0" y="0"/>
-          <a:chExt cx="0" cy="0"/>
-        </a:xfrm>
-      </p:grpSpPr>
-      <p:sp>
-        <p:nvSpPr>
-          <p:cNvPr id="64" name="Google Shape;64;p10"/>
-          <p:cNvSpPr txBox="1"/>
-          <p:nvPr>
-            <p:ph type="title"/>
-          </p:nvPr>
-        </p:nvSpPr>
-        <p:spPr>
-          <a:xfrm>
-            <a:off x="0" y="-7"/>
-            <a:ext cx="9144000" cy="2386500"/>
-          </a:xfrm>
-          <a:prstGeom prst="rect">
-            <a:avLst/>
-          </a:prstGeom>
-        </p:spPr>
-        <p:txBody>
-          <a:bodyPr anchorCtr="0" anchor="b" bIns="274300" lIns="91425" spcFirstLastPara="1" rIns="91425" wrap="square" tIns="91425">
-            <a:noAutofit/>
-          </a:bodyPr>
-          <a:lstStyle/>
-          <a:p>
-            <a:pPr indent="0" lvl="0" marL="0" rtl="0" algn="ctr">
-              <a:spcBef>
-                <a:spcPts val="0"/>
-              </a:spcBef>
-              <a:spcAft>
-                <a:spcPts val="0"/>
-              </a:spcAft>
-              <a:buNone/>
-            </a:pPr>
-            <a:r>
-              <a:rPr lang="en"/>
-              <a:t>1. Values vs. Objects</a:t>
-            </a:r>
-            <a:endParaRPr/>
-          </a:p>
-        </p:txBody>
-      </p:sp>
-    </p:spTree>
-  </p:cSld>
-  <p:clrMapOvr>
-    <a:masterClrMapping/>
-  </p:clrMapOvr>
-</p:sld>
-</file>
-
-<file path=ppt/slides/slide30.xml><?xml version="1.0" encoding="utf-8"?>
-<p:sld xmlns:a="http://schemas.openxmlformats.org/drawingml/2006/main" xmlns:r="http://schemas.openxmlformats.org/officeDocument/2006/relationships" xmlns:mc="http://schemas.openxmlformats.org/markup-compatibility/2006" xmlns:mv="urn:schemas-microsoft-com:mac:vml" xmlns:p="http://schemas.openxmlformats.org/presentationml/2006/main" xmlns:c="http://schemas.openxmlformats.org/drawingml/2006/chart" xmlns:dgm="http://schemas.openxmlformats.org/drawingml/2006/diagram" xmlns:o="urn:schemas-microsoft-com:office:office" xmlns:v="urn:schemas-microsoft-com:vml" xmlns:pvml="urn:schemas-microsoft-com:office:powerpoint" xmlns:com="http://schemas.openxmlformats.org/drawingml/2006/compatibility" xmlns:p14="http://schemas.microsoft.com/office/powerpoint/2010/main" xmlns:p15="http://schemas.microsoft.com/office/powerpoint/2012/main" xmlns:ahyp="http://schemas.microsoft.com/office/drawing/2018/hyperlinkcolor">
-  <p:cSld>
-    <p:spTree>
-      <p:nvGrpSpPr>
-        <p:cNvPr id="248" name="Shape 248"/>
-        <p:cNvGrpSpPr/>
-        <p:nvPr/>
-      </p:nvGrpSpPr>
-      <p:grpSpPr>
-        <a:xfrm>
-          <a:off x="0" y="0"/>
-          <a:ext cx="0" cy="0"/>
-          <a:chOff x="0" y="0"/>
-          <a:chExt cx="0" cy="0"/>
-        </a:xfrm>
-      </p:grpSpPr>
-      <p:sp>
-        <p:nvSpPr>
-          <p:cNvPr id="249" name="Google Shape;249;p37"/>
-          <p:cNvSpPr txBox="1"/>
-          <p:nvPr>
-            <p:ph type="title"/>
-          </p:nvPr>
-        </p:nvSpPr>
-        <p:spPr>
-          <a:xfrm>
-            <a:off x="0" y="0"/>
-            <a:ext cx="9144000" cy="685800"/>
-          </a:xfrm>
-          <a:prstGeom prst="rect">
-            <a:avLst/>
-          </a:prstGeom>
-        </p:spPr>
-        <p:txBody>
-          <a:bodyPr anchorCtr="0" anchor="ctr" bIns="91425" lIns="274300" spcFirstLastPara="1" rIns="91425" wrap="square" tIns="91425">
-            <a:noAutofit/>
-          </a:bodyPr>
-          <a:lstStyle/>
-          <a:p>
-            <a:pPr indent="0" lvl="0" marL="0" rtl="0" algn="l">
-              <a:spcBef>
-                <a:spcPts val="0"/>
-              </a:spcBef>
-              <a:spcAft>
-                <a:spcPts val="0"/>
-              </a:spcAft>
-              <a:buNone/>
-            </a:pPr>
-            <a:r>
-              <a:rPr lang="en"/>
-              <a:t>Base Units of the Metric System</a:t>
-            </a:r>
-            <a:endParaRPr/>
-          </a:p>
-        </p:txBody>
-      </p:sp>
-      <p:sp>
-        <p:nvSpPr>
-          <p:cNvPr id="250" name="Google Shape;250;p37"/>
-          <p:cNvSpPr txBox="1"/>
-          <p:nvPr>
-            <p:ph idx="12" type="sldNum"/>
-          </p:nvPr>
-        </p:nvSpPr>
-        <p:spPr>
-          <a:xfrm>
-            <a:off x="7315202" y="4416550"/>
-            <a:ext cx="1828800" cy="731400"/>
-          </a:xfrm>
-          <a:prstGeom prst="rect">
-            <a:avLst/>
-          </a:prstGeom>
-        </p:spPr>
-        <p:txBody>
-          <a:bodyPr anchorCtr="0" anchor="b" bIns="91425" lIns="91425" spcFirstLastPara="1" rIns="91425" wrap="square" tIns="91425">
-            <a:noAutofit/>
-          </a:bodyPr>
-          <a:lstStyle/>
-          <a:p>
-            <a:pPr indent="0" lvl="0" marL="0" rtl="0" algn="r">
-              <a:spcBef>
-                <a:spcPts val="0"/>
-              </a:spcBef>
-              <a:spcAft>
-                <a:spcPts val="0"/>
-              </a:spcAft>
-              <a:buNone/>
-            </a:pPr>
-            <a:fld id="{00000000-1234-1234-1234-123412341234}" type="slidenum">
-              <a:rPr lang="en"/>
-              <a:t>‹#›</a:t>
-            </a:fld>
-            <a:endParaRPr/>
-          </a:p>
-          <a:p>
-            <a:pPr indent="0" lvl="0" marL="0" rtl="0" algn="r">
-              <a:spcBef>
-                <a:spcPts val="0"/>
-              </a:spcBef>
-              <a:spcAft>
-                <a:spcPts val="0"/>
-              </a:spcAft>
-              <a:buNone/>
-            </a:pPr>
-            <a:r>
-              <a:rPr b="0" lang="en" sz="900" u="sng">
-                <a:solidFill>
-                  <a:schemeClr val="hlink"/>
-                </a:solidFill>
-                <a:hlinkClick r:id="rId3"/>
-              </a:rPr>
-              <a:t>https://oss.cs.fau.de</a:t>
-            </a:r>
-            <a:r>
-              <a:rPr b="0" lang="en" sz="900">
-                <a:solidFill>
-                  <a:schemeClr val="dk2"/>
-                </a:solidFill>
-              </a:rPr>
-              <a:t> </a:t>
-            </a:r>
-            <a:endParaRPr b="0" sz="900">
-              <a:solidFill>
-                <a:schemeClr val="dk2"/>
-              </a:solidFill>
-            </a:endParaRPr>
-          </a:p>
-        </p:txBody>
-      </p:sp>
       <p:graphicFrame>
         <p:nvGraphicFramePr>
-          <p:cNvPr id="251" name="Google Shape;251;p37"/>
+          <p:cNvPr id="244" name="Google Shape;244;p36"/>
           <p:cNvGraphicFramePr/>
           <p:nvPr/>
         </p:nvGraphicFramePr>
@@ -16510,7 +16294,7 @@
             <a:tbl>
               <a:tblPr>
                 <a:noFill/>
-                <a:tableStyleId>{FF7C8C41-CDE2-4CE6-85F1-1E46D743F152}</a:tableStyleId>
+                <a:tableStyleId>{F4AF1C8F-E501-4788-9710-25EA0DD50D42}</a:tableStyleId>
               </a:tblPr>
               <a:tblGrid>
                 <a:gridCol w="2865125"/>
@@ -18063,6 +17847,237 @@
 </p:sld>
 </file>
 
+<file path=ppt/slides/slide3.xml><?xml version="1.0" encoding="utf-8"?>
+<p:sld xmlns:a="http://schemas.openxmlformats.org/drawingml/2006/main" xmlns:r="http://schemas.openxmlformats.org/officeDocument/2006/relationships" xmlns:mc="http://schemas.openxmlformats.org/markup-compatibility/2006" xmlns:mv="urn:schemas-microsoft-com:mac:vml" xmlns:p="http://schemas.openxmlformats.org/presentationml/2006/main" xmlns:c="http://schemas.openxmlformats.org/drawingml/2006/chart" xmlns:dgm="http://schemas.openxmlformats.org/drawingml/2006/diagram" xmlns:o="urn:schemas-microsoft-com:office:office" xmlns:v="urn:schemas-microsoft-com:vml" xmlns:pvml="urn:schemas-microsoft-com:office:powerpoint" xmlns:com="http://schemas.openxmlformats.org/drawingml/2006/compatibility" xmlns:p14="http://schemas.microsoft.com/office/powerpoint/2010/main" xmlns:p15="http://schemas.microsoft.com/office/powerpoint/2012/main" xmlns:ahyp="http://schemas.microsoft.com/office/drawing/2018/hyperlinkcolor">
+  <p:cSld>
+    <p:spTree>
+      <p:nvGrpSpPr>
+        <p:cNvPr id="63" name="Shape 63"/>
+        <p:cNvGrpSpPr/>
+        <p:nvPr/>
+      </p:nvGrpSpPr>
+      <p:grpSpPr>
+        <a:xfrm>
+          <a:off x="0" y="0"/>
+          <a:ext cx="0" cy="0"/>
+          <a:chOff x="0" y="0"/>
+          <a:chExt cx="0" cy="0"/>
+        </a:xfrm>
+      </p:grpSpPr>
+      <p:sp>
+        <p:nvSpPr>
+          <p:cNvPr id="64" name="Google Shape;64;p10"/>
+          <p:cNvSpPr txBox="1"/>
+          <p:nvPr>
+            <p:ph type="title"/>
+          </p:nvPr>
+        </p:nvSpPr>
+        <p:spPr>
+          <a:xfrm>
+            <a:off x="0" y="-7"/>
+            <a:ext cx="9144000" cy="2386500"/>
+          </a:xfrm>
+          <a:prstGeom prst="rect">
+            <a:avLst/>
+          </a:prstGeom>
+        </p:spPr>
+        <p:txBody>
+          <a:bodyPr anchorCtr="0" anchor="b" bIns="274300" lIns="91425" spcFirstLastPara="1" rIns="91425" wrap="square" tIns="91425">
+            <a:noAutofit/>
+          </a:bodyPr>
+          <a:lstStyle/>
+          <a:p>
+            <a:pPr indent="0" lvl="0" marL="0" rtl="0" algn="ctr">
+              <a:spcBef>
+                <a:spcPts val="0"/>
+              </a:spcBef>
+              <a:spcAft>
+                <a:spcPts val="0"/>
+              </a:spcAft>
+              <a:buNone/>
+            </a:pPr>
+            <a:r>
+              <a:rPr lang="en"/>
+              <a:t>1. Values vs. Objects</a:t>
+            </a:r>
+            <a:endParaRPr/>
+          </a:p>
+        </p:txBody>
+      </p:sp>
+    </p:spTree>
+  </p:cSld>
+  <p:clrMapOvr>
+    <a:masterClrMapping/>
+  </p:clrMapOvr>
+</p:sld>
+</file>
+
+<file path=ppt/slides/slide30.xml><?xml version="1.0" encoding="utf-8"?>
+<p:sld xmlns:a="http://schemas.openxmlformats.org/drawingml/2006/main" xmlns:r="http://schemas.openxmlformats.org/officeDocument/2006/relationships" xmlns:mc="http://schemas.openxmlformats.org/markup-compatibility/2006" xmlns:mv="urn:schemas-microsoft-com:mac:vml" xmlns:p="http://schemas.openxmlformats.org/presentationml/2006/main" xmlns:c="http://schemas.openxmlformats.org/drawingml/2006/chart" xmlns:dgm="http://schemas.openxmlformats.org/drawingml/2006/diagram" xmlns:o="urn:schemas-microsoft-com:office:office" xmlns:v="urn:schemas-microsoft-com:vml" xmlns:pvml="urn:schemas-microsoft-com:office:powerpoint" xmlns:com="http://schemas.openxmlformats.org/drawingml/2006/compatibility" xmlns:p14="http://schemas.microsoft.com/office/powerpoint/2010/main" xmlns:p15="http://schemas.microsoft.com/office/powerpoint/2012/main" xmlns:ahyp="http://schemas.microsoft.com/office/drawing/2018/hyperlinkcolor">
+  <p:cSld>
+    <p:spTree>
+      <p:nvGrpSpPr>
+        <p:cNvPr id="248" name="Shape 248"/>
+        <p:cNvGrpSpPr/>
+        <p:nvPr/>
+      </p:nvGrpSpPr>
+      <p:grpSpPr>
+        <a:xfrm>
+          <a:off x="0" y="0"/>
+          <a:ext cx="0" cy="0"/>
+          <a:chOff x="0" y="0"/>
+          <a:chExt cx="0" cy="0"/>
+        </a:xfrm>
+      </p:grpSpPr>
+      <p:sp>
+        <p:nvSpPr>
+          <p:cNvPr id="249" name="Google Shape;249;p37"/>
+          <p:cNvSpPr txBox="1"/>
+          <p:nvPr>
+            <p:ph type="title"/>
+          </p:nvPr>
+        </p:nvSpPr>
+        <p:spPr>
+          <a:xfrm>
+            <a:off x="0" y="0"/>
+            <a:ext cx="9144000" cy="685800"/>
+          </a:xfrm>
+          <a:prstGeom prst="rect">
+            <a:avLst/>
+          </a:prstGeom>
+        </p:spPr>
+        <p:txBody>
+          <a:bodyPr anchorCtr="0" anchor="ctr" bIns="91425" lIns="274300" spcFirstLastPara="1" rIns="91425" wrap="square" tIns="91425">
+            <a:noAutofit/>
+          </a:bodyPr>
+          <a:lstStyle/>
+          <a:p>
+            <a:pPr indent="0" lvl="0" marL="0" rtl="0" algn="l">
+              <a:spcBef>
+                <a:spcPts val="0"/>
+              </a:spcBef>
+              <a:spcAft>
+                <a:spcPts val="0"/>
+              </a:spcAft>
+              <a:buNone/>
+            </a:pPr>
+            <a:r>
+              <a:rPr lang="en"/>
+              <a:t>Introducing QuantityUnit</a:t>
+            </a:r>
+            <a:endParaRPr/>
+          </a:p>
+        </p:txBody>
+      </p:sp>
+      <p:sp>
+        <p:nvSpPr>
+          <p:cNvPr id="250" name="Google Shape;250;p37"/>
+          <p:cNvSpPr txBox="1"/>
+          <p:nvPr>
+            <p:ph idx="12" type="sldNum"/>
+          </p:nvPr>
+        </p:nvSpPr>
+        <p:spPr>
+          <a:xfrm>
+            <a:off x="7315202" y="4416550"/>
+            <a:ext cx="1828800" cy="731400"/>
+          </a:xfrm>
+          <a:prstGeom prst="rect">
+            <a:avLst/>
+          </a:prstGeom>
+        </p:spPr>
+        <p:txBody>
+          <a:bodyPr anchorCtr="0" anchor="b" bIns="91425" lIns="91425" spcFirstLastPara="1" rIns="91425" wrap="square" tIns="91425">
+            <a:noAutofit/>
+          </a:bodyPr>
+          <a:lstStyle/>
+          <a:p>
+            <a:pPr indent="0" lvl="0" marL="0" rtl="0" algn="r">
+              <a:spcBef>
+                <a:spcPts val="0"/>
+              </a:spcBef>
+              <a:spcAft>
+                <a:spcPts val="0"/>
+              </a:spcAft>
+              <a:buNone/>
+            </a:pPr>
+            <a:fld id="{00000000-1234-1234-1234-123412341234}" type="slidenum">
+              <a:rPr lang="en"/>
+              <a:t>‹#›</a:t>
+            </a:fld>
+            <a:endParaRPr/>
+          </a:p>
+          <a:p>
+            <a:pPr indent="0" lvl="0" marL="0" rtl="0" algn="r">
+              <a:spcBef>
+                <a:spcPts val="0"/>
+              </a:spcBef>
+              <a:spcAft>
+                <a:spcPts val="0"/>
+              </a:spcAft>
+              <a:buNone/>
+            </a:pPr>
+            <a:r>
+              <a:rPr b="0" lang="en" sz="900" u="sng">
+                <a:solidFill>
+                  <a:schemeClr val="hlink"/>
+                </a:solidFill>
+                <a:hlinkClick r:id="rId3"/>
+              </a:rPr>
+              <a:t>https://oss.cs.fau.de</a:t>
+            </a:r>
+            <a:r>
+              <a:rPr b="0" lang="en" sz="900">
+                <a:solidFill>
+                  <a:schemeClr val="dk2"/>
+                </a:solidFill>
+              </a:rPr>
+              <a:t> </a:t>
+            </a:r>
+            <a:endParaRPr b="0" sz="900">
+              <a:solidFill>
+                <a:schemeClr val="dk2"/>
+              </a:solidFill>
+            </a:endParaRPr>
+          </a:p>
+        </p:txBody>
+      </p:sp>
+      <p:pic>
+        <p:nvPicPr>
+          <p:cNvPr id="251" name="Google Shape;251;p37"/>
+          <p:cNvPicPr preferRelativeResize="0"/>
+          <p:nvPr/>
+        </p:nvPicPr>
+        <p:blipFill>
+          <a:blip r:embed="rId4">
+            <a:alphaModFix/>
+          </a:blip>
+          <a:stretch>
+            <a:fillRect/>
+          </a:stretch>
+        </p:blipFill>
+        <p:spPr>
+          <a:xfrm>
+            <a:off x="274320" y="914400"/>
+            <a:ext cx="8595360" cy="3502840"/>
+          </a:xfrm>
+          <a:prstGeom prst="rect">
+            <a:avLst/>
+          </a:prstGeom>
+          <a:noFill/>
+          <a:ln>
+            <a:noFill/>
+          </a:ln>
+        </p:spPr>
+      </p:pic>
+    </p:spTree>
+  </p:cSld>
+  <p:clrMapOvr>
+    <a:masterClrMapping/>
+  </p:clrMapOvr>
+</p:sld>
+</file>
+
 <file path=ppt/slides/slide31.xml><?xml version="1.0" encoding="utf-8"?>
 <p:sld xmlns:a="http://schemas.openxmlformats.org/drawingml/2006/main" xmlns:r="http://schemas.openxmlformats.org/officeDocument/2006/relationships" xmlns:mc="http://schemas.openxmlformats.org/markup-compatibility/2006" xmlns:mv="urn:schemas-microsoft-com:mac:vml" xmlns:p="http://schemas.openxmlformats.org/presentationml/2006/main" xmlns:c="http://schemas.openxmlformats.org/drawingml/2006/chart" xmlns:dgm="http://schemas.openxmlformats.org/drawingml/2006/diagram" xmlns:o="urn:schemas-microsoft-com:office:office" xmlns:v="urn:schemas-microsoft-com:vml" xmlns:pvml="urn:schemas-microsoft-com:office:powerpoint" xmlns:com="http://schemas.openxmlformats.org/drawingml/2006/compatibility" xmlns:p14="http://schemas.microsoft.com/office/powerpoint/2010/main" xmlns:p15="http://schemas.microsoft.com/office/powerpoint/2012/main" xmlns:ahyp="http://schemas.microsoft.com/office/drawing/2018/hyperlinkcolor">
   <p:cSld>
@@ -22492,7 +22507,7 @@
                 <a:solidFill>
                   <a:schemeClr val="hlink"/>
                 </a:solidFill>
-                <a:hlinkClick r:id="rId3"/>
+                <a:hlinkClick r:id="rId4"/>
               </a:rPr>
               <a:t>https://oss.cs.fau.de</a:t>
             </a:r>
@@ -31534,7 +31549,7 @@
             </a:pPr>
             <a:r>
               <a:rPr lang="en"/>
-              <a:t>There typically is no first-class concept of “value” [1]</a:t>
+              <a:t>There typically is no first-class concept of “value type” [1]</a:t>
             </a:r>
             <a:endParaRPr/>
           </a:p>
